--- a/clases/Cap05_Evaluacion/presentations/PAT05_ConfusionMatrix.pptx
+++ b/clases/Cap05_Evaluacion/presentations/PAT05_ConfusionMatrix.pptx
@@ -234,7 +234,7 @@
           <a:p>
             <a:fld id="{089CB84B-3086-824D-91F5-F571CFDD3E7D}" type="datetimeFigureOut">
               <a:rPr lang="en-US" smtClean="0"/>
-              <a:t>5/16/19</a:t>
+              <a:t>6/11/20</a:t>
             </a:fld>
             <a:endParaRPr lang="en-US"/>
           </a:p>
@@ -298,35 +298,35 @@
           <a:p>
             <a:pPr lvl="0"/>
             <a:r>
-              <a:rPr lang="es-ES_tradnl" smtClean="0"/>
+              <a:rPr lang="es-ES_tradnl"/>
               <a:t>Click to edit Master text styles</a:t>
             </a:r>
           </a:p>
           <a:p>
             <a:pPr lvl="1"/>
             <a:r>
-              <a:rPr lang="es-ES_tradnl" smtClean="0"/>
+              <a:rPr lang="es-ES_tradnl"/>
               <a:t>Second level</a:t>
             </a:r>
           </a:p>
           <a:p>
             <a:pPr lvl="2"/>
             <a:r>
-              <a:rPr lang="es-ES_tradnl" smtClean="0"/>
+              <a:rPr lang="es-ES_tradnl"/>
               <a:t>Third level</a:t>
             </a:r>
           </a:p>
           <a:p>
             <a:pPr lvl="3"/>
             <a:r>
-              <a:rPr lang="es-ES_tradnl" smtClean="0"/>
+              <a:rPr lang="es-ES_tradnl"/>
               <a:t>Fourth level</a:t>
             </a:r>
           </a:p>
           <a:p>
             <a:pPr lvl="4"/>
             <a:r>
-              <a:rPr lang="es-ES_tradnl" smtClean="0"/>
+              <a:rPr lang="es-ES_tradnl"/>
               <a:t>Fifth level</a:t>
             </a:r>
             <a:endParaRPr lang="en-US"/>
@@ -578,7 +578,7 @@
           <a:lstStyle/>
           <a:p>
             <a:pPr eaLnBrk="1" hangingPunct="1"/>
-            <a:endParaRPr lang="es-ES" smtClean="0"/>
+            <a:endParaRPr lang="es-ES"/>
           </a:p>
         </p:txBody>
       </p:sp>
@@ -717,10 +717,9 @@
           <a:lstStyle/>
           <a:p>
             <a:r>
-              <a:rPr lang="en-US" smtClean="0"/>
+              <a:rPr lang="en-US"/>
               <a:t>Click to edit Master title style</a:t>
             </a:r>
-            <a:endParaRPr lang="en-US"/>
           </a:p>
         </p:txBody>
       </p:sp>
@@ -836,10 +835,9 @@
           </a:lstStyle>
           <a:p>
             <a:r>
-              <a:rPr lang="en-US" smtClean="0"/>
+              <a:rPr lang="en-US"/>
               <a:t>Click to edit Master subtitle style</a:t>
             </a:r>
-            <a:endParaRPr lang="en-US"/>
           </a:p>
         </p:txBody>
       </p:sp>
@@ -858,9 +856,9 @@
           <a:bodyPr/>
           <a:lstStyle/>
           <a:p>
-            <a:fld id="{D3AE09B4-90D0-1245-B83D-B1B2932963E4}" type="datetimeFigureOut">
-              <a:rPr lang="en-US" smtClean="0"/>
-              <a:t>5/16/19</a:t>
+            <a:fld id="{BBACFB44-8788-A749-9C3A-9AA984AD1C1A}" type="datetime1">
+              <a:rPr lang="en-AU" smtClean="0"/>
+              <a:t>11/6/20</a:t>
             </a:fld>
             <a:endParaRPr lang="en-US"/>
           </a:p>
@@ -954,7 +952,7 @@
           <a:lstStyle/>
           <a:p>
             <a:r>
-              <a:rPr lang="es-ES_tradnl" smtClean="0"/>
+              <a:rPr lang="es-ES_tradnl"/>
               <a:t>Click to edit Master title style</a:t>
             </a:r>
             <a:endParaRPr lang="en-US"/>
@@ -978,35 +976,35 @@
           <a:p>
             <a:pPr lvl="0"/>
             <a:r>
-              <a:rPr lang="es-ES_tradnl" smtClean="0"/>
+              <a:rPr lang="es-ES_tradnl"/>
               <a:t>Click to edit Master text styles</a:t>
             </a:r>
           </a:p>
           <a:p>
             <a:pPr lvl="1"/>
             <a:r>
-              <a:rPr lang="es-ES_tradnl" smtClean="0"/>
+              <a:rPr lang="es-ES_tradnl"/>
               <a:t>Second level</a:t>
             </a:r>
           </a:p>
           <a:p>
             <a:pPr lvl="2"/>
             <a:r>
-              <a:rPr lang="es-ES_tradnl" smtClean="0"/>
+              <a:rPr lang="es-ES_tradnl"/>
               <a:t>Third level</a:t>
             </a:r>
           </a:p>
           <a:p>
             <a:pPr lvl="3"/>
             <a:r>
-              <a:rPr lang="es-ES_tradnl" smtClean="0"/>
+              <a:rPr lang="es-ES_tradnl"/>
               <a:t>Fourth level</a:t>
             </a:r>
           </a:p>
           <a:p>
             <a:pPr lvl="4"/>
             <a:r>
-              <a:rPr lang="es-ES_tradnl" smtClean="0"/>
+              <a:rPr lang="es-ES_tradnl"/>
               <a:t>Fifth level</a:t>
             </a:r>
             <a:endParaRPr lang="en-US"/>
@@ -1028,9 +1026,9 @@
           <a:bodyPr/>
           <a:lstStyle/>
           <a:p>
-            <a:fld id="{D3AE09B4-90D0-1245-B83D-B1B2932963E4}" type="datetimeFigureOut">
-              <a:rPr lang="en-US" smtClean="0"/>
-              <a:t>5/16/19</a:t>
+            <a:fld id="{802F780F-C6CB-7041-B6E2-51E72636706A}" type="datetime1">
+              <a:rPr lang="en-AU" smtClean="0"/>
+              <a:t>11/6/20</a:t>
             </a:fld>
             <a:endParaRPr lang="en-US"/>
           </a:p>
@@ -1129,7 +1127,7 @@
           <a:lstStyle/>
           <a:p>
             <a:r>
-              <a:rPr lang="es-ES_tradnl" smtClean="0"/>
+              <a:rPr lang="es-ES_tradnl"/>
               <a:t>Click to edit Master title style</a:t>
             </a:r>
             <a:endParaRPr lang="en-US"/>
@@ -1158,35 +1156,35 @@
           <a:p>
             <a:pPr lvl="0"/>
             <a:r>
-              <a:rPr lang="es-ES_tradnl" smtClean="0"/>
+              <a:rPr lang="es-ES_tradnl"/>
               <a:t>Click to edit Master text styles</a:t>
             </a:r>
           </a:p>
           <a:p>
             <a:pPr lvl="1"/>
             <a:r>
-              <a:rPr lang="es-ES_tradnl" smtClean="0"/>
+              <a:rPr lang="es-ES_tradnl"/>
               <a:t>Second level</a:t>
             </a:r>
           </a:p>
           <a:p>
             <a:pPr lvl="2"/>
             <a:r>
-              <a:rPr lang="es-ES_tradnl" smtClean="0"/>
+              <a:rPr lang="es-ES_tradnl"/>
               <a:t>Third level</a:t>
             </a:r>
           </a:p>
           <a:p>
             <a:pPr lvl="3"/>
             <a:r>
-              <a:rPr lang="es-ES_tradnl" smtClean="0"/>
+              <a:rPr lang="es-ES_tradnl"/>
               <a:t>Fourth level</a:t>
             </a:r>
           </a:p>
           <a:p>
             <a:pPr lvl="4"/>
             <a:r>
-              <a:rPr lang="es-ES_tradnl" smtClean="0"/>
+              <a:rPr lang="es-ES_tradnl"/>
               <a:t>Fifth level</a:t>
             </a:r>
             <a:endParaRPr lang="en-US"/>
@@ -1208,9 +1206,9 @@
           <a:bodyPr/>
           <a:lstStyle/>
           <a:p>
-            <a:fld id="{D3AE09B4-90D0-1245-B83D-B1B2932963E4}" type="datetimeFigureOut">
-              <a:rPr lang="en-US" smtClean="0"/>
-              <a:t>5/16/19</a:t>
+            <a:fld id="{861E8964-5FA7-B743-BE42-A3E6EFC642D5}" type="datetime1">
+              <a:rPr lang="en-AU" smtClean="0"/>
+              <a:t>11/6/20</a:t>
             </a:fld>
             <a:endParaRPr lang="en-US"/>
           </a:p>
@@ -1304,7 +1302,7 @@
           <a:lstStyle/>
           <a:p>
             <a:r>
-              <a:rPr lang="es-ES_tradnl" smtClean="0"/>
+              <a:rPr lang="es-ES_tradnl"/>
               <a:t>Click to edit Master title style</a:t>
             </a:r>
             <a:endParaRPr lang="en-US"/>
@@ -1328,35 +1326,35 @@
           <a:p>
             <a:pPr lvl="0"/>
             <a:r>
-              <a:rPr lang="es-ES_tradnl" smtClean="0"/>
+              <a:rPr lang="es-ES_tradnl"/>
               <a:t>Click to edit Master text styles</a:t>
             </a:r>
           </a:p>
           <a:p>
             <a:pPr lvl="1"/>
             <a:r>
-              <a:rPr lang="es-ES_tradnl" smtClean="0"/>
+              <a:rPr lang="es-ES_tradnl"/>
               <a:t>Second level</a:t>
             </a:r>
           </a:p>
           <a:p>
             <a:pPr lvl="2"/>
             <a:r>
-              <a:rPr lang="es-ES_tradnl" smtClean="0"/>
+              <a:rPr lang="es-ES_tradnl"/>
               <a:t>Third level</a:t>
             </a:r>
           </a:p>
           <a:p>
             <a:pPr lvl="3"/>
             <a:r>
-              <a:rPr lang="es-ES_tradnl" smtClean="0"/>
+              <a:rPr lang="es-ES_tradnl"/>
               <a:t>Fourth level</a:t>
             </a:r>
           </a:p>
           <a:p>
             <a:pPr lvl="4"/>
             <a:r>
-              <a:rPr lang="es-ES_tradnl" smtClean="0"/>
+              <a:rPr lang="es-ES_tradnl"/>
               <a:t>Fifth level</a:t>
             </a:r>
             <a:endParaRPr lang="en-US"/>
@@ -1378,9 +1376,9 @@
           <a:bodyPr/>
           <a:lstStyle/>
           <a:p>
-            <a:fld id="{D3AE09B4-90D0-1245-B83D-B1B2932963E4}" type="datetimeFigureOut">
-              <a:rPr lang="en-US" smtClean="0"/>
-              <a:t>5/16/19</a:t>
+            <a:fld id="{A5CF7600-5B53-5D4B-9A1C-00C180EA4ACC}" type="datetime1">
+              <a:rPr lang="en-AU" smtClean="0"/>
+              <a:t>11/6/20</a:t>
             </a:fld>
             <a:endParaRPr lang="en-US"/>
           </a:p>
@@ -1483,7 +1481,7 @@
           </a:lstStyle>
           <a:p>
             <a:r>
-              <a:rPr lang="es-ES_tradnl" smtClean="0"/>
+              <a:rPr lang="es-ES_tradnl"/>
               <a:t>Click to edit Master title style</a:t>
             </a:r>
             <a:endParaRPr lang="en-US"/>
@@ -1603,7 +1601,7 @@
           <a:p>
             <a:pPr lvl="0"/>
             <a:r>
-              <a:rPr lang="es-ES_tradnl" smtClean="0"/>
+              <a:rPr lang="es-ES_tradnl"/>
               <a:t>Click to edit Master text styles</a:t>
             </a:r>
           </a:p>
@@ -1624,9 +1622,9 @@
           <a:bodyPr/>
           <a:lstStyle/>
           <a:p>
-            <a:fld id="{D3AE09B4-90D0-1245-B83D-B1B2932963E4}" type="datetimeFigureOut">
-              <a:rPr lang="en-US" smtClean="0"/>
-              <a:t>5/16/19</a:t>
+            <a:fld id="{FF42827D-66C1-8845-B375-046F25EBA1A4}" type="datetime1">
+              <a:rPr lang="en-AU" smtClean="0"/>
+              <a:t>11/6/20</a:t>
             </a:fld>
             <a:endParaRPr lang="en-US"/>
           </a:p>
@@ -1720,7 +1718,7 @@
           <a:lstStyle/>
           <a:p>
             <a:r>
-              <a:rPr lang="es-ES_tradnl" smtClean="0"/>
+              <a:rPr lang="es-ES_tradnl"/>
               <a:t>Click to edit Master title style</a:t>
             </a:r>
             <a:endParaRPr lang="en-US"/>
@@ -1777,35 +1775,35 @@
           <a:p>
             <a:pPr lvl="0"/>
             <a:r>
-              <a:rPr lang="es-ES_tradnl" smtClean="0"/>
+              <a:rPr lang="es-ES_tradnl"/>
               <a:t>Click to edit Master text styles</a:t>
             </a:r>
           </a:p>
           <a:p>
             <a:pPr lvl="1"/>
             <a:r>
-              <a:rPr lang="es-ES_tradnl" smtClean="0"/>
+              <a:rPr lang="es-ES_tradnl"/>
               <a:t>Second level</a:t>
             </a:r>
           </a:p>
           <a:p>
             <a:pPr lvl="2"/>
             <a:r>
-              <a:rPr lang="es-ES_tradnl" smtClean="0"/>
+              <a:rPr lang="es-ES_tradnl"/>
               <a:t>Third level</a:t>
             </a:r>
           </a:p>
           <a:p>
             <a:pPr lvl="3"/>
             <a:r>
-              <a:rPr lang="es-ES_tradnl" smtClean="0"/>
+              <a:rPr lang="es-ES_tradnl"/>
               <a:t>Fourth level</a:t>
             </a:r>
           </a:p>
           <a:p>
             <a:pPr lvl="4"/>
             <a:r>
-              <a:rPr lang="es-ES_tradnl" smtClean="0"/>
+              <a:rPr lang="es-ES_tradnl"/>
               <a:t>Fifth level</a:t>
             </a:r>
             <a:endParaRPr lang="en-US"/>
@@ -1862,35 +1860,35 @@
           <a:p>
             <a:pPr lvl="0"/>
             <a:r>
-              <a:rPr lang="es-ES_tradnl" smtClean="0"/>
+              <a:rPr lang="es-ES_tradnl"/>
               <a:t>Click to edit Master text styles</a:t>
             </a:r>
           </a:p>
           <a:p>
             <a:pPr lvl="1"/>
             <a:r>
-              <a:rPr lang="es-ES_tradnl" smtClean="0"/>
+              <a:rPr lang="es-ES_tradnl"/>
               <a:t>Second level</a:t>
             </a:r>
           </a:p>
           <a:p>
             <a:pPr lvl="2"/>
             <a:r>
-              <a:rPr lang="es-ES_tradnl" smtClean="0"/>
+              <a:rPr lang="es-ES_tradnl"/>
               <a:t>Third level</a:t>
             </a:r>
           </a:p>
           <a:p>
             <a:pPr lvl="3"/>
             <a:r>
-              <a:rPr lang="es-ES_tradnl" smtClean="0"/>
+              <a:rPr lang="es-ES_tradnl"/>
               <a:t>Fourth level</a:t>
             </a:r>
           </a:p>
           <a:p>
             <a:pPr lvl="4"/>
             <a:r>
-              <a:rPr lang="es-ES_tradnl" smtClean="0"/>
+              <a:rPr lang="es-ES_tradnl"/>
               <a:t>Fifth level</a:t>
             </a:r>
             <a:endParaRPr lang="en-US"/>
@@ -1912,9 +1910,9 @@
           <a:bodyPr/>
           <a:lstStyle/>
           <a:p>
-            <a:fld id="{D3AE09B4-90D0-1245-B83D-B1B2932963E4}" type="datetimeFigureOut">
-              <a:rPr lang="en-US" smtClean="0"/>
-              <a:t>5/16/19</a:t>
+            <a:fld id="{3F27383E-F0B0-864C-812F-BC6E84BFA2A6}" type="datetime1">
+              <a:rPr lang="en-AU" smtClean="0"/>
+              <a:t>11/6/20</a:t>
             </a:fld>
             <a:endParaRPr lang="en-US"/>
           </a:p>
@@ -2012,7 +2010,7 @@
           </a:lstStyle>
           <a:p>
             <a:r>
-              <a:rPr lang="es-ES_tradnl" smtClean="0"/>
+              <a:rPr lang="es-ES_tradnl"/>
               <a:t>Click to edit Master title style</a:t>
             </a:r>
             <a:endParaRPr lang="en-US"/>
@@ -2078,7 +2076,7 @@
           <a:p>
             <a:pPr lvl="0"/>
             <a:r>
-              <a:rPr lang="es-ES_tradnl" smtClean="0"/>
+              <a:rPr lang="es-ES_tradnl"/>
               <a:t>Click to edit Master text styles</a:t>
             </a:r>
           </a:p>
@@ -2134,35 +2132,35 @@
           <a:p>
             <a:pPr lvl="0"/>
             <a:r>
-              <a:rPr lang="es-ES_tradnl" smtClean="0"/>
+              <a:rPr lang="es-ES_tradnl"/>
               <a:t>Click to edit Master text styles</a:t>
             </a:r>
           </a:p>
           <a:p>
             <a:pPr lvl="1"/>
             <a:r>
-              <a:rPr lang="es-ES_tradnl" smtClean="0"/>
+              <a:rPr lang="es-ES_tradnl"/>
               <a:t>Second level</a:t>
             </a:r>
           </a:p>
           <a:p>
             <a:pPr lvl="2"/>
             <a:r>
-              <a:rPr lang="es-ES_tradnl" smtClean="0"/>
+              <a:rPr lang="es-ES_tradnl"/>
               <a:t>Third level</a:t>
             </a:r>
           </a:p>
           <a:p>
             <a:pPr lvl="3"/>
             <a:r>
-              <a:rPr lang="es-ES_tradnl" smtClean="0"/>
+              <a:rPr lang="es-ES_tradnl"/>
               <a:t>Fourth level</a:t>
             </a:r>
           </a:p>
           <a:p>
             <a:pPr lvl="4"/>
             <a:r>
-              <a:rPr lang="es-ES_tradnl" smtClean="0"/>
+              <a:rPr lang="es-ES_tradnl"/>
               <a:t>Fifth level</a:t>
             </a:r>
             <a:endParaRPr lang="en-US"/>
@@ -2228,7 +2226,7 @@
           <a:p>
             <a:pPr lvl="0"/>
             <a:r>
-              <a:rPr lang="es-ES_tradnl" smtClean="0"/>
+              <a:rPr lang="es-ES_tradnl"/>
               <a:t>Click to edit Master text styles</a:t>
             </a:r>
           </a:p>
@@ -2284,35 +2282,35 @@
           <a:p>
             <a:pPr lvl="0"/>
             <a:r>
-              <a:rPr lang="es-ES_tradnl" smtClean="0"/>
+              <a:rPr lang="es-ES_tradnl"/>
               <a:t>Click to edit Master text styles</a:t>
             </a:r>
           </a:p>
           <a:p>
             <a:pPr lvl="1"/>
             <a:r>
-              <a:rPr lang="es-ES_tradnl" smtClean="0"/>
+              <a:rPr lang="es-ES_tradnl"/>
               <a:t>Second level</a:t>
             </a:r>
           </a:p>
           <a:p>
             <a:pPr lvl="2"/>
             <a:r>
-              <a:rPr lang="es-ES_tradnl" smtClean="0"/>
+              <a:rPr lang="es-ES_tradnl"/>
               <a:t>Third level</a:t>
             </a:r>
           </a:p>
           <a:p>
             <a:pPr lvl="3"/>
             <a:r>
-              <a:rPr lang="es-ES_tradnl" smtClean="0"/>
+              <a:rPr lang="es-ES_tradnl"/>
               <a:t>Fourth level</a:t>
             </a:r>
           </a:p>
           <a:p>
             <a:pPr lvl="4"/>
             <a:r>
-              <a:rPr lang="es-ES_tradnl" smtClean="0"/>
+              <a:rPr lang="es-ES_tradnl"/>
               <a:t>Fifth level</a:t>
             </a:r>
             <a:endParaRPr lang="en-US"/>
@@ -2334,9 +2332,9 @@
           <a:bodyPr/>
           <a:lstStyle/>
           <a:p>
-            <a:fld id="{D3AE09B4-90D0-1245-B83D-B1B2932963E4}" type="datetimeFigureOut">
-              <a:rPr lang="en-US" smtClean="0"/>
-              <a:t>5/16/19</a:t>
+            <a:fld id="{93407324-84E3-C540-9709-EC8DF05107DA}" type="datetime1">
+              <a:rPr lang="en-AU" smtClean="0"/>
+              <a:t>11/6/20</a:t>
             </a:fld>
             <a:endParaRPr lang="en-US"/>
           </a:p>
@@ -2430,7 +2428,7 @@
           <a:lstStyle/>
           <a:p>
             <a:r>
-              <a:rPr lang="es-ES_tradnl" smtClean="0"/>
+              <a:rPr lang="es-ES_tradnl"/>
               <a:t>Click to edit Master title style</a:t>
             </a:r>
             <a:endParaRPr lang="en-US"/>
@@ -2452,9 +2450,9 @@
           <a:bodyPr/>
           <a:lstStyle/>
           <a:p>
-            <a:fld id="{D3AE09B4-90D0-1245-B83D-B1B2932963E4}" type="datetimeFigureOut">
-              <a:rPr lang="en-US" smtClean="0"/>
-              <a:t>5/16/19</a:t>
+            <a:fld id="{85D2A8C1-D0A5-1B46-B38F-340CFD2E2291}" type="datetime1">
+              <a:rPr lang="en-AU" smtClean="0"/>
+              <a:t>11/6/20</a:t>
             </a:fld>
             <a:endParaRPr lang="en-US"/>
           </a:p>
@@ -2547,9 +2545,9 @@
           <a:bodyPr/>
           <a:lstStyle/>
           <a:p>
-            <a:fld id="{D3AE09B4-90D0-1245-B83D-B1B2932963E4}" type="datetimeFigureOut">
-              <a:rPr lang="en-US" smtClean="0"/>
-              <a:t>5/16/19</a:t>
+            <a:fld id="{F9796F46-70AC-6544-A2FE-763317A50DAB}" type="datetime1">
+              <a:rPr lang="en-AU" smtClean="0"/>
+              <a:t>11/6/20</a:t>
             </a:fld>
             <a:endParaRPr lang="en-US"/>
           </a:p>
@@ -2652,7 +2650,7 @@
           </a:lstStyle>
           <a:p>
             <a:r>
-              <a:rPr lang="es-ES_tradnl" smtClean="0"/>
+              <a:rPr lang="es-ES_tradnl"/>
               <a:t>Click to edit Master title style</a:t>
             </a:r>
             <a:endParaRPr lang="en-US"/>
@@ -2709,35 +2707,35 @@
           <a:p>
             <a:pPr lvl="0"/>
             <a:r>
-              <a:rPr lang="es-ES_tradnl" smtClean="0"/>
+              <a:rPr lang="es-ES_tradnl"/>
               <a:t>Click to edit Master text styles</a:t>
             </a:r>
           </a:p>
           <a:p>
             <a:pPr lvl="1"/>
             <a:r>
-              <a:rPr lang="es-ES_tradnl" smtClean="0"/>
+              <a:rPr lang="es-ES_tradnl"/>
               <a:t>Second level</a:t>
             </a:r>
           </a:p>
           <a:p>
             <a:pPr lvl="2"/>
             <a:r>
-              <a:rPr lang="es-ES_tradnl" smtClean="0"/>
+              <a:rPr lang="es-ES_tradnl"/>
               <a:t>Third level</a:t>
             </a:r>
           </a:p>
           <a:p>
             <a:pPr lvl="3"/>
             <a:r>
-              <a:rPr lang="es-ES_tradnl" smtClean="0"/>
+              <a:rPr lang="es-ES_tradnl"/>
               <a:t>Fourth level</a:t>
             </a:r>
           </a:p>
           <a:p>
             <a:pPr lvl="4"/>
             <a:r>
-              <a:rPr lang="es-ES_tradnl" smtClean="0"/>
+              <a:rPr lang="es-ES_tradnl"/>
               <a:t>Fifth level</a:t>
             </a:r>
             <a:endParaRPr lang="en-US"/>
@@ -2803,7 +2801,7 @@
           <a:p>
             <a:pPr lvl="0"/>
             <a:r>
-              <a:rPr lang="es-ES_tradnl" smtClean="0"/>
+              <a:rPr lang="es-ES_tradnl"/>
               <a:t>Click to edit Master text styles</a:t>
             </a:r>
           </a:p>
@@ -2824,9 +2822,9 @@
           <a:bodyPr/>
           <a:lstStyle/>
           <a:p>
-            <a:fld id="{D3AE09B4-90D0-1245-B83D-B1B2932963E4}" type="datetimeFigureOut">
-              <a:rPr lang="en-US" smtClean="0"/>
-              <a:t>5/16/19</a:t>
+            <a:fld id="{7ED028BD-4543-B247-8A97-C3039CA92649}" type="datetime1">
+              <a:rPr lang="en-AU" smtClean="0"/>
+              <a:t>11/6/20</a:t>
             </a:fld>
             <a:endParaRPr lang="en-US"/>
           </a:p>
@@ -2929,7 +2927,7 @@
           </a:lstStyle>
           <a:p>
             <a:r>
-              <a:rPr lang="es-ES_tradnl" smtClean="0"/>
+              <a:rPr lang="es-ES_tradnl"/>
               <a:t>Click to edit Master title style</a:t>
             </a:r>
             <a:endParaRPr lang="en-US"/>
@@ -3056,7 +3054,7 @@
           <a:p>
             <a:pPr lvl="0"/>
             <a:r>
-              <a:rPr lang="es-ES_tradnl" smtClean="0"/>
+              <a:rPr lang="es-ES_tradnl"/>
               <a:t>Click to edit Master text styles</a:t>
             </a:r>
           </a:p>
@@ -3077,9 +3075,9 @@
           <a:bodyPr/>
           <a:lstStyle/>
           <a:p>
-            <a:fld id="{D3AE09B4-90D0-1245-B83D-B1B2932963E4}" type="datetimeFigureOut">
-              <a:rPr lang="en-US" smtClean="0"/>
-              <a:t>5/16/19</a:t>
+            <a:fld id="{DD60C97B-51D3-2849-AFA0-E2276A30B22F}" type="datetime1">
+              <a:rPr lang="en-AU" smtClean="0"/>
+              <a:t>11/6/20</a:t>
             </a:fld>
             <a:endParaRPr lang="en-US"/>
           </a:p>
@@ -3188,10 +3186,9 @@
           <a:lstStyle/>
           <a:p>
             <a:r>
-              <a:rPr lang="en-US" smtClean="0"/>
+              <a:rPr lang="en-US"/>
               <a:t>Click to edit Master title style</a:t>
             </a:r>
-            <a:endParaRPr lang="en-US"/>
           </a:p>
         </p:txBody>
       </p:sp>
@@ -3222,38 +3219,37 @@
           <a:p>
             <a:pPr lvl="0"/>
             <a:r>
-              <a:rPr lang="en-US" smtClean="0"/>
+              <a:rPr lang="en-US"/>
               <a:t>Click to edit Master text styles</a:t>
             </a:r>
           </a:p>
           <a:p>
             <a:pPr lvl="1"/>
             <a:r>
-              <a:rPr lang="en-US" smtClean="0"/>
+              <a:rPr lang="en-US"/>
               <a:t>Second level</a:t>
             </a:r>
           </a:p>
           <a:p>
             <a:pPr lvl="2"/>
             <a:r>
-              <a:rPr lang="en-US" smtClean="0"/>
+              <a:rPr lang="en-US"/>
               <a:t>Third level</a:t>
             </a:r>
           </a:p>
           <a:p>
             <a:pPr lvl="3"/>
             <a:r>
-              <a:rPr lang="en-US" smtClean="0"/>
+              <a:rPr lang="en-US"/>
               <a:t>Fourth level</a:t>
             </a:r>
           </a:p>
           <a:p>
             <a:pPr lvl="4"/>
             <a:r>
-              <a:rPr lang="en-US" smtClean="0"/>
+              <a:rPr lang="en-US"/>
               <a:t>Fifth level</a:t>
             </a:r>
-            <a:endParaRPr lang="en-US"/>
           </a:p>
         </p:txBody>
       </p:sp>
@@ -3290,9 +3286,9 @@
             </a:lvl1pPr>
           </a:lstStyle>
           <a:p>
-            <a:fld id="{D3AE09B4-90D0-1245-B83D-B1B2932963E4}" type="datetimeFigureOut">
-              <a:rPr lang="en-US" smtClean="0"/>
-              <a:t>5/16/19</a:t>
+            <a:fld id="{A7890746-FE7D-114C-97D5-F9F4EAF1830F}" type="datetime1">
+              <a:rPr lang="en-AU" smtClean="0"/>
+              <a:t>11/6/20</a:t>
             </a:fld>
             <a:endParaRPr lang="en-US"/>
           </a:p>
@@ -3397,6 +3393,7 @@
     <p:sldLayoutId id="2147483658" r:id="rId10"/>
     <p:sldLayoutId id="2147483659" r:id="rId11"/>
   </p:sldLayoutIdLst>
+  <p:hf hdr="0" ftr="0" dt="0"/>
   <p:txStyles>
     <p:titleStyle>
       <a:lvl1pPr algn="ctr" defTabSz="457200" rtl="0" eaLnBrk="1" latinLnBrk="0" hangingPunct="1">
@@ -3707,7 +3704,7 @@
           <a:p>
             <a:pPr algn="ctr"/>
             <a:r>
-              <a:rPr lang="es-CL" sz="2400" dirty="0" smtClean="0">
+              <a:rPr lang="es-CL" sz="2400" dirty="0">
                 <a:solidFill>
                   <a:srgbClr val="FF0000"/>
                 </a:solidFill>
@@ -3716,7 +3713,7 @@
               <a:t>R</a:t>
             </a:r>
             <a:r>
-              <a:rPr lang="es-CL" sz="2400" dirty="0" smtClean="0">
+              <a:rPr lang="es-CL" sz="2400" dirty="0">
                 <a:solidFill>
                   <a:srgbClr val="3366FF"/>
                 </a:solidFill>
@@ -3725,7 +3722,7 @@
               <a:t>e</a:t>
             </a:r>
             <a:r>
-              <a:rPr lang="es-CL" sz="2400" dirty="0" smtClean="0">
+              <a:rPr lang="es-CL" sz="2400" dirty="0">
                 <a:solidFill>
                   <a:srgbClr val="FFFF00"/>
                 </a:solidFill>
@@ -3734,7 +3731,7 @@
               <a:t>c</a:t>
             </a:r>
             <a:r>
-              <a:rPr lang="es-CL" sz="2400" dirty="0" smtClean="0">
+              <a:rPr lang="es-CL" sz="2400" dirty="0">
                 <a:solidFill>
                   <a:srgbClr val="00FF00"/>
                 </a:solidFill>
@@ -3743,7 +3740,7 @@
               <a:t>o</a:t>
             </a:r>
             <a:r>
-              <a:rPr lang="es-CL" sz="2400" dirty="0" smtClean="0">
+              <a:rPr lang="es-CL" sz="2400" dirty="0">
                 <a:solidFill>
                   <a:schemeClr val="bg1"/>
                 </a:solidFill>
@@ -3752,7 +3749,7 @@
               <a:t>n</a:t>
             </a:r>
             <a:r>
-              <a:rPr lang="es-CL" sz="2400" dirty="0" smtClean="0">
+              <a:rPr lang="es-CL" sz="2400" dirty="0">
                 <a:solidFill>
                   <a:srgbClr val="FF6600"/>
                 </a:solidFill>
@@ -3761,7 +3758,7 @@
               <a:t>o</a:t>
             </a:r>
             <a:r>
-              <a:rPr lang="es-CL" sz="2400" dirty="0" smtClean="0">
+              <a:rPr lang="es-CL" sz="2400" dirty="0">
                 <a:solidFill>
                   <a:srgbClr val="FF0000"/>
                 </a:solidFill>
@@ -3770,7 +3767,7 @@
               <a:t>c</a:t>
             </a:r>
             <a:r>
-              <a:rPr lang="es-CL" sz="2400" dirty="0" smtClean="0">
+              <a:rPr lang="es-CL" sz="2400" dirty="0">
                 <a:solidFill>
                   <a:srgbClr val="3366FF"/>
                 </a:solidFill>
@@ -3779,7 +3776,7 @@
               <a:t>i</a:t>
             </a:r>
             <a:r>
-              <a:rPr lang="es-CL" sz="2400" dirty="0" smtClean="0">
+              <a:rPr lang="es-CL" sz="2400" dirty="0">
                 <a:solidFill>
                   <a:schemeClr val="bg1"/>
                 </a:solidFill>
@@ -3788,7 +3785,7 @@
               <a:t>m</a:t>
             </a:r>
             <a:r>
-              <a:rPr lang="es-CL" sz="2400" dirty="0" smtClean="0">
+              <a:rPr lang="es-CL" sz="2400" dirty="0">
                 <a:solidFill>
                   <a:srgbClr val="FFFF00"/>
                 </a:solidFill>
@@ -3797,7 +3794,7 @@
               <a:t>i</a:t>
             </a:r>
             <a:r>
-              <a:rPr lang="es-CL" sz="2400" dirty="0" smtClean="0">
+              <a:rPr lang="es-CL" sz="2400" dirty="0">
                 <a:solidFill>
                   <a:srgbClr val="00FF00"/>
                 </a:solidFill>
@@ -3806,7 +3803,7 @@
               <a:t>e</a:t>
             </a:r>
             <a:r>
-              <a:rPr lang="es-CL" sz="2400" dirty="0" smtClean="0">
+              <a:rPr lang="es-CL" sz="2400" dirty="0">
                 <a:solidFill>
                   <a:schemeClr val="bg1"/>
                 </a:solidFill>
@@ -3815,7 +3812,7 @@
               <a:t>n</a:t>
             </a:r>
             <a:r>
-              <a:rPr lang="es-CL" sz="2400" dirty="0" smtClean="0">
+              <a:rPr lang="es-CL" sz="2400" dirty="0">
                 <a:solidFill>
                   <a:srgbClr val="FF6600"/>
                 </a:solidFill>
@@ -3824,7 +3821,7 @@
               <a:t>t</a:t>
             </a:r>
             <a:r>
-              <a:rPr lang="es-CL" sz="2400" dirty="0" smtClean="0">
+              <a:rPr lang="es-CL" sz="2400" dirty="0">
                 <a:solidFill>
                   <a:srgbClr val="FF0000"/>
                 </a:solidFill>
@@ -3833,7 +3830,7 @@
               <a:t>o</a:t>
             </a:r>
             <a:r>
-              <a:rPr lang="es-CL" sz="2400" dirty="0" smtClean="0">
+              <a:rPr lang="es-CL" sz="2400" dirty="0">
                 <a:solidFill>
                   <a:srgbClr val="3333CC"/>
                 </a:solidFill>
@@ -3842,7 +3839,7 @@
               <a:t> </a:t>
             </a:r>
             <a:r>
-              <a:rPr lang="es-CL" sz="2400" dirty="0" smtClean="0">
+              <a:rPr lang="es-CL" sz="2400" dirty="0">
                 <a:solidFill>
                   <a:srgbClr val="3366FF"/>
                 </a:solidFill>
@@ -3851,7 +3848,7 @@
               <a:t>d</a:t>
             </a:r>
             <a:r>
-              <a:rPr lang="es-CL" sz="2400" dirty="0" smtClean="0">
+              <a:rPr lang="es-CL" sz="2400" dirty="0">
                 <a:solidFill>
                   <a:srgbClr val="FFFF00"/>
                 </a:solidFill>
@@ -3860,7 +3857,7 @@
               <a:t>e </a:t>
             </a:r>
             <a:r>
-              <a:rPr lang="es-CL" sz="2400" dirty="0" smtClean="0">
+              <a:rPr lang="es-CL" sz="2400" dirty="0">
                 <a:solidFill>
                   <a:srgbClr val="00FF00"/>
                 </a:solidFill>
@@ -3869,7 +3866,7 @@
               <a:t>P</a:t>
             </a:r>
             <a:r>
-              <a:rPr lang="es-CL" sz="2400" dirty="0" smtClean="0">
+              <a:rPr lang="es-CL" sz="2400" dirty="0">
                 <a:solidFill>
                   <a:schemeClr val="bg1"/>
                 </a:solidFill>
@@ -3878,7 +3875,7 @@
               <a:t>a</a:t>
             </a:r>
             <a:r>
-              <a:rPr lang="es-CL" sz="2400" dirty="0" smtClean="0">
+              <a:rPr lang="es-CL" sz="2400" dirty="0">
                 <a:solidFill>
                   <a:srgbClr val="FF6600"/>
                 </a:solidFill>
@@ -3887,7 +3884,7 @@
               <a:t>t</a:t>
             </a:r>
             <a:r>
-              <a:rPr lang="es-CL" sz="2400" dirty="0" smtClean="0">
+              <a:rPr lang="es-CL" sz="2400" dirty="0">
                 <a:solidFill>
                   <a:srgbClr val="FF0000"/>
                 </a:solidFill>
@@ -3896,7 +3893,7 @@
               <a:t>r</a:t>
             </a:r>
             <a:r>
-              <a:rPr lang="es-CL" sz="2400" dirty="0" smtClean="0">
+              <a:rPr lang="es-CL" sz="2400" dirty="0">
                 <a:solidFill>
                   <a:srgbClr val="3366FF"/>
                 </a:solidFill>
@@ -3905,7 +3902,7 @@
               <a:t>o</a:t>
             </a:r>
             <a:r>
-              <a:rPr lang="es-CL" sz="2400" dirty="0" smtClean="0">
+              <a:rPr lang="es-CL" sz="2400" dirty="0">
                 <a:solidFill>
                   <a:srgbClr val="FFFF00"/>
                 </a:solidFill>
@@ -3914,7 +3911,7 @@
               <a:t>n</a:t>
             </a:r>
             <a:r>
-              <a:rPr lang="es-CL" sz="2400" dirty="0" smtClean="0">
+              <a:rPr lang="es-CL" sz="2400" dirty="0">
                 <a:solidFill>
                   <a:srgbClr val="00FF00"/>
                 </a:solidFill>
@@ -3923,7 +3920,7 @@
               <a:t>e</a:t>
             </a:r>
             <a:r>
-              <a:rPr lang="es-CL" sz="2400" dirty="0" smtClean="0">
+              <a:rPr lang="es-CL" sz="2400" dirty="0">
                 <a:solidFill>
                   <a:schemeClr val="bg1"/>
                 </a:solidFill>
@@ -3931,7 +3928,7 @@
               </a:rPr>
               <a:t>s</a:t>
             </a:r>
-            <a:endParaRPr lang="es-CL" sz="2400" dirty="0" smtClean="0">
+            <a:endParaRPr lang="es-CL" sz="2400" dirty="0">
               <a:solidFill>
                 <a:srgbClr val="FF0000"/>
               </a:solidFill>
@@ -3941,7 +3938,7 @@
           <a:p>
             <a:pPr algn="ctr"/>
             <a:r>
-              <a:rPr lang="es-CL" sz="2400" dirty="0" smtClean="0">
+              <a:rPr lang="es-CL" sz="2400" dirty="0">
                 <a:solidFill>
                   <a:schemeClr val="bg2">
                     <a:lumMod val="60000"/>
@@ -3952,19 +3949,10 @@
               </a:rPr>
               <a:t> </a:t>
             </a:r>
+          </a:p>
+          <a:p>
+            <a:pPr algn="ctr"/>
             <a:endParaRPr lang="es-CL" sz="2400" dirty="0">
-              <a:solidFill>
-                <a:schemeClr val="bg2">
-                  <a:lumMod val="60000"/>
-                  <a:lumOff val="40000"/>
-                </a:schemeClr>
-              </a:solidFill>
-              <a:latin typeface="Trebuchet MS" pitchFamily="34" charset="0"/>
-            </a:endParaRPr>
-          </a:p>
-          <a:p>
-            <a:pPr algn="ctr"/>
-            <a:endParaRPr lang="es-CL" sz="2400" dirty="0" smtClean="0">
               <a:solidFill>
                 <a:srgbClr val="3333CC"/>
               </a:solidFill>
@@ -4035,7 +4023,7 @@
           <a:p>
             <a:pPr algn="ctr"/>
             <a:r>
-              <a:rPr lang="es-CL" sz="1200" dirty="0" smtClean="0">
+              <a:rPr lang="es-CL" sz="1200" dirty="0">
                 <a:solidFill>
                   <a:schemeClr val="bg1">
                     <a:lumMod val="75000"/>
@@ -4045,19 +4033,11 @@
               </a:rPr>
               <a:t>Departmento de Ciencia de la Computación</a:t>
             </a:r>
-            <a:endParaRPr lang="es-CL" sz="1200" dirty="0">
-              <a:solidFill>
-                <a:schemeClr val="bg1">
-                  <a:lumMod val="75000"/>
-                </a:schemeClr>
-              </a:solidFill>
-              <a:latin typeface="Trebuchet MS" pitchFamily="34" charset="0"/>
-            </a:endParaRPr>
           </a:p>
           <a:p>
             <a:pPr algn="ctr"/>
             <a:r>
-              <a:rPr lang="es-CL" sz="1200" dirty="0" smtClean="0">
+              <a:rPr lang="es-CL" sz="1200" dirty="0">
                 <a:solidFill>
                   <a:schemeClr val="bg1">
                     <a:lumMod val="75000"/>
@@ -4071,7 +4051,7 @@
           <a:p>
             <a:pPr algn="ctr"/>
             <a:r>
-              <a:rPr lang="es-CL" sz="1200" dirty="0" smtClean="0">
+              <a:rPr lang="es-CL" sz="1200" dirty="0">
                 <a:solidFill>
                   <a:schemeClr val="bg1">
                     <a:lumMod val="75000"/>
@@ -4081,19 +4061,11 @@
               </a:rPr>
               <a:t>Universidad Católica de Chile</a:t>
             </a:r>
-            <a:endParaRPr lang="es-CL" sz="1200" dirty="0">
-              <a:solidFill>
-                <a:schemeClr val="bg1">
-                  <a:lumMod val="75000"/>
-                </a:schemeClr>
-              </a:solidFill>
-              <a:latin typeface="Trebuchet MS" pitchFamily="34" charset="0"/>
-            </a:endParaRPr>
           </a:p>
           <a:p>
             <a:pPr algn="ctr"/>
             <a:r>
-              <a:rPr lang="es-CL" sz="1200" dirty="0" smtClean="0">
+              <a:rPr lang="es-CL" sz="1200" dirty="0">
                 <a:solidFill>
                   <a:schemeClr val="bg1">
                     <a:lumMod val="75000"/>
@@ -4403,7 +4375,7 @@
           <a:p>
             <a:pPr algn="ctr"/>
             <a:r>
-              <a:rPr lang="en-US" sz="2400" b="1" dirty="0" smtClean="0">
+              <a:rPr lang="en-US" sz="2400" b="1" dirty="0">
                 <a:solidFill>
                   <a:srgbClr val="FFFFFF"/>
                 </a:solidFill>
@@ -4415,7 +4387,7 @@
           </a:p>
           <a:p>
             <a:pPr algn="ctr"/>
-            <a:endParaRPr lang="es-CL" sz="1000" dirty="0" smtClean="0">
+            <a:endParaRPr lang="es-CL" sz="1000" dirty="0">
               <a:solidFill>
                 <a:srgbClr val="FFFFFF"/>
               </a:solidFill>
@@ -4426,7 +4398,7 @@
           <a:p>
             <a:pPr algn="ctr"/>
             <a:r>
-              <a:rPr lang="es-CL" sz="1000" dirty="0" smtClean="0">
+              <a:rPr lang="es-CL" sz="1000" dirty="0">
                 <a:solidFill>
                   <a:srgbClr val="FFFFFF"/>
                 </a:solidFill>
@@ -4435,6 +4407,35 @@
               </a:rPr>
               <a:t>[ Capítulo 5 ]</a:t>
             </a:r>
+          </a:p>
+        </p:txBody>
+      </p:sp>
+      <p:sp>
+        <p:nvSpPr>
+          <p:cNvPr id="2" name="Slide Number Placeholder 1">
+            <a:extLst>
+              <a:ext uri="{FF2B5EF4-FFF2-40B4-BE49-F238E27FC236}">
+                <a16:creationId xmlns:a16="http://schemas.microsoft.com/office/drawing/2014/main" id="{5A107F59-8226-234F-BA67-64FB560C76C2}"/>
+              </a:ext>
+            </a:extLst>
+          </p:cNvPr>
+          <p:cNvSpPr>
+            <a:spLocks noGrp="1"/>
+          </p:cNvSpPr>
+          <p:nvPr>
+            <p:ph type="sldNum" sz="quarter" idx="12"/>
+          </p:nvPr>
+        </p:nvSpPr>
+        <p:spPr/>
+        <p:txBody>
+          <a:bodyPr/>
+          <a:lstStyle/>
+          <a:p>
+            <a:fld id="{9C0B2870-7350-8D40-A01A-CE539DF873CB}" type="slidenum">
+              <a:rPr lang="en-US" smtClean="0"/>
+              <a:t>1</a:t>
+            </a:fld>
+            <a:endParaRPr lang="en-US"/>
           </a:p>
         </p:txBody>
       </p:sp>
@@ -5033,18 +5034,13 @@
           <a:lstStyle/>
           <a:p>
             <a:r>
-              <a:rPr lang="en-US" dirty="0" smtClean="0">
+              <a:rPr lang="en-US" dirty="0">
                 <a:latin typeface="Trebuchet MS" charset="0"/>
                 <a:ea typeface="Trebuchet MS" charset="0"/>
                 <a:cs typeface="Trebuchet MS" charset="0"/>
               </a:rPr>
               <a:t>[ EXAMPLE ]</a:t>
             </a:r>
-            <a:endParaRPr lang="en-US" dirty="0">
-              <a:latin typeface="Trebuchet MS" charset="0"/>
-              <a:ea typeface="Trebuchet MS" charset="0"/>
-              <a:cs typeface="Trebuchet MS" charset="0"/>
-            </a:endParaRPr>
           </a:p>
         </p:txBody>
       </p:sp>
@@ -5257,14 +5253,13 @@
           <a:lstStyle/>
           <a:p>
             <a:r>
-              <a:rPr lang="en-US" dirty="0" smtClean="0"/>
+              <a:rPr lang="en-US" dirty="0"/>
               <a:t>x</a:t>
             </a:r>
             <a:r>
-              <a:rPr lang="en-US" baseline="-25000" dirty="0" smtClean="0"/>
+              <a:rPr lang="en-US" baseline="-25000" dirty="0"/>
               <a:t>1</a:t>
             </a:r>
-            <a:endParaRPr lang="en-US" baseline="-25000" dirty="0"/>
           </a:p>
         </p:txBody>
       </p:sp>
@@ -5317,14 +5312,13 @@
           <a:lstStyle/>
           <a:p>
             <a:r>
-              <a:rPr lang="en-US" smtClean="0"/>
+              <a:rPr lang="en-US"/>
               <a:t>x</a:t>
             </a:r>
             <a:r>
               <a:rPr lang="en-US" baseline="-25000" dirty="0"/>
               <a:t>2</a:t>
             </a:r>
-            <a:endParaRPr lang="en-US" baseline="-25000" dirty="0"/>
           </a:p>
         </p:txBody>
       </p:sp>
@@ -5351,7 +5345,7 @@
           <a:lstStyle/>
           <a:p>
             <a:r>
-              <a:rPr lang="en-US" sz="3600" baseline="-25000" dirty="0" smtClean="0">
+              <a:rPr lang="en-US" sz="3600" baseline="-25000" dirty="0">
                 <a:solidFill>
                   <a:srgbClr val="FF0000"/>
                 </a:solidFill>
@@ -5359,18 +5353,13 @@
               <a:t>*</a:t>
             </a:r>
             <a:r>
-              <a:rPr lang="en-US" dirty="0" smtClean="0">
+              <a:rPr lang="en-US" dirty="0">
                 <a:solidFill>
                   <a:srgbClr val="FF0000"/>
                 </a:solidFill>
               </a:rPr>
               <a:t> : class 1 </a:t>
             </a:r>
-            <a:endParaRPr lang="en-US" dirty="0">
-              <a:solidFill>
-                <a:srgbClr val="FF0000"/>
-              </a:solidFill>
-            </a:endParaRPr>
           </a:p>
         </p:txBody>
       </p:sp>
@@ -5415,6 +5404,77 @@
           <a:p>
             <a:pPr algn="ctr"/>
             <a:endParaRPr lang="en-US"/>
+          </a:p>
+        </p:txBody>
+      </p:sp>
+      <p:sp>
+        <p:nvSpPr>
+          <p:cNvPr id="2" name="Slide Number Placeholder 1">
+            <a:extLst>
+              <a:ext uri="{FF2B5EF4-FFF2-40B4-BE49-F238E27FC236}">
+                <a16:creationId xmlns:a16="http://schemas.microsoft.com/office/drawing/2014/main" id="{0F494FAD-3FF2-A146-BD84-6E869ED5780A}"/>
+              </a:ext>
+            </a:extLst>
+          </p:cNvPr>
+          <p:cNvSpPr>
+            <a:spLocks noGrp="1"/>
+          </p:cNvSpPr>
+          <p:nvPr>
+            <p:ph type="sldNum" sz="quarter" idx="12"/>
+          </p:nvPr>
+        </p:nvSpPr>
+        <p:spPr/>
+        <p:txBody>
+          <a:bodyPr/>
+          <a:lstStyle/>
+          <a:p>
+            <a:fld id="{9C0B2870-7350-8D40-A01A-CE539DF873CB}" type="slidenum">
+              <a:rPr lang="en-US" smtClean="0"/>
+              <a:t>10</a:t>
+            </a:fld>
+            <a:endParaRPr lang="en-US"/>
+          </a:p>
+        </p:txBody>
+      </p:sp>
+      <p:sp>
+        <p:nvSpPr>
+          <p:cNvPr id="13" name="TextBox 12">
+            <a:extLst>
+              <a:ext uri="{FF2B5EF4-FFF2-40B4-BE49-F238E27FC236}">
+                <a16:creationId xmlns:a16="http://schemas.microsoft.com/office/drawing/2014/main" id="{96036CBD-2D26-F74C-A034-3C50089F6ED1}"/>
+              </a:ext>
+            </a:extLst>
+          </p:cNvPr>
+          <p:cNvSpPr txBox="1"/>
+          <p:nvPr/>
+        </p:nvSpPr>
+        <p:spPr>
+          <a:xfrm>
+            <a:off x="3596797" y="6582975"/>
+            <a:ext cx="1950406" cy="276999"/>
+          </a:xfrm>
+          <a:prstGeom prst="rect">
+            <a:avLst/>
+          </a:prstGeom>
+          <a:noFill/>
+        </p:spPr>
+        <p:txBody>
+          <a:bodyPr wrap="none" rtlCol="0">
+            <a:spAutoFit/>
+          </a:bodyPr>
+          <a:lstStyle/>
+          <a:p>
+            <a:r>
+              <a:rPr lang="en-US" sz="1200" dirty="0">
+                <a:solidFill>
+                  <a:schemeClr val="tx1">
+                    <a:lumMod val="75000"/>
+                    <a:lumOff val="25000"/>
+                  </a:schemeClr>
+                </a:solidFill>
+              </a:rPr>
+              <a:t>PAT05_ConfisionMatrix.pptx</a:t>
+            </a:r>
           </a:p>
         </p:txBody>
       </p:sp>
@@ -5428,13 +5488,6 @@
   <p:clrMapOvr>
     <a:masterClrMapping/>
   </p:clrMapOvr>
-  <p:timing>
-    <p:tnLst>
-      <p:par>
-        <p:cTn id="1" dur="indefinite" restart="never" nodeType="tmRoot"/>
-      </p:par>
-    </p:tnLst>
-  </p:timing>
 </p:sld>
 </file>
 
@@ -5519,18 +5572,13 @@
           <a:lstStyle/>
           <a:p>
             <a:r>
-              <a:rPr lang="en-US" dirty="0" smtClean="0">
+              <a:rPr lang="en-US" dirty="0">
                 <a:latin typeface="Trebuchet MS" charset="0"/>
                 <a:ea typeface="Trebuchet MS" charset="0"/>
                 <a:cs typeface="Trebuchet MS" charset="0"/>
               </a:rPr>
               <a:t>[ EXAMPLE ]</a:t>
             </a:r>
-            <a:endParaRPr lang="en-US" dirty="0">
-              <a:latin typeface="Trebuchet MS" charset="0"/>
-              <a:ea typeface="Trebuchet MS" charset="0"/>
-              <a:cs typeface="Trebuchet MS" charset="0"/>
-            </a:endParaRPr>
           </a:p>
         </p:txBody>
       </p:sp>
@@ -5677,7 +5725,7 @@
           <a:lstStyle/>
           <a:p>
             <a:r>
-              <a:rPr lang="en-US" smtClean="0">
+              <a:rPr lang="en-US">
                 <a:latin typeface="Trebuchet MS" charset="0"/>
                 <a:ea typeface="Trebuchet MS" charset="0"/>
                 <a:cs typeface="Trebuchet MS" charset="0"/>
@@ -5715,7 +5763,7 @@
           <a:lstStyle/>
           <a:p>
             <a:r>
-              <a:rPr lang="en-US" dirty="0" smtClean="0">
+              <a:rPr lang="en-US" dirty="0">
                 <a:latin typeface="Trebuchet MS" charset="0"/>
                 <a:ea typeface="Trebuchet MS" charset="0"/>
                 <a:cs typeface="Trebuchet MS" charset="0"/>
@@ -5725,18 +5773,13 @@
           </a:p>
           <a:p>
             <a:r>
-              <a:rPr lang="en-US" dirty="0" smtClean="0">
+              <a:rPr lang="en-US" dirty="0">
                 <a:latin typeface="Trebuchet MS" charset="0"/>
                 <a:ea typeface="Trebuchet MS" charset="0"/>
                 <a:cs typeface="Trebuchet MS" charset="0"/>
               </a:rPr>
               <a:t>White pixels: Negative instances (N)</a:t>
             </a:r>
-            <a:endParaRPr lang="en-US" dirty="0">
-              <a:latin typeface="Trebuchet MS" charset="0"/>
-              <a:ea typeface="Trebuchet MS" charset="0"/>
-              <a:cs typeface="Trebuchet MS" charset="0"/>
-            </a:endParaRPr>
           </a:p>
         </p:txBody>
       </p:sp>
@@ -5763,18 +5806,13 @@
           <a:lstStyle/>
           <a:p>
             <a:r>
-              <a:rPr lang="en-US" dirty="0" smtClean="0">
+              <a:rPr lang="en-US" dirty="0">
                 <a:latin typeface="Trebuchet MS" charset="0"/>
                 <a:ea typeface="Trebuchet MS" charset="0"/>
                 <a:cs typeface="Trebuchet MS" charset="0"/>
               </a:rPr>
               <a:t>Ground Truth</a:t>
             </a:r>
-            <a:endParaRPr lang="en-US" dirty="0" smtClean="0">
-              <a:latin typeface="Trebuchet MS" charset="0"/>
-              <a:ea typeface="Trebuchet MS" charset="0"/>
-              <a:cs typeface="Trebuchet MS" charset="0"/>
-            </a:endParaRPr>
           </a:p>
         </p:txBody>
       </p:sp>
@@ -5814,6 +5852,77 @@
           </a:fontRef>
         </p:style>
       </p:cxnSp>
+      <p:sp>
+        <p:nvSpPr>
+          <p:cNvPr id="2" name="Slide Number Placeholder 1">
+            <a:extLst>
+              <a:ext uri="{FF2B5EF4-FFF2-40B4-BE49-F238E27FC236}">
+                <a16:creationId xmlns:a16="http://schemas.microsoft.com/office/drawing/2014/main" id="{9A81B350-B799-DC41-A594-821526ECC01D}"/>
+              </a:ext>
+            </a:extLst>
+          </p:cNvPr>
+          <p:cNvSpPr>
+            <a:spLocks noGrp="1"/>
+          </p:cNvSpPr>
+          <p:nvPr>
+            <p:ph type="sldNum" sz="quarter" idx="12"/>
+          </p:nvPr>
+        </p:nvSpPr>
+        <p:spPr/>
+        <p:txBody>
+          <a:bodyPr/>
+          <a:lstStyle/>
+          <a:p>
+            <a:fld id="{9C0B2870-7350-8D40-A01A-CE539DF873CB}" type="slidenum">
+              <a:rPr lang="en-US" smtClean="0"/>
+              <a:t>11</a:t>
+            </a:fld>
+            <a:endParaRPr lang="en-US"/>
+          </a:p>
+        </p:txBody>
+      </p:sp>
+      <p:sp>
+        <p:nvSpPr>
+          <p:cNvPr id="11" name="TextBox 10">
+            <a:extLst>
+              <a:ext uri="{FF2B5EF4-FFF2-40B4-BE49-F238E27FC236}">
+                <a16:creationId xmlns:a16="http://schemas.microsoft.com/office/drawing/2014/main" id="{771D7B15-8CD6-F846-A14D-808AF038BBC3}"/>
+              </a:ext>
+            </a:extLst>
+          </p:cNvPr>
+          <p:cNvSpPr txBox="1"/>
+          <p:nvPr/>
+        </p:nvSpPr>
+        <p:spPr>
+          <a:xfrm>
+            <a:off x="3596797" y="6582975"/>
+            <a:ext cx="1950406" cy="276999"/>
+          </a:xfrm>
+          <a:prstGeom prst="rect">
+            <a:avLst/>
+          </a:prstGeom>
+          <a:noFill/>
+        </p:spPr>
+        <p:txBody>
+          <a:bodyPr wrap="none" rtlCol="0">
+            <a:spAutoFit/>
+          </a:bodyPr>
+          <a:lstStyle/>
+          <a:p>
+            <a:r>
+              <a:rPr lang="en-US" sz="1200" dirty="0">
+                <a:solidFill>
+                  <a:schemeClr val="tx1">
+                    <a:lumMod val="75000"/>
+                    <a:lumOff val="25000"/>
+                  </a:schemeClr>
+                </a:solidFill>
+              </a:rPr>
+              <a:t>PAT05_ConfisionMatrix.pptx</a:t>
+            </a:r>
+          </a:p>
+        </p:txBody>
+      </p:sp>
     </p:spTree>
     <p:extLst>
       <p:ext uri="{BB962C8B-B14F-4D97-AF65-F5344CB8AC3E}">
@@ -5824,13 +5933,6 @@
   <p:clrMapOvr>
     <a:masterClrMapping/>
   </p:clrMapOvr>
-  <p:timing>
-    <p:tnLst>
-      <p:par>
-        <p:cTn id="1" dur="indefinite" restart="never" nodeType="tmRoot"/>
-      </p:par>
-    </p:tnLst>
-  </p:timing>
 </p:sld>
 </file>
 
@@ -5915,18 +6017,13 @@
           <a:lstStyle/>
           <a:p>
             <a:r>
-              <a:rPr lang="en-US" dirty="0" smtClean="0">
+              <a:rPr lang="en-US" dirty="0">
                 <a:latin typeface="Trebuchet MS" charset="0"/>
                 <a:ea typeface="Trebuchet MS" charset="0"/>
                 <a:cs typeface="Trebuchet MS" charset="0"/>
               </a:rPr>
               <a:t>[ EXAMPLE ]</a:t>
             </a:r>
-            <a:endParaRPr lang="en-US" dirty="0">
-              <a:latin typeface="Trebuchet MS" charset="0"/>
-              <a:ea typeface="Trebuchet MS" charset="0"/>
-              <a:cs typeface="Trebuchet MS" charset="0"/>
-            </a:endParaRPr>
           </a:p>
         </p:txBody>
       </p:sp>
@@ -6279,7 +6376,7 @@
           <a:lstStyle/>
           <a:p>
             <a:r>
-              <a:rPr lang="en-US" dirty="0" smtClean="0">
+              <a:rPr lang="en-US" dirty="0">
                 <a:latin typeface="Trebuchet MS" charset="0"/>
                 <a:ea typeface="Trebuchet MS" charset="0"/>
                 <a:cs typeface="Trebuchet MS" charset="0"/>
@@ -6287,7 +6384,7 @@
               <a:t>Detection using </a:t>
             </a:r>
             <a:r>
-              <a:rPr lang="en-US" smtClean="0">
+              <a:rPr lang="en-US">
                 <a:latin typeface="Trebuchet MS" charset="0"/>
                 <a:ea typeface="Trebuchet MS" charset="0"/>
                 <a:cs typeface="Trebuchet MS" charset="0"/>
@@ -6325,7 +6422,7 @@
           <a:lstStyle/>
           <a:p>
             <a:r>
-              <a:rPr lang="en-US" smtClean="0">
+              <a:rPr lang="en-US">
                 <a:latin typeface="Trebuchet MS" charset="0"/>
                 <a:ea typeface="Trebuchet MS" charset="0"/>
                 <a:cs typeface="Trebuchet MS" charset="0"/>
@@ -6333,7 +6430,7 @@
               <a:t>Detection </a:t>
             </a:r>
             <a:r>
-              <a:rPr lang="en-US" dirty="0" smtClean="0">
+              <a:rPr lang="en-US" dirty="0">
                 <a:latin typeface="Trebuchet MS" charset="0"/>
                 <a:ea typeface="Trebuchet MS" charset="0"/>
                 <a:cs typeface="Trebuchet MS" charset="0"/>
@@ -6402,18 +6499,13 @@
           <a:lstStyle/>
           <a:p>
             <a:r>
-              <a:rPr lang="en-US" dirty="0" smtClean="0">
+              <a:rPr lang="en-US" dirty="0">
                 <a:latin typeface="Trebuchet MS" charset="0"/>
                 <a:ea typeface="Trebuchet MS" charset="0"/>
                 <a:cs typeface="Trebuchet MS" charset="0"/>
               </a:rPr>
               <a:t>Ground Truth</a:t>
             </a:r>
-            <a:endParaRPr lang="en-US" dirty="0" smtClean="0">
-              <a:latin typeface="Trebuchet MS" charset="0"/>
-              <a:ea typeface="Trebuchet MS" charset="0"/>
-              <a:cs typeface="Trebuchet MS" charset="0"/>
-            </a:endParaRPr>
           </a:p>
         </p:txBody>
       </p:sp>
@@ -6453,6 +6545,77 @@
           </a:fontRef>
         </p:style>
       </p:cxnSp>
+      <p:sp>
+        <p:nvSpPr>
+          <p:cNvPr id="2" name="Slide Number Placeholder 1">
+            <a:extLst>
+              <a:ext uri="{FF2B5EF4-FFF2-40B4-BE49-F238E27FC236}">
+                <a16:creationId xmlns:a16="http://schemas.microsoft.com/office/drawing/2014/main" id="{629EC51D-8E69-7248-B6D2-713DC2C7BD60}"/>
+              </a:ext>
+            </a:extLst>
+          </p:cNvPr>
+          <p:cNvSpPr>
+            <a:spLocks noGrp="1"/>
+          </p:cNvSpPr>
+          <p:nvPr>
+            <p:ph type="sldNum" sz="quarter" idx="12"/>
+          </p:nvPr>
+        </p:nvSpPr>
+        <p:spPr/>
+        <p:txBody>
+          <a:bodyPr/>
+          <a:lstStyle/>
+          <a:p>
+            <a:fld id="{9C0B2870-7350-8D40-A01A-CE539DF873CB}" type="slidenum">
+              <a:rPr lang="en-US" smtClean="0"/>
+              <a:t>12</a:t>
+            </a:fld>
+            <a:endParaRPr lang="en-US"/>
+          </a:p>
+        </p:txBody>
+      </p:sp>
+      <p:sp>
+        <p:nvSpPr>
+          <p:cNvPr id="13" name="TextBox 12">
+            <a:extLst>
+              <a:ext uri="{FF2B5EF4-FFF2-40B4-BE49-F238E27FC236}">
+                <a16:creationId xmlns:a16="http://schemas.microsoft.com/office/drawing/2014/main" id="{21A3A32C-6447-3B4C-8214-754704ADCCD7}"/>
+              </a:ext>
+            </a:extLst>
+          </p:cNvPr>
+          <p:cNvSpPr txBox="1"/>
+          <p:nvPr/>
+        </p:nvSpPr>
+        <p:spPr>
+          <a:xfrm>
+            <a:off x="3596797" y="6582975"/>
+            <a:ext cx="1950406" cy="276999"/>
+          </a:xfrm>
+          <a:prstGeom prst="rect">
+            <a:avLst/>
+          </a:prstGeom>
+          <a:noFill/>
+        </p:spPr>
+        <p:txBody>
+          <a:bodyPr wrap="none" rtlCol="0">
+            <a:spAutoFit/>
+          </a:bodyPr>
+          <a:lstStyle/>
+          <a:p>
+            <a:r>
+              <a:rPr lang="en-US" sz="1200" dirty="0">
+                <a:solidFill>
+                  <a:schemeClr val="tx1">
+                    <a:lumMod val="75000"/>
+                    <a:lumOff val="25000"/>
+                  </a:schemeClr>
+                </a:solidFill>
+              </a:rPr>
+              <a:t>PAT05_ConfisionMatrix.pptx</a:t>
+            </a:r>
+          </a:p>
+        </p:txBody>
+      </p:sp>
     </p:spTree>
     <p:extLst>
       <p:ext uri="{BB962C8B-B14F-4D97-AF65-F5344CB8AC3E}">
@@ -6463,13 +6626,6 @@
   <p:clrMapOvr>
     <a:masterClrMapping/>
   </p:clrMapOvr>
-  <p:timing>
-    <p:tnLst>
-      <p:par>
-        <p:cTn id="1" dur="indefinite" restart="never" nodeType="tmRoot"/>
-      </p:par>
-    </p:tnLst>
-  </p:timing>
 </p:sld>
 </file>
 
@@ -6554,18 +6710,13 @@
           <a:lstStyle/>
           <a:p>
             <a:r>
-              <a:rPr lang="en-US" dirty="0" smtClean="0">
+              <a:rPr lang="en-US" dirty="0">
                 <a:latin typeface="Trebuchet MS" charset="0"/>
                 <a:ea typeface="Trebuchet MS" charset="0"/>
                 <a:cs typeface="Trebuchet MS" charset="0"/>
               </a:rPr>
               <a:t>[ EXAMPLE ]</a:t>
             </a:r>
-            <a:endParaRPr lang="en-US" dirty="0">
-              <a:latin typeface="Trebuchet MS" charset="0"/>
-              <a:ea typeface="Trebuchet MS" charset="0"/>
-              <a:cs typeface="Trebuchet MS" charset="0"/>
-            </a:endParaRPr>
           </a:p>
         </p:txBody>
       </p:sp>
@@ -6919,7 +7070,7 @@
           <a:lstStyle/>
           <a:p>
             <a:r>
-              <a:rPr lang="en-US" smtClean="0">
+              <a:rPr lang="en-US">
                 <a:latin typeface="Trebuchet MS" charset="0"/>
                 <a:ea typeface="Trebuchet MS" charset="0"/>
                 <a:cs typeface="Trebuchet MS" charset="0"/>
@@ -6927,7 +7078,7 @@
               <a:t>Detection </a:t>
             </a:r>
             <a:r>
-              <a:rPr lang="en-US" dirty="0" smtClean="0">
+              <a:rPr lang="en-US" dirty="0">
                 <a:latin typeface="Trebuchet MS" charset="0"/>
                 <a:ea typeface="Trebuchet MS" charset="0"/>
                 <a:cs typeface="Trebuchet MS" charset="0"/>
@@ -6960,7 +7111,7 @@
           <a:lstStyle/>
           <a:p>
             <a:r>
-              <a:rPr lang="en-US" dirty="0" smtClean="0">
+              <a:rPr lang="en-US" dirty="0">
                 <a:latin typeface="Trebuchet MS" charset="0"/>
                 <a:ea typeface="Trebuchet MS" charset="0"/>
                 <a:cs typeface="Trebuchet MS" charset="0"/>
@@ -6968,7 +7119,7 @@
               <a:t>Detection using </a:t>
             </a:r>
             <a:r>
-              <a:rPr lang="en-US" smtClean="0">
+              <a:rPr lang="en-US">
                 <a:latin typeface="Trebuchet MS" charset="0"/>
                 <a:ea typeface="Trebuchet MS" charset="0"/>
                 <a:cs typeface="Trebuchet MS" charset="0"/>
@@ -7042,18 +7193,13 @@
           <a:lstStyle/>
           <a:p>
             <a:r>
-              <a:rPr lang="en-US" dirty="0" smtClean="0">
+              <a:rPr lang="en-US" dirty="0">
                 <a:latin typeface="Trebuchet MS" charset="0"/>
                 <a:ea typeface="Trebuchet MS" charset="0"/>
                 <a:cs typeface="Trebuchet MS" charset="0"/>
               </a:rPr>
               <a:t>Ground Truth</a:t>
             </a:r>
-            <a:endParaRPr lang="en-US" dirty="0" smtClean="0">
-              <a:latin typeface="Trebuchet MS" charset="0"/>
-              <a:ea typeface="Trebuchet MS" charset="0"/>
-              <a:cs typeface="Trebuchet MS" charset="0"/>
-            </a:endParaRPr>
           </a:p>
         </p:txBody>
       </p:sp>
@@ -7093,6 +7239,77 @@
           </a:fontRef>
         </p:style>
       </p:cxnSp>
+      <p:sp>
+        <p:nvSpPr>
+          <p:cNvPr id="2" name="Slide Number Placeholder 1">
+            <a:extLst>
+              <a:ext uri="{FF2B5EF4-FFF2-40B4-BE49-F238E27FC236}">
+                <a16:creationId xmlns:a16="http://schemas.microsoft.com/office/drawing/2014/main" id="{03057C8D-E7AC-7B4F-8595-3EA8B512CB40}"/>
+              </a:ext>
+            </a:extLst>
+          </p:cNvPr>
+          <p:cNvSpPr>
+            <a:spLocks noGrp="1"/>
+          </p:cNvSpPr>
+          <p:nvPr>
+            <p:ph type="sldNum" sz="quarter" idx="12"/>
+          </p:nvPr>
+        </p:nvSpPr>
+        <p:spPr/>
+        <p:txBody>
+          <a:bodyPr/>
+          <a:lstStyle/>
+          <a:p>
+            <a:fld id="{9C0B2870-7350-8D40-A01A-CE539DF873CB}" type="slidenum">
+              <a:rPr lang="en-US" smtClean="0"/>
+              <a:t>13</a:t>
+            </a:fld>
+            <a:endParaRPr lang="en-US"/>
+          </a:p>
+        </p:txBody>
+      </p:sp>
+      <p:sp>
+        <p:nvSpPr>
+          <p:cNvPr id="13" name="TextBox 12">
+            <a:extLst>
+              <a:ext uri="{FF2B5EF4-FFF2-40B4-BE49-F238E27FC236}">
+                <a16:creationId xmlns:a16="http://schemas.microsoft.com/office/drawing/2014/main" id="{AF9DBC68-B796-4F42-9E12-9FE9A2EA65D0}"/>
+              </a:ext>
+            </a:extLst>
+          </p:cNvPr>
+          <p:cNvSpPr txBox="1"/>
+          <p:nvPr/>
+        </p:nvSpPr>
+        <p:spPr>
+          <a:xfrm>
+            <a:off x="3596797" y="6582975"/>
+            <a:ext cx="1950406" cy="276999"/>
+          </a:xfrm>
+          <a:prstGeom prst="rect">
+            <a:avLst/>
+          </a:prstGeom>
+          <a:noFill/>
+        </p:spPr>
+        <p:txBody>
+          <a:bodyPr wrap="none" rtlCol="0">
+            <a:spAutoFit/>
+          </a:bodyPr>
+          <a:lstStyle/>
+          <a:p>
+            <a:r>
+              <a:rPr lang="en-US" sz="1200" dirty="0">
+                <a:solidFill>
+                  <a:schemeClr val="tx1">
+                    <a:lumMod val="75000"/>
+                    <a:lumOff val="25000"/>
+                  </a:schemeClr>
+                </a:solidFill>
+              </a:rPr>
+              <a:t>PAT05_ConfisionMatrix.pptx</a:t>
+            </a:r>
+          </a:p>
+        </p:txBody>
+      </p:sp>
     </p:spTree>
     <p:extLst>
       <p:ext uri="{BB962C8B-B14F-4D97-AF65-F5344CB8AC3E}">
@@ -7103,13 +7320,6 @@
   <p:clrMapOvr>
     <a:masterClrMapping/>
   </p:clrMapOvr>
-  <p:timing>
-    <p:tnLst>
-      <p:par>
-        <p:cTn id="1" dur="indefinite" restart="never" nodeType="tmRoot"/>
-      </p:par>
-    </p:tnLst>
-  </p:timing>
 </p:sld>
 </file>
 
@@ -7194,18 +7404,13 @@
           <a:lstStyle/>
           <a:p>
             <a:r>
-              <a:rPr lang="en-US" dirty="0" smtClean="0">
+              <a:rPr lang="en-US" dirty="0">
                 <a:latin typeface="Trebuchet MS" charset="0"/>
                 <a:ea typeface="Trebuchet MS" charset="0"/>
                 <a:cs typeface="Trebuchet MS" charset="0"/>
               </a:rPr>
               <a:t>[ EXAMPLE ]</a:t>
             </a:r>
-            <a:endParaRPr lang="en-US" dirty="0">
-              <a:latin typeface="Trebuchet MS" charset="0"/>
-              <a:ea typeface="Trebuchet MS" charset="0"/>
-              <a:cs typeface="Trebuchet MS" charset="0"/>
-            </a:endParaRPr>
           </a:p>
         </p:txBody>
       </p:sp>
@@ -7558,7 +7763,7 @@
           <a:lstStyle/>
           <a:p>
             <a:r>
-              <a:rPr lang="en-US" dirty="0" smtClean="0">
+              <a:rPr lang="en-US" dirty="0">
                 <a:latin typeface="Trebuchet MS" charset="0"/>
                 <a:ea typeface="Trebuchet MS" charset="0"/>
                 <a:cs typeface="Trebuchet MS" charset="0"/>
@@ -7568,7 +7773,7 @@
           </a:p>
           <a:p>
             <a:r>
-              <a:rPr lang="en-US" dirty="0" smtClean="0">
+              <a:rPr lang="en-US" dirty="0">
                 <a:latin typeface="Trebuchet MS" charset="0"/>
                 <a:ea typeface="Trebuchet MS" charset="0"/>
                 <a:cs typeface="Trebuchet MS" charset="0"/>
@@ -7578,7 +7783,7 @@
           </a:p>
           <a:p>
             <a:r>
-              <a:rPr lang="en-US" dirty="0" smtClean="0">
+              <a:rPr lang="en-US" dirty="0">
                 <a:latin typeface="Trebuchet MS" charset="0"/>
                 <a:ea typeface="Trebuchet MS" charset="0"/>
                 <a:cs typeface="Trebuchet MS" charset="0"/>
@@ -7588,18 +7793,13 @@
           </a:p>
           <a:p>
             <a:r>
-              <a:rPr lang="en-US" dirty="0" smtClean="0">
+              <a:rPr lang="en-US" dirty="0">
                 <a:latin typeface="Trebuchet MS" charset="0"/>
                 <a:ea typeface="Trebuchet MS" charset="0"/>
                 <a:cs typeface="Trebuchet MS" charset="0"/>
               </a:rPr>
               <a:t>White pixels: True negatives (TN) </a:t>
             </a:r>
-            <a:endParaRPr lang="en-US" dirty="0">
-              <a:latin typeface="Trebuchet MS" charset="0"/>
-              <a:ea typeface="Trebuchet MS" charset="0"/>
-              <a:cs typeface="Trebuchet MS" charset="0"/>
-            </a:endParaRPr>
           </a:p>
         </p:txBody>
       </p:sp>
@@ -7783,6 +7983,77 @@
           </a:p>
         </p:txBody>
       </p:sp>
+      <p:sp>
+        <p:nvSpPr>
+          <p:cNvPr id="2" name="Slide Number Placeholder 1">
+            <a:extLst>
+              <a:ext uri="{FF2B5EF4-FFF2-40B4-BE49-F238E27FC236}">
+                <a16:creationId xmlns:a16="http://schemas.microsoft.com/office/drawing/2014/main" id="{7E3D98C5-FF0D-884F-9493-F438E9BBD711}"/>
+              </a:ext>
+            </a:extLst>
+          </p:cNvPr>
+          <p:cNvSpPr>
+            <a:spLocks noGrp="1"/>
+          </p:cNvSpPr>
+          <p:nvPr>
+            <p:ph type="sldNum" sz="quarter" idx="12"/>
+          </p:nvPr>
+        </p:nvSpPr>
+        <p:spPr/>
+        <p:txBody>
+          <a:bodyPr/>
+          <a:lstStyle/>
+          <a:p>
+            <a:fld id="{9C0B2870-7350-8D40-A01A-CE539DF873CB}" type="slidenum">
+              <a:rPr lang="en-US" smtClean="0"/>
+              <a:t>14</a:t>
+            </a:fld>
+            <a:endParaRPr lang="en-US"/>
+          </a:p>
+        </p:txBody>
+      </p:sp>
+      <p:sp>
+        <p:nvSpPr>
+          <p:cNvPr id="13" name="TextBox 12">
+            <a:extLst>
+              <a:ext uri="{FF2B5EF4-FFF2-40B4-BE49-F238E27FC236}">
+                <a16:creationId xmlns:a16="http://schemas.microsoft.com/office/drawing/2014/main" id="{050868C2-D2BB-AA48-BC68-8FCE9C73D0E0}"/>
+              </a:ext>
+            </a:extLst>
+          </p:cNvPr>
+          <p:cNvSpPr txBox="1"/>
+          <p:nvPr/>
+        </p:nvSpPr>
+        <p:spPr>
+          <a:xfrm>
+            <a:off x="3596797" y="6582975"/>
+            <a:ext cx="1950406" cy="276999"/>
+          </a:xfrm>
+          <a:prstGeom prst="rect">
+            <a:avLst/>
+          </a:prstGeom>
+          <a:noFill/>
+        </p:spPr>
+        <p:txBody>
+          <a:bodyPr wrap="none" rtlCol="0">
+            <a:spAutoFit/>
+          </a:bodyPr>
+          <a:lstStyle/>
+          <a:p>
+            <a:r>
+              <a:rPr lang="en-US" sz="1200" dirty="0">
+                <a:solidFill>
+                  <a:schemeClr val="tx1">
+                    <a:lumMod val="75000"/>
+                    <a:lumOff val="25000"/>
+                  </a:schemeClr>
+                </a:solidFill>
+              </a:rPr>
+              <a:t>PAT05_ConfisionMatrix.pptx</a:t>
+            </a:r>
+          </a:p>
+        </p:txBody>
+      </p:sp>
     </p:spTree>
     <p:extLst>
       <p:ext uri="{BB962C8B-B14F-4D97-AF65-F5344CB8AC3E}">
@@ -7793,13 +8064,6 @@
   <p:clrMapOvr>
     <a:masterClrMapping/>
   </p:clrMapOvr>
-  <p:timing>
-    <p:tnLst>
-      <p:par>
-        <p:cTn id="1" dur="indefinite" restart="never" nodeType="tmRoot"/>
-      </p:par>
-    </p:tnLst>
-  </p:timing>
 </p:sld>
 </file>
 
@@ -7884,18 +8148,13 @@
           <a:lstStyle/>
           <a:p>
             <a:r>
-              <a:rPr lang="en-US" dirty="0" smtClean="0">
+              <a:rPr lang="en-US" dirty="0">
                 <a:latin typeface="Trebuchet MS" charset="0"/>
                 <a:ea typeface="Trebuchet MS" charset="0"/>
                 <a:cs typeface="Trebuchet MS" charset="0"/>
               </a:rPr>
               <a:t>[ EXAMPLE ]</a:t>
             </a:r>
-            <a:endParaRPr lang="en-US" dirty="0">
-              <a:latin typeface="Trebuchet MS" charset="0"/>
-              <a:ea typeface="Trebuchet MS" charset="0"/>
-              <a:cs typeface="Trebuchet MS" charset="0"/>
-            </a:endParaRPr>
           </a:p>
         </p:txBody>
       </p:sp>
@@ -8248,7 +8507,7 @@
           <a:lstStyle/>
           <a:p>
             <a:r>
-              <a:rPr lang="en-US" dirty="0" smtClean="0">
+              <a:rPr lang="en-US" dirty="0">
                 <a:latin typeface="Trebuchet MS" charset="0"/>
                 <a:ea typeface="Trebuchet MS" charset="0"/>
                 <a:cs typeface="Trebuchet MS" charset="0"/>
@@ -8258,7 +8517,7 @@
           </a:p>
           <a:p>
             <a:r>
-              <a:rPr lang="en-US" dirty="0" smtClean="0">
+              <a:rPr lang="en-US" dirty="0">
                 <a:latin typeface="Trebuchet MS" charset="0"/>
                 <a:ea typeface="Trebuchet MS" charset="0"/>
                 <a:cs typeface="Trebuchet MS" charset="0"/>
@@ -8268,7 +8527,7 @@
           </a:p>
           <a:p>
             <a:r>
-              <a:rPr lang="en-US" dirty="0" smtClean="0">
+              <a:rPr lang="en-US" dirty="0">
                 <a:latin typeface="Trebuchet MS" charset="0"/>
                 <a:ea typeface="Trebuchet MS" charset="0"/>
                 <a:cs typeface="Trebuchet MS" charset="0"/>
@@ -8278,18 +8537,13 @@
           </a:p>
           <a:p>
             <a:r>
-              <a:rPr lang="en-US" dirty="0" smtClean="0">
+              <a:rPr lang="en-US" dirty="0">
                 <a:latin typeface="Trebuchet MS" charset="0"/>
                 <a:ea typeface="Trebuchet MS" charset="0"/>
                 <a:cs typeface="Trebuchet MS" charset="0"/>
               </a:rPr>
               <a:t>White pixels: True negatives (TN) </a:t>
             </a:r>
-            <a:endParaRPr lang="en-US" dirty="0">
-              <a:latin typeface="Trebuchet MS" charset="0"/>
-              <a:ea typeface="Trebuchet MS" charset="0"/>
-              <a:cs typeface="Trebuchet MS" charset="0"/>
-            </a:endParaRPr>
           </a:p>
         </p:txBody>
       </p:sp>
@@ -8355,7 +8609,7 @@
           <a:lstStyle/>
           <a:p>
             <a:r>
-              <a:rPr lang="en-US" sz="1400" smtClean="0">
+              <a:rPr lang="en-US" sz="1400">
                 <a:solidFill>
                   <a:schemeClr val="bg1"/>
                 </a:solidFill>
@@ -8395,7 +8649,7 @@
           <a:lstStyle/>
           <a:p>
             <a:r>
-              <a:rPr lang="en-US" sz="1400" smtClean="0">
+              <a:rPr lang="en-US" sz="1400">
                 <a:solidFill>
                   <a:schemeClr val="bg1"/>
                 </a:solidFill>
@@ -8435,7 +8689,7 @@
           <a:lstStyle/>
           <a:p>
             <a:r>
-              <a:rPr lang="en-US" sz="1400" smtClean="0">
+              <a:rPr lang="en-US" sz="1400">
                 <a:latin typeface="Trebuchet MS" charset="0"/>
                 <a:ea typeface="Trebuchet MS" charset="0"/>
                 <a:cs typeface="Trebuchet MS" charset="0"/>
@@ -8626,6 +8880,77 @@
           </a:p>
         </p:txBody>
       </p:sp>
+      <p:sp>
+        <p:nvSpPr>
+          <p:cNvPr id="3" name="Slide Number Placeholder 2">
+            <a:extLst>
+              <a:ext uri="{FF2B5EF4-FFF2-40B4-BE49-F238E27FC236}">
+                <a16:creationId xmlns:a16="http://schemas.microsoft.com/office/drawing/2014/main" id="{35C96049-3F14-BD40-A92C-530C6871CCF9}"/>
+              </a:ext>
+            </a:extLst>
+          </p:cNvPr>
+          <p:cNvSpPr>
+            <a:spLocks noGrp="1"/>
+          </p:cNvSpPr>
+          <p:nvPr>
+            <p:ph type="sldNum" sz="quarter" idx="12"/>
+          </p:nvPr>
+        </p:nvSpPr>
+        <p:spPr/>
+        <p:txBody>
+          <a:bodyPr/>
+          <a:lstStyle/>
+          <a:p>
+            <a:fld id="{9C0B2870-7350-8D40-A01A-CE539DF873CB}" type="slidenum">
+              <a:rPr lang="en-US" smtClean="0"/>
+              <a:t>15</a:t>
+            </a:fld>
+            <a:endParaRPr lang="en-US"/>
+          </a:p>
+        </p:txBody>
+      </p:sp>
+      <p:sp>
+        <p:nvSpPr>
+          <p:cNvPr id="16" name="TextBox 15">
+            <a:extLst>
+              <a:ext uri="{FF2B5EF4-FFF2-40B4-BE49-F238E27FC236}">
+                <a16:creationId xmlns:a16="http://schemas.microsoft.com/office/drawing/2014/main" id="{36DEC8F8-22E2-694D-8A48-245C3C36FAFF}"/>
+              </a:ext>
+            </a:extLst>
+          </p:cNvPr>
+          <p:cNvSpPr txBox="1"/>
+          <p:nvPr/>
+        </p:nvSpPr>
+        <p:spPr>
+          <a:xfrm>
+            <a:off x="3596797" y="6582975"/>
+            <a:ext cx="1950406" cy="276999"/>
+          </a:xfrm>
+          <a:prstGeom prst="rect">
+            <a:avLst/>
+          </a:prstGeom>
+          <a:noFill/>
+        </p:spPr>
+        <p:txBody>
+          <a:bodyPr wrap="none" rtlCol="0">
+            <a:spAutoFit/>
+          </a:bodyPr>
+          <a:lstStyle/>
+          <a:p>
+            <a:r>
+              <a:rPr lang="en-US" sz="1200" dirty="0">
+                <a:solidFill>
+                  <a:schemeClr val="tx1">
+                    <a:lumMod val="75000"/>
+                    <a:lumOff val="25000"/>
+                  </a:schemeClr>
+                </a:solidFill>
+              </a:rPr>
+              <a:t>PAT05_ConfisionMatrix.pptx</a:t>
+            </a:r>
+          </a:p>
+        </p:txBody>
+      </p:sp>
     </p:spTree>
     <p:extLst>
       <p:ext uri="{BB962C8B-B14F-4D97-AF65-F5344CB8AC3E}">
@@ -8636,13 +8961,6 @@
   <p:clrMapOvr>
     <a:masterClrMapping/>
   </p:clrMapOvr>
-  <p:timing>
-    <p:tnLst>
-      <p:par>
-        <p:cTn id="1" dur="indefinite" restart="never" nodeType="tmRoot"/>
-      </p:par>
-    </p:tnLst>
-  </p:timing>
 </p:sld>
 </file>
 
@@ -8687,32 +9005,31 @@
           <a:p>
             <a:pPr algn="ctr"/>
             <a:r>
-              <a:rPr lang="en-US" sz="2000" dirty="0" smtClean="0"/>
+              <a:rPr lang="en-US" sz="2000" dirty="0"/>
               <a:t>IDEAL</a:t>
             </a:r>
           </a:p>
           <a:p>
             <a:pPr algn="ctr"/>
             <a:r>
-              <a:rPr lang="es-ES" sz="2000" dirty="0" smtClean="0"/>
+              <a:rPr lang="es-ES" sz="2000" dirty="0"/>
               <a:t>TPR = 100%</a:t>
             </a:r>
           </a:p>
           <a:p>
             <a:pPr algn="ctr"/>
             <a:r>
-              <a:rPr lang="es-ES" sz="2000" dirty="0" smtClean="0"/>
+              <a:rPr lang="es-ES" sz="2000" dirty="0"/>
               <a:t>FPR = 0%</a:t>
             </a:r>
-            <a:endParaRPr lang="en-US" sz="2000" dirty="0" smtClean="0"/>
+            <a:endParaRPr lang="en-US" sz="2000" dirty="0"/>
           </a:p>
           <a:p>
             <a:pPr algn="ctr"/>
             <a:r>
-              <a:rPr lang="en-US" sz="2000" dirty="0" smtClean="0"/>
+              <a:rPr lang="en-US" sz="2000" dirty="0"/>
               <a:t> </a:t>
             </a:r>
-            <a:endParaRPr lang="en-US" sz="2000" dirty="0"/>
           </a:p>
         </p:txBody>
       </p:sp>
@@ -9505,10 +9822,9 @@
           <a:lstStyle/>
           <a:p>
             <a:r>
-              <a:rPr lang="en-US" smtClean="0"/>
+              <a:rPr lang="en-US"/>
               <a:t>FPR = 0%</a:t>
             </a:r>
-            <a:endParaRPr lang="en-US"/>
           </a:p>
         </p:txBody>
       </p:sp>
@@ -9535,7 +9851,7 @@
           <a:lstStyle/>
           <a:p>
             <a:r>
-              <a:rPr lang="en-US" dirty="0" smtClean="0">
+              <a:rPr lang="en-US" dirty="0">
                 <a:latin typeface="Trebuchet MS" charset="0"/>
                 <a:ea typeface="Trebuchet MS" charset="0"/>
                 <a:cs typeface="Trebuchet MS" charset="0"/>
@@ -9545,7 +9861,7 @@
           </a:p>
           <a:p>
             <a:r>
-              <a:rPr lang="en-US" dirty="0" smtClean="0">
+              <a:rPr lang="en-US" dirty="0">
                 <a:latin typeface="Trebuchet MS" charset="0"/>
                 <a:ea typeface="Trebuchet MS" charset="0"/>
                 <a:cs typeface="Trebuchet MS" charset="0"/>
@@ -9555,7 +9871,7 @@
           </a:p>
           <a:p>
             <a:r>
-              <a:rPr lang="en-US" dirty="0" smtClean="0">
+              <a:rPr lang="en-US" dirty="0">
                 <a:latin typeface="Trebuchet MS" charset="0"/>
                 <a:ea typeface="Trebuchet MS" charset="0"/>
                 <a:cs typeface="Trebuchet MS" charset="0"/>
@@ -9565,18 +9881,13 @@
           </a:p>
           <a:p>
             <a:r>
-              <a:rPr lang="en-US" dirty="0" smtClean="0">
+              <a:rPr lang="en-US" dirty="0">
                 <a:latin typeface="Trebuchet MS" charset="0"/>
                 <a:ea typeface="Trebuchet MS" charset="0"/>
                 <a:cs typeface="Trebuchet MS" charset="0"/>
               </a:rPr>
               <a:t>White pixels: True negatives (TN) </a:t>
             </a:r>
-            <a:endParaRPr lang="en-US" dirty="0">
-              <a:latin typeface="Trebuchet MS" charset="0"/>
-              <a:ea typeface="Trebuchet MS" charset="0"/>
-              <a:cs typeface="Trebuchet MS" charset="0"/>
-            </a:endParaRPr>
           </a:p>
         </p:txBody>
       </p:sp>
@@ -9769,7 +10080,7 @@
         <p:spPr>
           <a:xfrm>
             <a:off x="7102502" y="3537285"/>
-            <a:ext cx="1043876" cy="369332"/>
+            <a:ext cx="1277914" cy="369332"/>
           </a:xfrm>
           <a:prstGeom prst="rect">
             <a:avLst/>
@@ -9784,13 +10095,8 @@
           <a:p>
             <a:r>
               <a:rPr lang="en-US" dirty="0"/>
-              <a:t>T</a:t>
-            </a:r>
-            <a:r>
-              <a:rPr lang="en-US" dirty="0" smtClean="0"/>
-              <a:t>PR = 0%</a:t>
-            </a:r>
-            <a:endParaRPr lang="en-US" dirty="0"/>
+              <a:t>TPR = 100%</a:t>
+            </a:r>
           </a:p>
         </p:txBody>
       </p:sp>
@@ -9817,10 +10123,9 @@
           <a:lstStyle/>
           <a:p>
             <a:r>
-              <a:rPr lang="en-US" dirty="0" smtClean="0"/>
+              <a:rPr lang="en-US" dirty="0"/>
               <a:t>No false alarm</a:t>
             </a:r>
-            <a:endParaRPr lang="en-US" dirty="0"/>
           </a:p>
         </p:txBody>
       </p:sp>
@@ -9847,10 +10152,9 @@
           <a:lstStyle/>
           <a:p>
             <a:r>
-              <a:rPr lang="en-US" smtClean="0"/>
+              <a:rPr lang="en-US"/>
               <a:t>All targets detected</a:t>
             </a:r>
-            <a:endParaRPr lang="en-US"/>
           </a:p>
         </p:txBody>
       </p:sp>
@@ -9877,10 +10181,9 @@
           <a:lstStyle/>
           <a:p>
             <a:r>
-              <a:rPr lang="en-US" smtClean="0"/>
+              <a:rPr lang="en-US"/>
               <a:t>Extreme</a:t>
             </a:r>
-            <a:endParaRPr lang="en-US"/>
           </a:p>
         </p:txBody>
       </p:sp>
@@ -9907,10 +10210,9 @@
           <a:lstStyle/>
           <a:p>
             <a:r>
-              <a:rPr lang="en-US" smtClean="0"/>
+              <a:rPr lang="en-US"/>
               <a:t>Extreme</a:t>
             </a:r>
-            <a:endParaRPr lang="en-US"/>
           </a:p>
         </p:txBody>
       </p:sp>
@@ -10321,24 +10623,94 @@
           <a:p>
             <a:pPr algn="ctr"/>
             <a:r>
-              <a:rPr lang="en-US" dirty="0" smtClean="0"/>
+              <a:rPr lang="en-US" dirty="0"/>
               <a:t>Reality:</a:t>
             </a:r>
           </a:p>
           <a:p>
             <a:pPr algn="ctr"/>
             <a:r>
-              <a:rPr lang="en-US" dirty="0" smtClean="0"/>
+              <a:rPr lang="en-US" dirty="0"/>
               <a:t>Trade-off between</a:t>
             </a:r>
           </a:p>
           <a:p>
             <a:pPr algn="ctr"/>
             <a:r>
-              <a:rPr lang="en-US" dirty="0" smtClean="0"/>
+              <a:rPr lang="en-US" dirty="0"/>
               <a:t>FPR and TPR</a:t>
             </a:r>
-            <a:endParaRPr lang="en-US" dirty="0"/>
+          </a:p>
+        </p:txBody>
+      </p:sp>
+      <p:sp>
+        <p:nvSpPr>
+          <p:cNvPr id="3" name="Slide Number Placeholder 2">
+            <a:extLst>
+              <a:ext uri="{FF2B5EF4-FFF2-40B4-BE49-F238E27FC236}">
+                <a16:creationId xmlns:a16="http://schemas.microsoft.com/office/drawing/2014/main" id="{9E974A74-C055-C34E-9165-A751EA64E115}"/>
+              </a:ext>
+            </a:extLst>
+          </p:cNvPr>
+          <p:cNvSpPr>
+            <a:spLocks noGrp="1"/>
+          </p:cNvSpPr>
+          <p:nvPr>
+            <p:ph type="sldNum" sz="quarter" idx="12"/>
+          </p:nvPr>
+        </p:nvSpPr>
+        <p:spPr/>
+        <p:txBody>
+          <a:bodyPr/>
+          <a:lstStyle/>
+          <a:p>
+            <a:fld id="{9C0B2870-7350-8D40-A01A-CE539DF873CB}" type="slidenum">
+              <a:rPr lang="en-US" smtClean="0"/>
+              <a:t>16</a:t>
+            </a:fld>
+            <a:endParaRPr lang="en-US"/>
+          </a:p>
+        </p:txBody>
+      </p:sp>
+      <p:sp>
+        <p:nvSpPr>
+          <p:cNvPr id="28" name="TextBox 27">
+            <a:extLst>
+              <a:ext uri="{FF2B5EF4-FFF2-40B4-BE49-F238E27FC236}">
+                <a16:creationId xmlns:a16="http://schemas.microsoft.com/office/drawing/2014/main" id="{D886BF86-3F56-2C40-9996-17B466F50C7F}"/>
+              </a:ext>
+            </a:extLst>
+          </p:cNvPr>
+          <p:cNvSpPr txBox="1"/>
+          <p:nvPr/>
+        </p:nvSpPr>
+        <p:spPr>
+          <a:xfrm>
+            <a:off x="3596797" y="6582975"/>
+            <a:ext cx="1950406" cy="276999"/>
+          </a:xfrm>
+          <a:prstGeom prst="rect">
+            <a:avLst/>
+          </a:prstGeom>
+          <a:noFill/>
+        </p:spPr>
+        <p:txBody>
+          <a:bodyPr wrap="none" rtlCol="0">
+            <a:spAutoFit/>
+          </a:bodyPr>
+          <a:lstStyle/>
+          <a:p>
+            <a:r>
+              <a:rPr lang="en-US" sz="1200" dirty="0">
+                <a:solidFill>
+                  <a:schemeClr val="tx1">
+                    <a:lumMod val="75000"/>
+                    <a:lumOff val="25000"/>
+                  </a:schemeClr>
+                </a:solidFill>
+              </a:rPr>
+              <a:t>PAT05_ConfisionMatrix.pptx</a:t>
+            </a:r>
           </a:p>
         </p:txBody>
       </p:sp>
@@ -10352,13 +10724,6 @@
   <p:clrMapOvr>
     <a:masterClrMapping/>
   </p:clrMapOvr>
-  <p:timing>
-    <p:tnLst>
-      <p:par>
-        <p:cTn id="1" dur="indefinite" restart="never" nodeType="tmRoot"/>
-      </p:par>
-    </p:tnLst>
-  </p:timing>
 </p:sld>
 </file>
 
@@ -10403,32 +10768,102 @@
           <a:p>
             <a:pPr algn="ctr"/>
             <a:r>
-              <a:rPr lang="en-US" sz="6000" smtClean="0"/>
+              <a:rPr lang="en-US" sz="6000"/>
               <a:t>Curve</a:t>
             </a:r>
           </a:p>
           <a:p>
             <a:pPr algn="ctr"/>
             <a:r>
-              <a:rPr lang="en-US" sz="6000" dirty="0" smtClean="0"/>
+              <a:rPr lang="en-US" sz="6000" dirty="0"/>
               <a:t>Precision </a:t>
             </a:r>
             <a:r>
-              <a:rPr lang="mr-IN" sz="6000" dirty="0" smtClean="0"/>
+              <a:rPr lang="mr-IN" sz="6000" dirty="0"/>
               <a:t>–</a:t>
             </a:r>
             <a:r>
-              <a:rPr lang="en-US" sz="6000" dirty="0" smtClean="0"/>
+              <a:rPr lang="en-US" sz="6000" dirty="0"/>
               <a:t> Recall</a:t>
             </a:r>
           </a:p>
           <a:p>
             <a:pPr algn="ctr"/>
             <a:r>
-              <a:rPr lang="en-US" sz="6000" dirty="0" smtClean="0"/>
+              <a:rPr lang="en-US" sz="6000" dirty="0"/>
               <a:t> </a:t>
             </a:r>
-            <a:endParaRPr lang="en-US" sz="6000" dirty="0"/>
+          </a:p>
+        </p:txBody>
+      </p:sp>
+      <p:sp>
+        <p:nvSpPr>
+          <p:cNvPr id="2" name="Slide Number Placeholder 1">
+            <a:extLst>
+              <a:ext uri="{FF2B5EF4-FFF2-40B4-BE49-F238E27FC236}">
+                <a16:creationId xmlns:a16="http://schemas.microsoft.com/office/drawing/2014/main" id="{B238634C-7D74-4D4B-ACD2-DB8C50091043}"/>
+              </a:ext>
+            </a:extLst>
+          </p:cNvPr>
+          <p:cNvSpPr>
+            <a:spLocks noGrp="1"/>
+          </p:cNvSpPr>
+          <p:nvPr>
+            <p:ph type="sldNum" sz="quarter" idx="12"/>
+          </p:nvPr>
+        </p:nvSpPr>
+        <p:spPr/>
+        <p:txBody>
+          <a:bodyPr/>
+          <a:lstStyle/>
+          <a:p>
+            <a:fld id="{9C0B2870-7350-8D40-A01A-CE539DF873CB}" type="slidenum">
+              <a:rPr lang="en-US" smtClean="0"/>
+              <a:t>17</a:t>
+            </a:fld>
+            <a:endParaRPr lang="en-US"/>
+          </a:p>
+        </p:txBody>
+      </p:sp>
+      <p:sp>
+        <p:nvSpPr>
+          <p:cNvPr id="5" name="TextBox 4">
+            <a:extLst>
+              <a:ext uri="{FF2B5EF4-FFF2-40B4-BE49-F238E27FC236}">
+                <a16:creationId xmlns:a16="http://schemas.microsoft.com/office/drawing/2014/main" id="{F6F8790D-894A-A941-AD44-8C3A2CA7837A}"/>
+              </a:ext>
+            </a:extLst>
+          </p:cNvPr>
+          <p:cNvSpPr txBox="1"/>
+          <p:nvPr/>
+        </p:nvSpPr>
+        <p:spPr>
+          <a:xfrm>
+            <a:off x="3596797" y="6582975"/>
+            <a:ext cx="1950406" cy="276999"/>
+          </a:xfrm>
+          <a:prstGeom prst="rect">
+            <a:avLst/>
+          </a:prstGeom>
+          <a:noFill/>
+        </p:spPr>
+        <p:txBody>
+          <a:bodyPr wrap="none" rtlCol="0">
+            <a:spAutoFit/>
+          </a:bodyPr>
+          <a:lstStyle/>
+          <a:p>
+            <a:r>
+              <a:rPr lang="en-US" sz="1200" dirty="0">
+                <a:solidFill>
+                  <a:schemeClr val="tx1">
+                    <a:lumMod val="75000"/>
+                    <a:lumOff val="25000"/>
+                  </a:schemeClr>
+                </a:solidFill>
+              </a:rPr>
+              <a:t>PAT05_ConfisionMatrix.pptx</a:t>
+            </a:r>
           </a:p>
         </p:txBody>
       </p:sp>
@@ -10442,13 +10877,6 @@
   <p:clrMapOvr>
     <a:masterClrMapping/>
   </p:clrMapOvr>
-  <p:timing>
-    <p:tnLst>
-      <p:par>
-        <p:cTn id="1" dur="indefinite" restart="never" nodeType="tmRoot"/>
-      </p:par>
-    </p:tnLst>
-  </p:timing>
 </p:sld>
 </file>
 
@@ -10533,18 +10961,13 @@
           <a:lstStyle/>
           <a:p>
             <a:r>
-              <a:rPr lang="en-US" dirty="0" smtClean="0">
+              <a:rPr lang="en-US" dirty="0">
                 <a:latin typeface="Trebuchet MS" charset="0"/>
                 <a:ea typeface="Trebuchet MS" charset="0"/>
                 <a:cs typeface="Trebuchet MS" charset="0"/>
               </a:rPr>
               <a:t>[ EXAMPLE ]</a:t>
             </a:r>
-            <a:endParaRPr lang="en-US" dirty="0">
-              <a:latin typeface="Trebuchet MS" charset="0"/>
-              <a:ea typeface="Trebuchet MS" charset="0"/>
-              <a:cs typeface="Trebuchet MS" charset="0"/>
-            </a:endParaRPr>
           </a:p>
         </p:txBody>
       </p:sp>
@@ -10897,7 +11320,7 @@
           <a:lstStyle/>
           <a:p>
             <a:r>
-              <a:rPr lang="en-US" dirty="0" smtClean="0">
+              <a:rPr lang="en-US" dirty="0">
                 <a:latin typeface="Trebuchet MS" charset="0"/>
                 <a:ea typeface="Trebuchet MS" charset="0"/>
                 <a:cs typeface="Trebuchet MS" charset="0"/>
@@ -10907,7 +11330,7 @@
           </a:p>
           <a:p>
             <a:r>
-              <a:rPr lang="en-US" dirty="0" smtClean="0">
+              <a:rPr lang="en-US" dirty="0">
                 <a:latin typeface="Trebuchet MS" charset="0"/>
                 <a:ea typeface="Trebuchet MS" charset="0"/>
                 <a:cs typeface="Trebuchet MS" charset="0"/>
@@ -10917,7 +11340,7 @@
           </a:p>
           <a:p>
             <a:r>
-              <a:rPr lang="en-US" dirty="0" smtClean="0">
+              <a:rPr lang="en-US" dirty="0">
                 <a:latin typeface="Trebuchet MS" charset="0"/>
                 <a:ea typeface="Trebuchet MS" charset="0"/>
                 <a:cs typeface="Trebuchet MS" charset="0"/>
@@ -10927,18 +11350,13 @@
           </a:p>
           <a:p>
             <a:r>
-              <a:rPr lang="en-US" dirty="0" smtClean="0">
+              <a:rPr lang="en-US" dirty="0">
                 <a:latin typeface="Trebuchet MS" charset="0"/>
                 <a:ea typeface="Trebuchet MS" charset="0"/>
                 <a:cs typeface="Trebuchet MS" charset="0"/>
               </a:rPr>
               <a:t>White pixels: True negatives (TN) </a:t>
             </a:r>
-            <a:endParaRPr lang="en-US" dirty="0">
-              <a:latin typeface="Trebuchet MS" charset="0"/>
-              <a:ea typeface="Trebuchet MS" charset="0"/>
-              <a:cs typeface="Trebuchet MS" charset="0"/>
-            </a:endParaRPr>
           </a:p>
         </p:txBody>
       </p:sp>
@@ -11004,7 +11422,7 @@
           <a:lstStyle/>
           <a:p>
             <a:r>
-              <a:rPr lang="en-US" sz="1400" smtClean="0">
+              <a:rPr lang="en-US" sz="1400">
                 <a:solidFill>
                   <a:schemeClr val="bg1"/>
                 </a:solidFill>
@@ -11044,7 +11462,7 @@
           <a:lstStyle/>
           <a:p>
             <a:r>
-              <a:rPr lang="en-US" sz="1400" smtClean="0">
+              <a:rPr lang="en-US" sz="1400">
                 <a:solidFill>
                   <a:schemeClr val="bg1"/>
                 </a:solidFill>
@@ -11084,7 +11502,7 @@
           <a:lstStyle/>
           <a:p>
             <a:r>
-              <a:rPr lang="en-US" sz="1400" smtClean="0">
+              <a:rPr lang="en-US" sz="1400">
                 <a:latin typeface="Trebuchet MS" charset="0"/>
                 <a:ea typeface="Trebuchet MS" charset="0"/>
                 <a:cs typeface="Trebuchet MS" charset="0"/>
@@ -11275,6 +11693,77 @@
           </a:p>
         </p:txBody>
       </p:sp>
+      <p:sp>
+        <p:nvSpPr>
+          <p:cNvPr id="3" name="Slide Number Placeholder 2">
+            <a:extLst>
+              <a:ext uri="{FF2B5EF4-FFF2-40B4-BE49-F238E27FC236}">
+                <a16:creationId xmlns:a16="http://schemas.microsoft.com/office/drawing/2014/main" id="{87641486-0792-614A-9224-625B0C4399A4}"/>
+              </a:ext>
+            </a:extLst>
+          </p:cNvPr>
+          <p:cNvSpPr>
+            <a:spLocks noGrp="1"/>
+          </p:cNvSpPr>
+          <p:nvPr>
+            <p:ph type="sldNum" sz="quarter" idx="12"/>
+          </p:nvPr>
+        </p:nvSpPr>
+        <p:spPr/>
+        <p:txBody>
+          <a:bodyPr/>
+          <a:lstStyle/>
+          <a:p>
+            <a:fld id="{9C0B2870-7350-8D40-A01A-CE539DF873CB}" type="slidenum">
+              <a:rPr lang="en-US" smtClean="0"/>
+              <a:t>18</a:t>
+            </a:fld>
+            <a:endParaRPr lang="en-US"/>
+          </a:p>
+        </p:txBody>
+      </p:sp>
+      <p:sp>
+        <p:nvSpPr>
+          <p:cNvPr id="16" name="TextBox 15">
+            <a:extLst>
+              <a:ext uri="{FF2B5EF4-FFF2-40B4-BE49-F238E27FC236}">
+                <a16:creationId xmlns:a16="http://schemas.microsoft.com/office/drawing/2014/main" id="{AEF61CB9-739C-7045-8C9C-AAECB1BEA900}"/>
+              </a:ext>
+            </a:extLst>
+          </p:cNvPr>
+          <p:cNvSpPr txBox="1"/>
+          <p:nvPr/>
+        </p:nvSpPr>
+        <p:spPr>
+          <a:xfrm>
+            <a:off x="3596797" y="6582975"/>
+            <a:ext cx="1950406" cy="276999"/>
+          </a:xfrm>
+          <a:prstGeom prst="rect">
+            <a:avLst/>
+          </a:prstGeom>
+          <a:noFill/>
+        </p:spPr>
+        <p:txBody>
+          <a:bodyPr wrap="none" rtlCol="0">
+            <a:spAutoFit/>
+          </a:bodyPr>
+          <a:lstStyle/>
+          <a:p>
+            <a:r>
+              <a:rPr lang="en-US" sz="1200" dirty="0">
+                <a:solidFill>
+                  <a:schemeClr val="tx1">
+                    <a:lumMod val="75000"/>
+                    <a:lumOff val="25000"/>
+                  </a:schemeClr>
+                </a:solidFill>
+              </a:rPr>
+              <a:t>PAT05_ConfisionMatrix.pptx</a:t>
+            </a:r>
+          </a:p>
+        </p:txBody>
+      </p:sp>
     </p:spTree>
     <p:extLst>
       <p:ext uri="{BB962C8B-B14F-4D97-AF65-F5344CB8AC3E}">
@@ -11285,13 +11774,6 @@
   <p:clrMapOvr>
     <a:masterClrMapping/>
   </p:clrMapOvr>
-  <p:timing>
-    <p:tnLst>
-      <p:par>
-        <p:cTn id="1" dur="indefinite" restart="never" nodeType="tmRoot"/>
-      </p:par>
-    </p:tnLst>
-  </p:timing>
 </p:sld>
 </file>
 
@@ -11376,18 +11858,13 @@
           <a:lstStyle/>
           <a:p>
             <a:r>
-              <a:rPr lang="en-US" dirty="0" smtClean="0">
+              <a:rPr lang="en-US" dirty="0">
                 <a:latin typeface="Trebuchet MS" charset="0"/>
                 <a:ea typeface="Trebuchet MS" charset="0"/>
                 <a:cs typeface="Trebuchet MS" charset="0"/>
               </a:rPr>
               <a:t>[ EXAMPLE ]</a:t>
             </a:r>
-            <a:endParaRPr lang="en-US" dirty="0">
-              <a:latin typeface="Trebuchet MS" charset="0"/>
-              <a:ea typeface="Trebuchet MS" charset="0"/>
-              <a:cs typeface="Trebuchet MS" charset="0"/>
-            </a:endParaRPr>
           </a:p>
         </p:txBody>
       </p:sp>
@@ -11740,7 +12217,7 @@
           <a:lstStyle/>
           <a:p>
             <a:r>
-              <a:rPr lang="en-US" dirty="0" smtClean="0">
+              <a:rPr lang="en-US" dirty="0">
                 <a:latin typeface="Trebuchet MS" charset="0"/>
                 <a:ea typeface="Trebuchet MS" charset="0"/>
                 <a:cs typeface="Trebuchet MS" charset="0"/>
@@ -11750,7 +12227,7 @@
           </a:p>
           <a:p>
             <a:r>
-              <a:rPr lang="en-US" dirty="0" smtClean="0">
+              <a:rPr lang="en-US" dirty="0">
                 <a:latin typeface="Trebuchet MS" charset="0"/>
                 <a:ea typeface="Trebuchet MS" charset="0"/>
                 <a:cs typeface="Trebuchet MS" charset="0"/>
@@ -11760,7 +12237,7 @@
           </a:p>
           <a:p>
             <a:r>
-              <a:rPr lang="en-US" dirty="0" smtClean="0">
+              <a:rPr lang="en-US" dirty="0">
                 <a:latin typeface="Trebuchet MS" charset="0"/>
                 <a:ea typeface="Trebuchet MS" charset="0"/>
                 <a:cs typeface="Trebuchet MS" charset="0"/>
@@ -11770,18 +12247,13 @@
           </a:p>
           <a:p>
             <a:r>
-              <a:rPr lang="en-US" dirty="0" smtClean="0">
+              <a:rPr lang="en-US" dirty="0">
                 <a:latin typeface="Trebuchet MS" charset="0"/>
                 <a:ea typeface="Trebuchet MS" charset="0"/>
                 <a:cs typeface="Trebuchet MS" charset="0"/>
               </a:rPr>
               <a:t>White pixels: True negatives (TN) </a:t>
             </a:r>
-            <a:endParaRPr lang="en-US" dirty="0">
-              <a:latin typeface="Trebuchet MS" charset="0"/>
-              <a:ea typeface="Trebuchet MS" charset="0"/>
-              <a:cs typeface="Trebuchet MS" charset="0"/>
-            </a:endParaRPr>
           </a:p>
         </p:txBody>
       </p:sp>
@@ -11847,7 +12319,7 @@
           <a:lstStyle/>
           <a:p>
             <a:r>
-              <a:rPr lang="en-US" sz="1400" smtClean="0">
+              <a:rPr lang="en-US" sz="1400">
                 <a:solidFill>
                   <a:schemeClr val="bg1"/>
                 </a:solidFill>
@@ -11887,7 +12359,7 @@
           <a:lstStyle/>
           <a:p>
             <a:r>
-              <a:rPr lang="en-US" sz="1400" smtClean="0">
+              <a:rPr lang="en-US" sz="1400">
                 <a:solidFill>
                   <a:schemeClr val="bg1"/>
                 </a:solidFill>
@@ -11927,7 +12399,7 @@
           <a:lstStyle/>
           <a:p>
             <a:r>
-              <a:rPr lang="en-US" sz="1400" smtClean="0">
+              <a:rPr lang="en-US" sz="1400">
                 <a:latin typeface="Trebuchet MS" charset="0"/>
                 <a:ea typeface="Trebuchet MS" charset="0"/>
                 <a:cs typeface="Trebuchet MS" charset="0"/>
@@ -11961,17 +12433,17 @@
           <a:lstStyle/>
           <a:p>
             <a:r>
-              <a:rPr lang="en-US" dirty="0" err="1" smtClean="0"/>
+              <a:rPr lang="en-US" dirty="0" err="1"/>
               <a:t>Pr</a:t>
             </a:r>
             <a:r>
-              <a:rPr lang="en-US" dirty="0" smtClean="0"/>
+              <a:rPr lang="en-US" dirty="0"/>
               <a:t> = TP/(TP+FP)</a:t>
             </a:r>
           </a:p>
           <a:p>
             <a:r>
-              <a:rPr lang="en-US" dirty="0" smtClean="0"/>
+              <a:rPr lang="en-US" dirty="0"/>
               <a:t>Re = TP/(TP+FN)</a:t>
             </a:r>
           </a:p>
@@ -11979,7 +12451,7 @@
             <a:endParaRPr lang="en-US" dirty="0"/>
           </a:p>
           <a:p>
-            <a:endParaRPr lang="en-US" dirty="0" smtClean="0"/>
+            <a:endParaRPr lang="en-US" dirty="0"/>
           </a:p>
         </p:txBody>
       </p:sp>
@@ -12100,10 +12572,9 @@
           <a:lstStyle/>
           <a:p>
             <a:r>
-              <a:rPr lang="en-US" dirty="0" smtClean="0"/>
+              <a:rPr lang="en-US" dirty="0"/>
               <a:t>Re</a:t>
             </a:r>
-            <a:endParaRPr lang="en-US" dirty="0"/>
           </a:p>
         </p:txBody>
       </p:sp>
@@ -12166,14 +12637,13 @@
           <a:lstStyle/>
           <a:p>
             <a:r>
-              <a:rPr lang="en-US" smtClean="0"/>
+              <a:rPr lang="en-US"/>
               <a:t>Precision-Recall </a:t>
             </a:r>
             <a:r>
-              <a:rPr lang="en-US" dirty="0" smtClean="0"/>
+              <a:rPr lang="en-US" dirty="0"/>
               <a:t>curve</a:t>
             </a:r>
-            <a:endParaRPr lang="en-US" dirty="0"/>
           </a:p>
         </p:txBody>
       </p:sp>
@@ -12357,6 +12827,77 @@
           </a:p>
         </p:txBody>
       </p:sp>
+      <p:sp>
+        <p:nvSpPr>
+          <p:cNvPr id="12" name="Slide Number Placeholder 11">
+            <a:extLst>
+              <a:ext uri="{FF2B5EF4-FFF2-40B4-BE49-F238E27FC236}">
+                <a16:creationId xmlns:a16="http://schemas.microsoft.com/office/drawing/2014/main" id="{CB0736E3-FB8B-B446-BE9A-076B36607176}"/>
+              </a:ext>
+            </a:extLst>
+          </p:cNvPr>
+          <p:cNvSpPr>
+            <a:spLocks noGrp="1"/>
+          </p:cNvSpPr>
+          <p:nvPr>
+            <p:ph type="sldNum" sz="quarter" idx="12"/>
+          </p:nvPr>
+        </p:nvSpPr>
+        <p:spPr/>
+        <p:txBody>
+          <a:bodyPr/>
+          <a:lstStyle/>
+          <a:p>
+            <a:fld id="{9C0B2870-7350-8D40-A01A-CE539DF873CB}" type="slidenum">
+              <a:rPr lang="en-US" smtClean="0"/>
+              <a:t>19</a:t>
+            </a:fld>
+            <a:endParaRPr lang="en-US"/>
+          </a:p>
+        </p:txBody>
+      </p:sp>
+      <p:sp>
+        <p:nvSpPr>
+          <p:cNvPr id="24" name="TextBox 23">
+            <a:extLst>
+              <a:ext uri="{FF2B5EF4-FFF2-40B4-BE49-F238E27FC236}">
+                <a16:creationId xmlns:a16="http://schemas.microsoft.com/office/drawing/2014/main" id="{E298FCCC-89FE-0945-9525-A7F60B2540DC}"/>
+              </a:ext>
+            </a:extLst>
+          </p:cNvPr>
+          <p:cNvSpPr txBox="1"/>
+          <p:nvPr/>
+        </p:nvSpPr>
+        <p:spPr>
+          <a:xfrm>
+            <a:off x="3596797" y="6582975"/>
+            <a:ext cx="1950406" cy="276999"/>
+          </a:xfrm>
+          <a:prstGeom prst="rect">
+            <a:avLst/>
+          </a:prstGeom>
+          <a:noFill/>
+        </p:spPr>
+        <p:txBody>
+          <a:bodyPr wrap="none" rtlCol="0">
+            <a:spAutoFit/>
+          </a:bodyPr>
+          <a:lstStyle/>
+          <a:p>
+            <a:r>
+              <a:rPr lang="en-US" sz="1200" dirty="0">
+                <a:solidFill>
+                  <a:schemeClr val="tx1">
+                    <a:lumMod val="75000"/>
+                    <a:lumOff val="25000"/>
+                  </a:schemeClr>
+                </a:solidFill>
+              </a:rPr>
+              <a:t>PAT05_ConfisionMatrix.pptx</a:t>
+            </a:r>
+          </a:p>
+        </p:txBody>
+      </p:sp>
     </p:spTree>
     <p:extLst>
       <p:ext uri="{BB962C8B-B14F-4D97-AF65-F5344CB8AC3E}">
@@ -12367,13 +12908,6 @@
   <p:clrMapOvr>
     <a:masterClrMapping/>
   </p:clrMapOvr>
-  <p:timing>
-    <p:tnLst>
-      <p:par>
-        <p:cTn id="1" dur="indefinite" restart="never" nodeType="tmRoot"/>
-      </p:par>
-    </p:tnLst>
-  </p:timing>
 </p:sld>
 </file>
 
@@ -12417,18 +12951,13 @@
           <a:lstStyle/>
           <a:p>
             <a:r>
-              <a:rPr lang="en-US" smtClean="0">
+              <a:rPr lang="en-US">
                 <a:latin typeface="Trebuchet MS" charset="0"/>
                 <a:ea typeface="Trebuchet MS" charset="0"/>
                 <a:cs typeface="Trebuchet MS" charset="0"/>
               </a:rPr>
               <a:t>[ CONFUSION MATRIX ]</a:t>
             </a:r>
-            <a:endParaRPr lang="en-US">
-              <a:latin typeface="Trebuchet MS" charset="0"/>
-              <a:ea typeface="Trebuchet MS" charset="0"/>
-              <a:cs typeface="Trebuchet MS" charset="0"/>
-            </a:endParaRPr>
           </a:p>
         </p:txBody>
       </p:sp>
@@ -12462,6 +12991,77 @@
           </a:prstGeom>
         </p:spPr>
       </p:pic>
+      <p:sp>
+        <p:nvSpPr>
+          <p:cNvPr id="6" name="TextBox 5">
+            <a:extLst>
+              <a:ext uri="{FF2B5EF4-FFF2-40B4-BE49-F238E27FC236}">
+                <a16:creationId xmlns:a16="http://schemas.microsoft.com/office/drawing/2014/main" id="{42E90A0D-F846-134A-A799-07D078749BAC}"/>
+              </a:ext>
+            </a:extLst>
+          </p:cNvPr>
+          <p:cNvSpPr txBox="1"/>
+          <p:nvPr/>
+        </p:nvSpPr>
+        <p:spPr>
+          <a:xfrm>
+            <a:off x="3596797" y="6582975"/>
+            <a:ext cx="1950406" cy="276999"/>
+          </a:xfrm>
+          <a:prstGeom prst="rect">
+            <a:avLst/>
+          </a:prstGeom>
+          <a:noFill/>
+        </p:spPr>
+        <p:txBody>
+          <a:bodyPr wrap="none" rtlCol="0">
+            <a:spAutoFit/>
+          </a:bodyPr>
+          <a:lstStyle/>
+          <a:p>
+            <a:r>
+              <a:rPr lang="en-US" sz="1200" dirty="0">
+                <a:solidFill>
+                  <a:schemeClr val="tx1">
+                    <a:lumMod val="75000"/>
+                    <a:lumOff val="25000"/>
+                  </a:schemeClr>
+                </a:solidFill>
+              </a:rPr>
+              <a:t>PAT05_ConfisionMatrix.pptx</a:t>
+            </a:r>
+          </a:p>
+        </p:txBody>
+      </p:sp>
+      <p:sp>
+        <p:nvSpPr>
+          <p:cNvPr id="2" name="Slide Number Placeholder 1">
+            <a:extLst>
+              <a:ext uri="{FF2B5EF4-FFF2-40B4-BE49-F238E27FC236}">
+                <a16:creationId xmlns:a16="http://schemas.microsoft.com/office/drawing/2014/main" id="{335DD59E-61A1-184B-A324-CCE4C5D8D7EA}"/>
+              </a:ext>
+            </a:extLst>
+          </p:cNvPr>
+          <p:cNvSpPr>
+            <a:spLocks noGrp="1"/>
+          </p:cNvSpPr>
+          <p:nvPr>
+            <p:ph type="sldNum" sz="quarter" idx="12"/>
+          </p:nvPr>
+        </p:nvSpPr>
+        <p:spPr/>
+        <p:txBody>
+          <a:bodyPr/>
+          <a:lstStyle/>
+          <a:p>
+            <a:fld id="{9C0B2870-7350-8D40-A01A-CE539DF873CB}" type="slidenum">
+              <a:rPr lang="en-US" smtClean="0"/>
+              <a:t>2</a:t>
+            </a:fld>
+            <a:endParaRPr lang="en-US"/>
+          </a:p>
+        </p:txBody>
+      </p:sp>
     </p:spTree>
     <p:extLst>
       <p:ext uri="{BB962C8B-B14F-4D97-AF65-F5344CB8AC3E}">
@@ -12472,13 +13072,6 @@
   <p:clrMapOvr>
     <a:masterClrMapping/>
   </p:clrMapOvr>
-  <p:timing>
-    <p:tnLst>
-      <p:par>
-        <p:cTn id="1" dur="indefinite" restart="never" nodeType="tmRoot"/>
-      </p:par>
-    </p:tnLst>
-  </p:timing>
 </p:sld>
 </file>
 
@@ -12694,10 +13287,9 @@
           <a:lstStyle/>
           <a:p>
             <a:r>
-              <a:rPr lang="en-US" dirty="0" smtClean="0"/>
+              <a:rPr lang="en-US" dirty="0"/>
               <a:t>Precision =                            =  </a:t>
             </a:r>
-            <a:endParaRPr lang="en-US" dirty="0"/>
           </a:p>
         </p:txBody>
       </p:sp>
@@ -12886,10 +13478,9 @@
           <a:lstStyle/>
           <a:p>
             <a:r>
-              <a:rPr lang="en-US" smtClean="0"/>
+              <a:rPr lang="en-US"/>
               <a:t>+</a:t>
             </a:r>
-            <a:endParaRPr lang="en-US"/>
           </a:p>
         </p:txBody>
       </p:sp>
@@ -12916,10 +13507,9 @@
           <a:lstStyle/>
           <a:p>
             <a:r>
-              <a:rPr lang="en-US" dirty="0" smtClean="0"/>
+              <a:rPr lang="en-US" dirty="0"/>
               <a:t>      Recall =                            =  </a:t>
             </a:r>
-            <a:endParaRPr lang="en-US" dirty="0"/>
           </a:p>
         </p:txBody>
       </p:sp>
@@ -13108,10 +13698,9 @@
           <a:lstStyle/>
           <a:p>
             <a:r>
-              <a:rPr lang="en-US" smtClean="0"/>
+              <a:rPr lang="en-US"/>
               <a:t>+</a:t>
             </a:r>
-            <a:endParaRPr lang="en-US"/>
           </a:p>
         </p:txBody>
       </p:sp>
@@ -13204,10 +13793,9 @@
           <a:lstStyle/>
           <a:p>
             <a:r>
-              <a:rPr lang="en-US" dirty="0" smtClean="0"/>
+              <a:rPr lang="en-US" dirty="0"/>
               <a:t>Precision</a:t>
             </a:r>
-            <a:endParaRPr lang="en-US" dirty="0"/>
           </a:p>
         </p:txBody>
       </p:sp>
@@ -13234,10 +13822,9 @@
           <a:lstStyle/>
           <a:p>
             <a:r>
-              <a:rPr lang="en-US" dirty="0" smtClean="0"/>
+              <a:rPr lang="en-US" dirty="0"/>
               <a:t>Recall</a:t>
             </a:r>
-            <a:endParaRPr lang="en-US" dirty="0"/>
           </a:p>
         </p:txBody>
       </p:sp>
@@ -13264,10 +13851,9 @@
           <a:lstStyle/>
           <a:p>
             <a:r>
-              <a:rPr lang="en-US" dirty="0" smtClean="0"/>
+              <a:rPr lang="en-US" dirty="0"/>
               <a:t>0                                                 1</a:t>
             </a:r>
-            <a:endParaRPr lang="en-US" dirty="0"/>
           </a:p>
         </p:txBody>
       </p:sp>
@@ -13354,10 +13940,9 @@
           <a:lstStyle/>
           <a:p>
             <a:r>
-              <a:rPr lang="en-US" dirty="0" smtClean="0"/>
+              <a:rPr lang="en-US" dirty="0"/>
               <a:t>1</a:t>
             </a:r>
-            <a:endParaRPr lang="en-US" dirty="0"/>
           </a:p>
         </p:txBody>
       </p:sp>
@@ -15780,7 +16365,7 @@
           <a:p>
             <a:pPr algn="ctr"/>
             <a:r>
-              <a:rPr lang="en-US" dirty="0" smtClean="0"/>
+              <a:rPr lang="en-US" dirty="0"/>
               <a:t>AREA UNDER CURVE:</a:t>
             </a:r>
           </a:p>
@@ -15791,10 +16376,10 @@
           <a:p>
             <a:pPr algn="ctr"/>
             <a:r>
-              <a:rPr lang="en-US" dirty="0" err="1" smtClean="0"/>
+              <a:rPr lang="en-US" dirty="0" err="1"/>
               <a:t>mPA</a:t>
             </a:r>
-            <a:endParaRPr lang="en-US" dirty="0" smtClean="0"/>
+            <a:endParaRPr lang="en-US" dirty="0"/>
           </a:p>
           <a:p>
             <a:pPr algn="ctr"/>
@@ -15803,10 +16388,80 @@
           <a:p>
             <a:pPr algn="ctr"/>
             <a:r>
-              <a:rPr lang="en-US" dirty="0" smtClean="0"/>
+              <a:rPr lang="en-US" dirty="0"/>
               <a:t>(mean Precision Average)</a:t>
             </a:r>
-            <a:endParaRPr lang="en-US" dirty="0"/>
+          </a:p>
+        </p:txBody>
+      </p:sp>
+      <p:sp>
+        <p:nvSpPr>
+          <p:cNvPr id="3" name="Slide Number Placeholder 2">
+            <a:extLst>
+              <a:ext uri="{FF2B5EF4-FFF2-40B4-BE49-F238E27FC236}">
+                <a16:creationId xmlns:a16="http://schemas.microsoft.com/office/drawing/2014/main" id="{CC51D04E-242B-8E41-A545-E32C814FCE30}"/>
+              </a:ext>
+            </a:extLst>
+          </p:cNvPr>
+          <p:cNvSpPr>
+            <a:spLocks noGrp="1"/>
+          </p:cNvSpPr>
+          <p:nvPr>
+            <p:ph type="sldNum" sz="quarter" idx="12"/>
+          </p:nvPr>
+        </p:nvSpPr>
+        <p:spPr/>
+        <p:txBody>
+          <a:bodyPr/>
+          <a:lstStyle/>
+          <a:p>
+            <a:fld id="{9C0B2870-7350-8D40-A01A-CE539DF873CB}" type="slidenum">
+              <a:rPr lang="en-US" smtClean="0"/>
+              <a:t>20</a:t>
+            </a:fld>
+            <a:endParaRPr lang="en-US"/>
+          </a:p>
+        </p:txBody>
+      </p:sp>
+      <p:sp>
+        <p:nvSpPr>
+          <p:cNvPr id="64" name="TextBox 63">
+            <a:extLst>
+              <a:ext uri="{FF2B5EF4-FFF2-40B4-BE49-F238E27FC236}">
+                <a16:creationId xmlns:a16="http://schemas.microsoft.com/office/drawing/2014/main" id="{18FFD47E-DA35-134B-8E61-B5C220E2ECC4}"/>
+              </a:ext>
+            </a:extLst>
+          </p:cNvPr>
+          <p:cNvSpPr txBox="1"/>
+          <p:nvPr/>
+        </p:nvSpPr>
+        <p:spPr>
+          <a:xfrm>
+            <a:off x="3596797" y="6582975"/>
+            <a:ext cx="1950406" cy="276999"/>
+          </a:xfrm>
+          <a:prstGeom prst="rect">
+            <a:avLst/>
+          </a:prstGeom>
+          <a:noFill/>
+        </p:spPr>
+        <p:txBody>
+          <a:bodyPr wrap="none" rtlCol="0">
+            <a:spAutoFit/>
+          </a:bodyPr>
+          <a:lstStyle/>
+          <a:p>
+            <a:r>
+              <a:rPr lang="en-US" sz="1200" dirty="0">
+                <a:solidFill>
+                  <a:schemeClr val="tx1">
+                    <a:lumMod val="75000"/>
+                    <a:lumOff val="25000"/>
+                  </a:schemeClr>
+                </a:solidFill>
+              </a:rPr>
+              <a:t>PAT05_ConfisionMatrix.pptx</a:t>
+            </a:r>
           </a:p>
         </p:txBody>
       </p:sp>
@@ -16176,31 +16831,101 @@
           <a:p>
             <a:pPr algn="ctr"/>
             <a:r>
-              <a:rPr lang="en-US" sz="6000" dirty="0" smtClean="0"/>
+              <a:rPr lang="en-US" sz="6000" dirty="0"/>
               <a:t>Curve</a:t>
             </a:r>
           </a:p>
           <a:p>
             <a:pPr algn="ctr"/>
             <a:r>
-              <a:rPr lang="en-US" sz="6000" dirty="0" smtClean="0"/>
+              <a:rPr lang="en-US" sz="6000" dirty="0"/>
               <a:t>ROC</a:t>
             </a:r>
           </a:p>
           <a:p>
             <a:pPr algn="ctr"/>
             <a:r>
-              <a:rPr lang="en-US" sz="4400" dirty="0" smtClean="0"/>
+              <a:rPr lang="en-US" sz="4400" dirty="0"/>
               <a:t>(Receiver Operation Characteristic)</a:t>
             </a:r>
           </a:p>
           <a:p>
             <a:pPr algn="ctr"/>
             <a:r>
-              <a:rPr lang="en-US" sz="6000" dirty="0" smtClean="0"/>
+              <a:rPr lang="en-US" sz="6000" dirty="0"/>
               <a:t> </a:t>
             </a:r>
-            <a:endParaRPr lang="en-US" sz="6000" dirty="0"/>
+          </a:p>
+        </p:txBody>
+      </p:sp>
+      <p:sp>
+        <p:nvSpPr>
+          <p:cNvPr id="2" name="Slide Number Placeholder 1">
+            <a:extLst>
+              <a:ext uri="{FF2B5EF4-FFF2-40B4-BE49-F238E27FC236}">
+                <a16:creationId xmlns:a16="http://schemas.microsoft.com/office/drawing/2014/main" id="{E651CCD5-B1F7-8F43-B156-83105DF07654}"/>
+              </a:ext>
+            </a:extLst>
+          </p:cNvPr>
+          <p:cNvSpPr>
+            <a:spLocks noGrp="1"/>
+          </p:cNvSpPr>
+          <p:nvPr>
+            <p:ph type="sldNum" sz="quarter" idx="12"/>
+          </p:nvPr>
+        </p:nvSpPr>
+        <p:spPr/>
+        <p:txBody>
+          <a:bodyPr/>
+          <a:lstStyle/>
+          <a:p>
+            <a:fld id="{9C0B2870-7350-8D40-A01A-CE539DF873CB}" type="slidenum">
+              <a:rPr lang="en-US" smtClean="0"/>
+              <a:t>21</a:t>
+            </a:fld>
+            <a:endParaRPr lang="en-US"/>
+          </a:p>
+        </p:txBody>
+      </p:sp>
+      <p:sp>
+        <p:nvSpPr>
+          <p:cNvPr id="5" name="TextBox 4">
+            <a:extLst>
+              <a:ext uri="{FF2B5EF4-FFF2-40B4-BE49-F238E27FC236}">
+                <a16:creationId xmlns:a16="http://schemas.microsoft.com/office/drawing/2014/main" id="{9E9E3011-50F3-EA44-B8F7-D3969754F537}"/>
+              </a:ext>
+            </a:extLst>
+          </p:cNvPr>
+          <p:cNvSpPr txBox="1"/>
+          <p:nvPr/>
+        </p:nvSpPr>
+        <p:spPr>
+          <a:xfrm>
+            <a:off x="3596797" y="6582975"/>
+            <a:ext cx="1950406" cy="276999"/>
+          </a:xfrm>
+          <a:prstGeom prst="rect">
+            <a:avLst/>
+          </a:prstGeom>
+          <a:noFill/>
+        </p:spPr>
+        <p:txBody>
+          <a:bodyPr wrap="none" rtlCol="0">
+            <a:spAutoFit/>
+          </a:bodyPr>
+          <a:lstStyle/>
+          <a:p>
+            <a:r>
+              <a:rPr lang="en-US" sz="1200" dirty="0">
+                <a:solidFill>
+                  <a:schemeClr val="tx1">
+                    <a:lumMod val="75000"/>
+                    <a:lumOff val="25000"/>
+                  </a:schemeClr>
+                </a:solidFill>
+              </a:rPr>
+              <a:t>PAT05_ConfisionMatrix.pptx</a:t>
+            </a:r>
           </a:p>
         </p:txBody>
       </p:sp>
@@ -16214,13 +16939,6 @@
   <p:clrMapOvr>
     <a:masterClrMapping/>
   </p:clrMapOvr>
-  <p:timing>
-    <p:tnLst>
-      <p:par>
-        <p:cTn id="1" dur="indefinite" restart="never" nodeType="tmRoot"/>
-      </p:par>
-    </p:tnLst>
-  </p:timing>
 </p:sld>
 </file>
 
@@ -16305,18 +17023,13 @@
           <a:lstStyle/>
           <a:p>
             <a:r>
-              <a:rPr lang="en-US" dirty="0" smtClean="0">
+              <a:rPr lang="en-US" dirty="0">
                 <a:latin typeface="Trebuchet MS" charset="0"/>
                 <a:ea typeface="Trebuchet MS" charset="0"/>
                 <a:cs typeface="Trebuchet MS" charset="0"/>
               </a:rPr>
               <a:t>[ EXAMPLE ]</a:t>
             </a:r>
-            <a:endParaRPr lang="en-US" dirty="0">
-              <a:latin typeface="Trebuchet MS" charset="0"/>
-              <a:ea typeface="Trebuchet MS" charset="0"/>
-              <a:cs typeface="Trebuchet MS" charset="0"/>
-            </a:endParaRPr>
           </a:p>
         </p:txBody>
       </p:sp>
@@ -16669,7 +17382,7 @@
           <a:lstStyle/>
           <a:p>
             <a:r>
-              <a:rPr lang="en-US" dirty="0" smtClean="0">
+              <a:rPr lang="en-US" dirty="0">
                 <a:latin typeface="Trebuchet MS" charset="0"/>
                 <a:ea typeface="Trebuchet MS" charset="0"/>
                 <a:cs typeface="Trebuchet MS" charset="0"/>
@@ -16679,7 +17392,7 @@
           </a:p>
           <a:p>
             <a:r>
-              <a:rPr lang="en-US" dirty="0" smtClean="0">
+              <a:rPr lang="en-US" dirty="0">
                 <a:latin typeface="Trebuchet MS" charset="0"/>
                 <a:ea typeface="Trebuchet MS" charset="0"/>
                 <a:cs typeface="Trebuchet MS" charset="0"/>
@@ -16689,7 +17402,7 @@
           </a:p>
           <a:p>
             <a:r>
-              <a:rPr lang="en-US" dirty="0" smtClean="0">
+              <a:rPr lang="en-US" dirty="0">
                 <a:latin typeface="Trebuchet MS" charset="0"/>
                 <a:ea typeface="Trebuchet MS" charset="0"/>
                 <a:cs typeface="Trebuchet MS" charset="0"/>
@@ -16699,18 +17412,13 @@
           </a:p>
           <a:p>
             <a:r>
-              <a:rPr lang="en-US" dirty="0" smtClean="0">
+              <a:rPr lang="en-US" dirty="0">
                 <a:latin typeface="Trebuchet MS" charset="0"/>
                 <a:ea typeface="Trebuchet MS" charset="0"/>
                 <a:cs typeface="Trebuchet MS" charset="0"/>
               </a:rPr>
               <a:t>White pixels: True negatives (TN) </a:t>
             </a:r>
-            <a:endParaRPr lang="en-US" dirty="0">
-              <a:latin typeface="Trebuchet MS" charset="0"/>
-              <a:ea typeface="Trebuchet MS" charset="0"/>
-              <a:cs typeface="Trebuchet MS" charset="0"/>
-            </a:endParaRPr>
           </a:p>
         </p:txBody>
       </p:sp>
@@ -16776,7 +17484,7 @@
           <a:lstStyle/>
           <a:p>
             <a:r>
-              <a:rPr lang="en-US" sz="1400" smtClean="0">
+              <a:rPr lang="en-US" sz="1400">
                 <a:solidFill>
                   <a:schemeClr val="bg1"/>
                 </a:solidFill>
@@ -16816,7 +17524,7 @@
           <a:lstStyle/>
           <a:p>
             <a:r>
-              <a:rPr lang="en-US" sz="1400" smtClean="0">
+              <a:rPr lang="en-US" sz="1400">
                 <a:solidFill>
                   <a:schemeClr val="bg1"/>
                 </a:solidFill>
@@ -16856,7 +17564,7 @@
           <a:lstStyle/>
           <a:p>
             <a:r>
-              <a:rPr lang="en-US" sz="1400" smtClean="0">
+              <a:rPr lang="en-US" sz="1400">
                 <a:latin typeface="Trebuchet MS" charset="0"/>
                 <a:ea typeface="Trebuchet MS" charset="0"/>
                 <a:cs typeface="Trebuchet MS" charset="0"/>
@@ -16890,17 +17598,17 @@
           <a:lstStyle/>
           <a:p>
             <a:r>
-              <a:rPr lang="en-US" dirty="0" err="1" smtClean="0"/>
+              <a:rPr lang="en-US" dirty="0" err="1"/>
               <a:t>Pr</a:t>
             </a:r>
             <a:r>
-              <a:rPr lang="en-US" dirty="0" smtClean="0"/>
+              <a:rPr lang="en-US" dirty="0"/>
               <a:t> = TP/(TP+FP)</a:t>
             </a:r>
           </a:p>
           <a:p>
             <a:r>
-              <a:rPr lang="en-US" dirty="0" smtClean="0"/>
+              <a:rPr lang="en-US" dirty="0"/>
               <a:t>Re = TP/(TP+FN)</a:t>
             </a:r>
           </a:p>
@@ -16908,17 +17616,17 @@
             <a:endParaRPr lang="en-US" dirty="0"/>
           </a:p>
           <a:p>
-            <a:endParaRPr lang="en-US" dirty="0" smtClean="0"/>
-          </a:p>
-          <a:p>
-            <a:r>
-              <a:rPr lang="en-US" dirty="0" smtClean="0"/>
+            <a:endParaRPr lang="en-US" dirty="0"/>
+          </a:p>
+          <a:p>
+            <a:r>
+              <a:rPr lang="en-US" dirty="0"/>
               <a:t>TPR = TP/(TP+FN)</a:t>
             </a:r>
           </a:p>
           <a:p>
             <a:r>
-              <a:rPr lang="en-US" dirty="0" smtClean="0"/>
+              <a:rPr lang="en-US" dirty="0"/>
               <a:t>FPR = FP/(TN+FP)</a:t>
             </a:r>
           </a:p>
@@ -17044,10 +17752,9 @@
           <a:lstStyle/>
           <a:p>
             <a:r>
-              <a:rPr lang="en-US" dirty="0" smtClean="0"/>
+              <a:rPr lang="en-US" dirty="0"/>
               <a:t>Re</a:t>
             </a:r>
-            <a:endParaRPr lang="en-US" dirty="0"/>
           </a:p>
         </p:txBody>
       </p:sp>
@@ -17178,10 +17885,9 @@
           <a:lstStyle/>
           <a:p>
             <a:r>
-              <a:rPr lang="en-US" dirty="0" smtClean="0"/>
+              <a:rPr lang="en-US" dirty="0"/>
               <a:t>TPR</a:t>
             </a:r>
-            <a:endParaRPr lang="en-US" dirty="0"/>
           </a:p>
         </p:txBody>
       </p:sp>
@@ -17207,10 +17913,9 @@
           <a:lstStyle/>
           <a:p>
             <a:r>
-              <a:rPr lang="en-US" dirty="0" smtClean="0"/>
+              <a:rPr lang="en-US" dirty="0"/>
               <a:t>FPR</a:t>
             </a:r>
-            <a:endParaRPr lang="en-US" dirty="0"/>
           </a:p>
         </p:txBody>
       </p:sp>
@@ -17282,10 +17987,9 @@
           <a:lstStyle/>
           <a:p>
             <a:r>
-              <a:rPr lang="en-US" dirty="0" smtClean="0"/>
+              <a:rPr lang="en-US" dirty="0"/>
               <a:t>ROC curve</a:t>
             </a:r>
-            <a:endParaRPr lang="en-US" dirty="0"/>
           </a:p>
         </p:txBody>
       </p:sp>
@@ -17311,14 +18015,13 @@
           <a:lstStyle/>
           <a:p>
             <a:r>
-              <a:rPr lang="en-US" smtClean="0"/>
+              <a:rPr lang="en-US"/>
               <a:t>Precision-Recall </a:t>
             </a:r>
             <a:r>
-              <a:rPr lang="en-US" dirty="0" smtClean="0"/>
+              <a:rPr lang="en-US" dirty="0"/>
               <a:t>curve</a:t>
             </a:r>
-            <a:endParaRPr lang="en-US" dirty="0"/>
           </a:p>
         </p:txBody>
       </p:sp>
@@ -17502,6 +18205,77 @@
           </a:p>
         </p:txBody>
       </p:sp>
+      <p:sp>
+        <p:nvSpPr>
+          <p:cNvPr id="21" name="Slide Number Placeholder 20">
+            <a:extLst>
+              <a:ext uri="{FF2B5EF4-FFF2-40B4-BE49-F238E27FC236}">
+                <a16:creationId xmlns:a16="http://schemas.microsoft.com/office/drawing/2014/main" id="{CF6BBB4B-7F97-1F47-AB98-BFC32B784AF7}"/>
+              </a:ext>
+            </a:extLst>
+          </p:cNvPr>
+          <p:cNvSpPr>
+            <a:spLocks noGrp="1"/>
+          </p:cNvSpPr>
+          <p:nvPr>
+            <p:ph type="sldNum" sz="quarter" idx="12"/>
+          </p:nvPr>
+        </p:nvSpPr>
+        <p:spPr/>
+        <p:txBody>
+          <a:bodyPr/>
+          <a:lstStyle/>
+          <a:p>
+            <a:fld id="{9C0B2870-7350-8D40-A01A-CE539DF873CB}" type="slidenum">
+              <a:rPr lang="en-US" smtClean="0"/>
+              <a:t>22</a:t>
+            </a:fld>
+            <a:endParaRPr lang="en-US"/>
+          </a:p>
+        </p:txBody>
+      </p:sp>
+      <p:sp>
+        <p:nvSpPr>
+          <p:cNvPr id="31" name="TextBox 30">
+            <a:extLst>
+              <a:ext uri="{FF2B5EF4-FFF2-40B4-BE49-F238E27FC236}">
+                <a16:creationId xmlns:a16="http://schemas.microsoft.com/office/drawing/2014/main" id="{76C40858-731F-5246-BCDA-E4E7F14CB4EE}"/>
+              </a:ext>
+            </a:extLst>
+          </p:cNvPr>
+          <p:cNvSpPr txBox="1"/>
+          <p:nvPr/>
+        </p:nvSpPr>
+        <p:spPr>
+          <a:xfrm>
+            <a:off x="3596797" y="6582975"/>
+            <a:ext cx="1950406" cy="276999"/>
+          </a:xfrm>
+          <a:prstGeom prst="rect">
+            <a:avLst/>
+          </a:prstGeom>
+          <a:noFill/>
+        </p:spPr>
+        <p:txBody>
+          <a:bodyPr wrap="none" rtlCol="0">
+            <a:spAutoFit/>
+          </a:bodyPr>
+          <a:lstStyle/>
+          <a:p>
+            <a:r>
+              <a:rPr lang="en-US" sz="1200" dirty="0">
+                <a:solidFill>
+                  <a:schemeClr val="tx1">
+                    <a:lumMod val="75000"/>
+                    <a:lumOff val="25000"/>
+                  </a:schemeClr>
+                </a:solidFill>
+              </a:rPr>
+              <a:t>PAT05_ConfisionMatrix.pptx</a:t>
+            </a:r>
+          </a:p>
+        </p:txBody>
+      </p:sp>
     </p:spTree>
     <p:extLst>
       <p:ext uri="{BB962C8B-B14F-4D97-AF65-F5344CB8AC3E}">
@@ -17512,13 +18286,6 @@
   <p:clrMapOvr>
     <a:masterClrMapping/>
   </p:clrMapOvr>
-  <p:timing>
-    <p:tnLst>
-      <p:par>
-        <p:cTn id="1" dur="indefinite" restart="never" nodeType="tmRoot"/>
-      </p:par>
-    </p:tnLst>
-  </p:timing>
 </p:sld>
 </file>
 
@@ -17603,18 +18370,13 @@
           <a:lstStyle/>
           <a:p>
             <a:r>
-              <a:rPr lang="en-US" dirty="0" smtClean="0">
+              <a:rPr lang="en-US" dirty="0">
                 <a:latin typeface="Trebuchet MS" charset="0"/>
                 <a:ea typeface="Trebuchet MS" charset="0"/>
                 <a:cs typeface="Trebuchet MS" charset="0"/>
               </a:rPr>
               <a:t>[ EXAMPLE ]</a:t>
             </a:r>
-            <a:endParaRPr lang="en-US" dirty="0">
-              <a:latin typeface="Trebuchet MS" charset="0"/>
-              <a:ea typeface="Trebuchet MS" charset="0"/>
-              <a:cs typeface="Trebuchet MS" charset="0"/>
-            </a:endParaRPr>
           </a:p>
         </p:txBody>
       </p:sp>
@@ -17967,7 +18729,7 @@
           <a:lstStyle/>
           <a:p>
             <a:r>
-              <a:rPr lang="en-US" dirty="0" smtClean="0">
+              <a:rPr lang="en-US" dirty="0">
                 <a:latin typeface="Trebuchet MS" charset="0"/>
                 <a:ea typeface="Trebuchet MS" charset="0"/>
                 <a:cs typeface="Trebuchet MS" charset="0"/>
@@ -17977,7 +18739,7 @@
           </a:p>
           <a:p>
             <a:r>
-              <a:rPr lang="en-US" dirty="0" smtClean="0">
+              <a:rPr lang="en-US" dirty="0">
                 <a:latin typeface="Trebuchet MS" charset="0"/>
                 <a:ea typeface="Trebuchet MS" charset="0"/>
                 <a:cs typeface="Trebuchet MS" charset="0"/>
@@ -17987,7 +18749,7 @@
           </a:p>
           <a:p>
             <a:r>
-              <a:rPr lang="en-US" dirty="0" smtClean="0">
+              <a:rPr lang="en-US" dirty="0">
                 <a:latin typeface="Trebuchet MS" charset="0"/>
                 <a:ea typeface="Trebuchet MS" charset="0"/>
                 <a:cs typeface="Trebuchet MS" charset="0"/>
@@ -17997,18 +18759,13 @@
           </a:p>
           <a:p>
             <a:r>
-              <a:rPr lang="en-US" dirty="0" smtClean="0">
+              <a:rPr lang="en-US" dirty="0">
                 <a:latin typeface="Trebuchet MS" charset="0"/>
                 <a:ea typeface="Trebuchet MS" charset="0"/>
                 <a:cs typeface="Trebuchet MS" charset="0"/>
               </a:rPr>
               <a:t>White pixels: True negatives (TN) </a:t>
             </a:r>
-            <a:endParaRPr lang="en-US" dirty="0">
-              <a:latin typeface="Trebuchet MS" charset="0"/>
-              <a:ea typeface="Trebuchet MS" charset="0"/>
-              <a:cs typeface="Trebuchet MS" charset="0"/>
-            </a:endParaRPr>
           </a:p>
         </p:txBody>
       </p:sp>
@@ -18074,7 +18831,7 @@
           <a:lstStyle/>
           <a:p>
             <a:r>
-              <a:rPr lang="en-US" sz="1400" smtClean="0">
+              <a:rPr lang="en-US" sz="1400">
                 <a:solidFill>
                   <a:schemeClr val="bg1"/>
                 </a:solidFill>
@@ -18114,7 +18871,7 @@
           <a:lstStyle/>
           <a:p>
             <a:r>
-              <a:rPr lang="en-US" sz="1400" smtClean="0">
+              <a:rPr lang="en-US" sz="1400">
                 <a:solidFill>
                   <a:schemeClr val="bg1"/>
                 </a:solidFill>
@@ -18154,7 +18911,7 @@
           <a:lstStyle/>
           <a:p>
             <a:r>
-              <a:rPr lang="en-US" sz="1400" smtClean="0">
+              <a:rPr lang="en-US" sz="1400">
                 <a:latin typeface="Trebuchet MS" charset="0"/>
                 <a:ea typeface="Trebuchet MS" charset="0"/>
                 <a:cs typeface="Trebuchet MS" charset="0"/>
@@ -18188,17 +18945,17 @@
           <a:lstStyle/>
           <a:p>
             <a:r>
-              <a:rPr lang="en-US" dirty="0" err="1" smtClean="0"/>
+              <a:rPr lang="en-US" dirty="0" err="1"/>
               <a:t>Pr</a:t>
             </a:r>
             <a:r>
-              <a:rPr lang="en-US" dirty="0" smtClean="0"/>
+              <a:rPr lang="en-US" dirty="0"/>
               <a:t> = TP/(TP+FP)</a:t>
             </a:r>
           </a:p>
           <a:p>
             <a:r>
-              <a:rPr lang="en-US" dirty="0" smtClean="0"/>
+              <a:rPr lang="en-US" dirty="0"/>
               <a:t>Re = TP/(TP+FN)</a:t>
             </a:r>
           </a:p>
@@ -18206,17 +18963,17 @@
             <a:endParaRPr lang="en-US" dirty="0"/>
           </a:p>
           <a:p>
-            <a:endParaRPr lang="en-US" dirty="0" smtClean="0"/>
-          </a:p>
-          <a:p>
-            <a:r>
-              <a:rPr lang="en-US" dirty="0" smtClean="0"/>
+            <a:endParaRPr lang="en-US" dirty="0"/>
+          </a:p>
+          <a:p>
+            <a:r>
+              <a:rPr lang="en-US" dirty="0"/>
               <a:t>TPR = TP/(TP+FN)</a:t>
             </a:r>
           </a:p>
           <a:p>
             <a:r>
-              <a:rPr lang="en-US" dirty="0" smtClean="0"/>
+              <a:rPr lang="en-US" dirty="0"/>
               <a:t>FPR = FP/(TN+FP)</a:t>
             </a:r>
           </a:p>
@@ -18225,13 +18982,13 @@
           </a:p>
           <a:p>
             <a:r>
-              <a:rPr lang="en-US" dirty="0" smtClean="0"/>
+              <a:rPr lang="en-US" dirty="0"/>
               <a:t>Sensitivity = TPR</a:t>
             </a:r>
           </a:p>
           <a:p>
             <a:r>
-              <a:rPr lang="en-US" dirty="0" smtClean="0"/>
+              <a:rPr lang="en-US" dirty="0"/>
               <a:t>Specificity = 1-FPR</a:t>
             </a:r>
           </a:p>
@@ -18354,10 +19111,9 @@
           <a:lstStyle/>
           <a:p>
             <a:r>
-              <a:rPr lang="en-US" dirty="0" smtClean="0"/>
+              <a:rPr lang="en-US" dirty="0"/>
               <a:t>Re</a:t>
             </a:r>
-            <a:endParaRPr lang="en-US" dirty="0"/>
           </a:p>
         </p:txBody>
       </p:sp>
@@ -18488,10 +19244,9 @@
           <a:lstStyle/>
           <a:p>
             <a:r>
-              <a:rPr lang="en-US" dirty="0" smtClean="0"/>
+              <a:rPr lang="en-US" dirty="0"/>
               <a:t>TPR</a:t>
             </a:r>
-            <a:endParaRPr lang="en-US" dirty="0"/>
           </a:p>
         </p:txBody>
       </p:sp>
@@ -18517,10 +19272,9 @@
           <a:lstStyle/>
           <a:p>
             <a:r>
-              <a:rPr lang="en-US" dirty="0" smtClean="0"/>
+              <a:rPr lang="en-US" dirty="0"/>
               <a:t>FPR</a:t>
             </a:r>
-            <a:endParaRPr lang="en-US" dirty="0"/>
           </a:p>
         </p:txBody>
       </p:sp>
@@ -18546,10 +19300,9 @@
           <a:lstStyle/>
           <a:p>
             <a:r>
-              <a:rPr lang="en-US" dirty="0" smtClean="0"/>
+              <a:rPr lang="en-US" dirty="0"/>
               <a:t>ROC curve</a:t>
             </a:r>
-            <a:endParaRPr lang="en-US" dirty="0"/>
           </a:p>
         </p:txBody>
       </p:sp>
@@ -18575,14 +19328,13 @@
           <a:lstStyle/>
           <a:p>
             <a:r>
-              <a:rPr lang="en-US" smtClean="0"/>
+              <a:rPr lang="en-US"/>
               <a:t>Precision-Recall </a:t>
             </a:r>
             <a:r>
-              <a:rPr lang="en-US" dirty="0" smtClean="0"/>
+              <a:rPr lang="en-US" dirty="0"/>
               <a:t>curve</a:t>
             </a:r>
-            <a:endParaRPr lang="en-US" dirty="0"/>
           </a:p>
         </p:txBody>
       </p:sp>
@@ -18812,6 +19564,77 @@
           </a:p>
         </p:txBody>
       </p:sp>
+      <p:sp>
+        <p:nvSpPr>
+          <p:cNvPr id="28" name="Slide Number Placeholder 27">
+            <a:extLst>
+              <a:ext uri="{FF2B5EF4-FFF2-40B4-BE49-F238E27FC236}">
+                <a16:creationId xmlns:a16="http://schemas.microsoft.com/office/drawing/2014/main" id="{9F81D13F-93AB-AD4A-842F-3B2FD7A30766}"/>
+              </a:ext>
+            </a:extLst>
+          </p:cNvPr>
+          <p:cNvSpPr>
+            <a:spLocks noGrp="1"/>
+          </p:cNvSpPr>
+          <p:nvPr>
+            <p:ph type="sldNum" sz="quarter" idx="12"/>
+          </p:nvPr>
+        </p:nvSpPr>
+        <p:spPr/>
+        <p:txBody>
+          <a:bodyPr/>
+          <a:lstStyle/>
+          <a:p>
+            <a:fld id="{9C0B2870-7350-8D40-A01A-CE539DF873CB}" type="slidenum">
+              <a:rPr lang="en-US" smtClean="0"/>
+              <a:t>23</a:t>
+            </a:fld>
+            <a:endParaRPr lang="en-US"/>
+          </a:p>
+        </p:txBody>
+      </p:sp>
+      <p:sp>
+        <p:nvSpPr>
+          <p:cNvPr id="29" name="TextBox 28">
+            <a:extLst>
+              <a:ext uri="{FF2B5EF4-FFF2-40B4-BE49-F238E27FC236}">
+                <a16:creationId xmlns:a16="http://schemas.microsoft.com/office/drawing/2014/main" id="{34FBE6DE-84A5-554F-99EF-1017B9A4E335}"/>
+              </a:ext>
+            </a:extLst>
+          </p:cNvPr>
+          <p:cNvSpPr txBox="1"/>
+          <p:nvPr/>
+        </p:nvSpPr>
+        <p:spPr>
+          <a:xfrm>
+            <a:off x="3596797" y="6582975"/>
+            <a:ext cx="1950406" cy="276999"/>
+          </a:xfrm>
+          <a:prstGeom prst="rect">
+            <a:avLst/>
+          </a:prstGeom>
+          <a:noFill/>
+        </p:spPr>
+        <p:txBody>
+          <a:bodyPr wrap="none" rtlCol="0">
+            <a:spAutoFit/>
+          </a:bodyPr>
+          <a:lstStyle/>
+          <a:p>
+            <a:r>
+              <a:rPr lang="en-US" sz="1200" dirty="0">
+                <a:solidFill>
+                  <a:schemeClr val="tx1">
+                    <a:lumMod val="75000"/>
+                    <a:lumOff val="25000"/>
+                  </a:schemeClr>
+                </a:solidFill>
+              </a:rPr>
+              <a:t>PAT05_ConfisionMatrix.pptx</a:t>
+            </a:r>
+          </a:p>
+        </p:txBody>
+      </p:sp>
     </p:spTree>
     <p:extLst>
       <p:ext uri="{BB962C8B-B14F-4D97-AF65-F5344CB8AC3E}">
@@ -18822,13 +19645,6 @@
   <p:clrMapOvr>
     <a:masterClrMapping/>
   </p:clrMapOvr>
-  <p:timing>
-    <p:tnLst>
-      <p:par>
-        <p:cTn id="1" dur="indefinite" restart="never" nodeType="tmRoot"/>
-      </p:par>
-    </p:tnLst>
-  </p:timing>
 </p:sld>
 </file>
 
@@ -18872,7 +19688,7 @@
           <a:lstStyle/>
           <a:p>
             <a:r>
-              <a:rPr lang="en-US" smtClean="0">
+              <a:rPr lang="en-US">
                 <a:latin typeface="Trebuchet MS" charset="0"/>
                 <a:ea typeface="Trebuchet MS" charset="0"/>
                 <a:cs typeface="Trebuchet MS" charset="0"/>
@@ -18884,6 +19700,77 @@
               <a:ea typeface="Trebuchet MS" charset="0"/>
               <a:cs typeface="Trebuchet MS" charset="0"/>
             </a:endParaRPr>
+          </a:p>
+        </p:txBody>
+      </p:sp>
+      <p:sp>
+        <p:nvSpPr>
+          <p:cNvPr id="2" name="Slide Number Placeholder 1">
+            <a:extLst>
+              <a:ext uri="{FF2B5EF4-FFF2-40B4-BE49-F238E27FC236}">
+                <a16:creationId xmlns:a16="http://schemas.microsoft.com/office/drawing/2014/main" id="{AD84DAF0-8A6D-0645-8D05-F2E6467B0FFC}"/>
+              </a:ext>
+            </a:extLst>
+          </p:cNvPr>
+          <p:cNvSpPr>
+            <a:spLocks noGrp="1"/>
+          </p:cNvSpPr>
+          <p:nvPr>
+            <p:ph type="sldNum" sz="quarter" idx="12"/>
+          </p:nvPr>
+        </p:nvSpPr>
+        <p:spPr/>
+        <p:txBody>
+          <a:bodyPr/>
+          <a:lstStyle/>
+          <a:p>
+            <a:fld id="{9C0B2870-7350-8D40-A01A-CE539DF873CB}" type="slidenum">
+              <a:rPr lang="en-US" smtClean="0"/>
+              <a:t>24</a:t>
+            </a:fld>
+            <a:endParaRPr lang="en-US"/>
+          </a:p>
+        </p:txBody>
+      </p:sp>
+      <p:sp>
+        <p:nvSpPr>
+          <p:cNvPr id="5" name="TextBox 4">
+            <a:extLst>
+              <a:ext uri="{FF2B5EF4-FFF2-40B4-BE49-F238E27FC236}">
+                <a16:creationId xmlns:a16="http://schemas.microsoft.com/office/drawing/2014/main" id="{89E6D3AC-9DDD-BE43-89AE-08730BE667CE}"/>
+              </a:ext>
+            </a:extLst>
+          </p:cNvPr>
+          <p:cNvSpPr txBox="1"/>
+          <p:nvPr/>
+        </p:nvSpPr>
+        <p:spPr>
+          <a:xfrm>
+            <a:off x="3596797" y="6582975"/>
+            <a:ext cx="1950406" cy="276999"/>
+          </a:xfrm>
+          <a:prstGeom prst="rect">
+            <a:avLst/>
+          </a:prstGeom>
+          <a:noFill/>
+        </p:spPr>
+        <p:txBody>
+          <a:bodyPr wrap="none" rtlCol="0">
+            <a:spAutoFit/>
+          </a:bodyPr>
+          <a:lstStyle/>
+          <a:p>
+            <a:r>
+              <a:rPr lang="en-US" sz="1200" dirty="0">
+                <a:solidFill>
+                  <a:schemeClr val="tx1">
+                    <a:lumMod val="75000"/>
+                    <a:lumOff val="25000"/>
+                  </a:schemeClr>
+                </a:solidFill>
+              </a:rPr>
+              <a:t>PAT05_ConfisionMatrix.pptx</a:t>
+            </a:r>
           </a:p>
         </p:txBody>
       </p:sp>
@@ -18897,13 +19784,6 @@
   <p:clrMapOvr>
     <a:masterClrMapping/>
   </p:clrMapOvr>
-  <p:timing>
-    <p:tnLst>
-      <p:par>
-        <p:cTn id="1" dur="indefinite" restart="never" nodeType="tmRoot"/>
-      </p:par>
-    </p:tnLst>
-  </p:timing>
 </p:sld>
 </file>
 
@@ -19103,10 +19983,9 @@
             <a:lstStyle/>
             <a:p>
               <a:r>
-                <a:rPr lang="en-US" dirty="0" smtClean="0"/>
+                <a:rPr lang="en-US" dirty="0"/>
                 <a:t>           FPR =                         =  </a:t>
               </a:r>
-              <a:endParaRPr lang="en-US" dirty="0"/>
             </a:p>
           </p:txBody>
         </p:sp>
@@ -19299,10 +20178,9 @@
             <a:lstStyle/>
             <a:p>
               <a:r>
-                <a:rPr lang="en-US" smtClean="0"/>
+                <a:rPr lang="en-US"/>
                 <a:t>+</a:t>
               </a:r>
-              <a:endParaRPr lang="en-US"/>
             </a:p>
           </p:txBody>
         </p:sp>
@@ -19374,10 +20252,9 @@
             <a:lstStyle/>
             <a:p>
               <a:r>
-                <a:rPr lang="en-US" dirty="0" smtClean="0"/>
+                <a:rPr lang="en-US" dirty="0"/>
                 <a:t>           TPR =                            =  </a:t>
               </a:r>
-              <a:endParaRPr lang="en-US" dirty="0"/>
             </a:p>
           </p:txBody>
         </p:sp>
@@ -19566,10 +20443,9 @@
             <a:lstStyle/>
             <a:p>
               <a:r>
-                <a:rPr lang="en-US" smtClean="0"/>
+                <a:rPr lang="en-US"/>
                 <a:t>+</a:t>
               </a:r>
-              <a:endParaRPr lang="en-US"/>
             </a:p>
           </p:txBody>
         </p:sp>
@@ -19663,10 +20539,9 @@
           <a:lstStyle/>
           <a:p>
             <a:r>
-              <a:rPr lang="en-US" dirty="0" smtClean="0"/>
+              <a:rPr lang="en-US" dirty="0"/>
               <a:t>TPR</a:t>
             </a:r>
-            <a:endParaRPr lang="en-US" dirty="0"/>
           </a:p>
         </p:txBody>
       </p:sp>
@@ -19693,7 +20568,7 @@
           <a:lstStyle/>
           <a:p>
             <a:r>
-              <a:rPr lang="en-US" smtClean="0"/>
+              <a:rPr lang="en-US"/>
               <a:t>FPR</a:t>
             </a:r>
             <a:endParaRPr lang="en-US" dirty="0"/>
@@ -19723,10 +20598,9 @@
           <a:lstStyle/>
           <a:p>
             <a:r>
-              <a:rPr lang="en-US" dirty="0" smtClean="0"/>
+              <a:rPr lang="en-US" dirty="0"/>
               <a:t>0                                                 1</a:t>
             </a:r>
-            <a:endParaRPr lang="en-US" dirty="0"/>
           </a:p>
         </p:txBody>
       </p:sp>
@@ -19813,10 +20687,9 @@
           <a:lstStyle/>
           <a:p>
             <a:r>
-              <a:rPr lang="en-US" dirty="0" smtClean="0"/>
+              <a:rPr lang="en-US" dirty="0"/>
               <a:t>1</a:t>
             </a:r>
-            <a:endParaRPr lang="en-US" dirty="0"/>
           </a:p>
         </p:txBody>
       </p:sp>
@@ -22237,7 +23110,7 @@
           <a:p>
             <a:pPr algn="ctr"/>
             <a:r>
-              <a:rPr lang="en-US" dirty="0" smtClean="0"/>
+              <a:rPr lang="en-US" dirty="0"/>
               <a:t>AREA UNDER CURVE:</a:t>
             </a:r>
           </a:p>
@@ -22248,10 +23121,10 @@
           <a:p>
             <a:pPr algn="ctr"/>
             <a:r>
-              <a:rPr lang="en-US" dirty="0" err="1" smtClean="0"/>
+              <a:rPr lang="en-US" dirty="0" err="1"/>
               <a:t>Az</a:t>
             </a:r>
-            <a:endParaRPr lang="en-US" dirty="0" smtClean="0"/>
+            <a:endParaRPr lang="en-US" dirty="0"/>
           </a:p>
           <a:p>
             <a:pPr algn="ctr"/>
@@ -22260,10 +23133,80 @@
           <a:p>
             <a:pPr algn="ctr"/>
             <a:r>
-              <a:rPr lang="en-US" dirty="0" smtClean="0"/>
+              <a:rPr lang="en-US" dirty="0"/>
               <a:t>(AUC)</a:t>
             </a:r>
-            <a:endParaRPr lang="en-US" dirty="0"/>
+          </a:p>
+        </p:txBody>
+      </p:sp>
+      <p:sp>
+        <p:nvSpPr>
+          <p:cNvPr id="2" name="Slide Number Placeholder 1">
+            <a:extLst>
+              <a:ext uri="{FF2B5EF4-FFF2-40B4-BE49-F238E27FC236}">
+                <a16:creationId xmlns:a16="http://schemas.microsoft.com/office/drawing/2014/main" id="{83D0DF77-B7DC-A64A-AF9A-48341C630AFA}"/>
+              </a:ext>
+            </a:extLst>
+          </p:cNvPr>
+          <p:cNvSpPr>
+            <a:spLocks noGrp="1"/>
+          </p:cNvSpPr>
+          <p:nvPr>
+            <p:ph type="sldNum" sz="quarter" idx="12"/>
+          </p:nvPr>
+        </p:nvSpPr>
+        <p:spPr/>
+        <p:txBody>
+          <a:bodyPr/>
+          <a:lstStyle/>
+          <a:p>
+            <a:fld id="{9C0B2870-7350-8D40-A01A-CE539DF873CB}" type="slidenum">
+              <a:rPr lang="en-US" smtClean="0"/>
+              <a:t>25</a:t>
+            </a:fld>
+            <a:endParaRPr lang="en-US"/>
+          </a:p>
+        </p:txBody>
+      </p:sp>
+      <p:sp>
+        <p:nvSpPr>
+          <p:cNvPr id="64" name="TextBox 63">
+            <a:extLst>
+              <a:ext uri="{FF2B5EF4-FFF2-40B4-BE49-F238E27FC236}">
+                <a16:creationId xmlns:a16="http://schemas.microsoft.com/office/drawing/2014/main" id="{D8122A4F-EC6B-0446-9B35-A4C7F8E810F3}"/>
+              </a:ext>
+            </a:extLst>
+          </p:cNvPr>
+          <p:cNvSpPr txBox="1"/>
+          <p:nvPr/>
+        </p:nvSpPr>
+        <p:spPr>
+          <a:xfrm>
+            <a:off x="3596797" y="6582975"/>
+            <a:ext cx="1950406" cy="276999"/>
+          </a:xfrm>
+          <a:prstGeom prst="rect">
+            <a:avLst/>
+          </a:prstGeom>
+          <a:noFill/>
+        </p:spPr>
+        <p:txBody>
+          <a:bodyPr wrap="none" rtlCol="0">
+            <a:spAutoFit/>
+          </a:bodyPr>
+          <a:lstStyle/>
+          <a:p>
+            <a:r>
+              <a:rPr lang="en-US" sz="1200" dirty="0">
+                <a:solidFill>
+                  <a:schemeClr val="tx1">
+                    <a:lumMod val="75000"/>
+                    <a:lumOff val="25000"/>
+                  </a:schemeClr>
+                </a:solidFill>
+              </a:rPr>
+              <a:t>PAT05_ConfisionMatrix.pptx</a:t>
+            </a:r>
           </a:p>
         </p:txBody>
       </p:sp>
@@ -22632,7 +23575,7 @@
           <a:lstStyle/>
           <a:p>
             <a:r>
-              <a:rPr lang="en-US" smtClean="0">
+              <a:rPr lang="en-US">
                 <a:latin typeface="Trebuchet MS" charset="0"/>
                 <a:ea typeface="Trebuchet MS" charset="0"/>
                 <a:cs typeface="Trebuchet MS" charset="0"/>
@@ -22699,7 +23642,7 @@
         </p:blipFill>
         <p:spPr>
           <a:xfrm>
-            <a:off x="0" y="5094032"/>
+            <a:off x="0" y="4659134"/>
             <a:ext cx="9144000" cy="1804961"/>
           </a:xfrm>
           <a:prstGeom prst="rect">
@@ -22718,7 +23661,7 @@
         </p:nvSpPr>
         <p:spPr>
           <a:xfrm>
-            <a:off x="0" y="5094032"/>
+            <a:off x="0" y="4636836"/>
             <a:ext cx="1173707" cy="433311"/>
           </a:xfrm>
           <a:prstGeom prst="rect">
@@ -22797,6 +23740,77 @@
           <a:p>
             <a:pPr algn="ctr"/>
             <a:endParaRPr lang="en-US"/>
+          </a:p>
+        </p:txBody>
+      </p:sp>
+      <p:sp>
+        <p:nvSpPr>
+          <p:cNvPr id="2" name="Slide Number Placeholder 1">
+            <a:extLst>
+              <a:ext uri="{FF2B5EF4-FFF2-40B4-BE49-F238E27FC236}">
+                <a16:creationId xmlns:a16="http://schemas.microsoft.com/office/drawing/2014/main" id="{11A7855F-9B90-5547-8408-DEFE51509F79}"/>
+              </a:ext>
+            </a:extLst>
+          </p:cNvPr>
+          <p:cNvSpPr>
+            <a:spLocks noGrp="1"/>
+          </p:cNvSpPr>
+          <p:nvPr>
+            <p:ph type="sldNum" sz="quarter" idx="12"/>
+          </p:nvPr>
+        </p:nvSpPr>
+        <p:spPr/>
+        <p:txBody>
+          <a:bodyPr/>
+          <a:lstStyle/>
+          <a:p>
+            <a:fld id="{9C0B2870-7350-8D40-A01A-CE539DF873CB}" type="slidenum">
+              <a:rPr lang="en-US" smtClean="0"/>
+              <a:t>26</a:t>
+            </a:fld>
+            <a:endParaRPr lang="en-US"/>
+          </a:p>
+        </p:txBody>
+      </p:sp>
+      <p:sp>
+        <p:nvSpPr>
+          <p:cNvPr id="10" name="TextBox 9">
+            <a:extLst>
+              <a:ext uri="{FF2B5EF4-FFF2-40B4-BE49-F238E27FC236}">
+                <a16:creationId xmlns:a16="http://schemas.microsoft.com/office/drawing/2014/main" id="{A8EDAFB2-B43B-0843-919F-431C52B94C62}"/>
+              </a:ext>
+            </a:extLst>
+          </p:cNvPr>
+          <p:cNvSpPr txBox="1"/>
+          <p:nvPr/>
+        </p:nvSpPr>
+        <p:spPr>
+          <a:xfrm>
+            <a:off x="3596797" y="6582975"/>
+            <a:ext cx="1950406" cy="276999"/>
+          </a:xfrm>
+          <a:prstGeom prst="rect">
+            <a:avLst/>
+          </a:prstGeom>
+          <a:noFill/>
+        </p:spPr>
+        <p:txBody>
+          <a:bodyPr wrap="none" rtlCol="0">
+            <a:spAutoFit/>
+          </a:bodyPr>
+          <a:lstStyle/>
+          <a:p>
+            <a:r>
+              <a:rPr lang="en-US" sz="1200" dirty="0">
+                <a:solidFill>
+                  <a:schemeClr val="tx1">
+                    <a:lumMod val="75000"/>
+                    <a:lumOff val="25000"/>
+                  </a:schemeClr>
+                </a:solidFill>
+              </a:rPr>
+              <a:t>PAT05_ConfisionMatrix.pptx</a:t>
+            </a:r>
           </a:p>
         </p:txBody>
       </p:sp>
@@ -22810,13 +23824,6 @@
   <p:clrMapOvr>
     <a:masterClrMapping/>
   </p:clrMapOvr>
-  <p:timing>
-    <p:tnLst>
-      <p:par>
-        <p:cTn id="1" dur="indefinite" restart="never" nodeType="tmRoot"/>
-      </p:par>
-    </p:tnLst>
-  </p:timing>
 </p:sld>
 </file>
 
@@ -22859,8 +23866,8 @@
         </p:blipFill>
         <p:spPr>
           <a:xfrm>
-            <a:off x="2526544" y="0"/>
-            <a:ext cx="6608799" cy="6858000"/>
+            <a:off x="2798956" y="0"/>
+            <a:ext cx="6336387" cy="6575316"/>
           </a:xfrm>
           <a:prstGeom prst="rect">
             <a:avLst/>
@@ -22890,7 +23897,7 @@
           <a:lstStyle/>
           <a:p>
             <a:r>
-              <a:rPr lang="en-US" smtClean="0">
+              <a:rPr lang="en-US">
                 <a:latin typeface="Trebuchet MS" charset="0"/>
                 <a:ea typeface="Trebuchet MS" charset="0"/>
                 <a:cs typeface="Trebuchet MS" charset="0"/>
@@ -22902,6 +23909,77 @@
               <a:ea typeface="Trebuchet MS" charset="0"/>
               <a:cs typeface="Trebuchet MS" charset="0"/>
             </a:endParaRPr>
+          </a:p>
+        </p:txBody>
+      </p:sp>
+      <p:sp>
+        <p:nvSpPr>
+          <p:cNvPr id="2" name="Slide Number Placeholder 1">
+            <a:extLst>
+              <a:ext uri="{FF2B5EF4-FFF2-40B4-BE49-F238E27FC236}">
+                <a16:creationId xmlns:a16="http://schemas.microsoft.com/office/drawing/2014/main" id="{47861C62-FA92-1747-95D3-08B4DF16D61F}"/>
+              </a:ext>
+            </a:extLst>
+          </p:cNvPr>
+          <p:cNvSpPr>
+            <a:spLocks noGrp="1"/>
+          </p:cNvSpPr>
+          <p:nvPr>
+            <p:ph type="sldNum" sz="quarter" idx="12"/>
+          </p:nvPr>
+        </p:nvSpPr>
+        <p:spPr/>
+        <p:txBody>
+          <a:bodyPr/>
+          <a:lstStyle/>
+          <a:p>
+            <a:fld id="{9C0B2870-7350-8D40-A01A-CE539DF873CB}" type="slidenum">
+              <a:rPr lang="en-US" smtClean="0"/>
+              <a:t>27</a:t>
+            </a:fld>
+            <a:endParaRPr lang="en-US"/>
+          </a:p>
+        </p:txBody>
+      </p:sp>
+      <p:sp>
+        <p:nvSpPr>
+          <p:cNvPr id="6" name="TextBox 5">
+            <a:extLst>
+              <a:ext uri="{FF2B5EF4-FFF2-40B4-BE49-F238E27FC236}">
+                <a16:creationId xmlns:a16="http://schemas.microsoft.com/office/drawing/2014/main" id="{8D52BBF2-D009-B84B-AA89-F0F257968558}"/>
+              </a:ext>
+            </a:extLst>
+          </p:cNvPr>
+          <p:cNvSpPr txBox="1"/>
+          <p:nvPr/>
+        </p:nvSpPr>
+        <p:spPr>
+          <a:xfrm>
+            <a:off x="3596797" y="6582975"/>
+            <a:ext cx="1950406" cy="276999"/>
+          </a:xfrm>
+          <a:prstGeom prst="rect">
+            <a:avLst/>
+          </a:prstGeom>
+          <a:noFill/>
+        </p:spPr>
+        <p:txBody>
+          <a:bodyPr wrap="none" rtlCol="0">
+            <a:spAutoFit/>
+          </a:bodyPr>
+          <a:lstStyle/>
+          <a:p>
+            <a:r>
+              <a:rPr lang="en-US" sz="1200" dirty="0">
+                <a:solidFill>
+                  <a:schemeClr val="tx1">
+                    <a:lumMod val="75000"/>
+                    <a:lumOff val="25000"/>
+                  </a:schemeClr>
+                </a:solidFill>
+              </a:rPr>
+              <a:t>PAT05_ConfisionMatrix.pptx</a:t>
+            </a:r>
           </a:p>
         </p:txBody>
       </p:sp>
@@ -22915,13 +23993,6 @@
   <p:clrMapOvr>
     <a:masterClrMapping/>
   </p:clrMapOvr>
-  <p:timing>
-    <p:tnLst>
-      <p:par>
-        <p:cTn id="1" dur="indefinite" restart="never" nodeType="tmRoot"/>
-      </p:par>
-    </p:tnLst>
-  </p:timing>
 </p:sld>
 </file>
 
@@ -22965,18 +24036,13 @@
           <a:lstStyle/>
           <a:p>
             <a:r>
-              <a:rPr lang="en-US" dirty="0" smtClean="0">
+              <a:rPr lang="en-US" dirty="0">
                 <a:latin typeface="Trebuchet MS" charset="0"/>
                 <a:ea typeface="Trebuchet MS" charset="0"/>
                 <a:cs typeface="Trebuchet MS" charset="0"/>
               </a:rPr>
               <a:t>[ CONFUSION MATRIX ]</a:t>
             </a:r>
-            <a:endParaRPr lang="en-US" dirty="0">
-              <a:latin typeface="Trebuchet MS" charset="0"/>
-              <a:ea typeface="Trebuchet MS" charset="0"/>
-              <a:cs typeface="Trebuchet MS" charset="0"/>
-            </a:endParaRPr>
           </a:p>
         </p:txBody>
       </p:sp>
@@ -23005,12 +24071,48 @@
                 <a:tableStyleId>{5C22544A-7EE6-4342-B048-85BDC9FD1C3A}</a:tableStyleId>
               </a:tblPr>
               <a:tblGrid>
-                <a:gridCol w="1016000"/>
-                <a:gridCol w="1016000"/>
-                <a:gridCol w="1016000"/>
-                <a:gridCol w="1016000"/>
-                <a:gridCol w="1016000"/>
-                <a:gridCol w="1016000"/>
+                <a:gridCol w="1016000">
+                  <a:extLst>
+                    <a:ext uri="{9D8B030D-6E8A-4147-A177-3AD203B41FA5}">
+                      <a16:colId xmlns:a16="http://schemas.microsoft.com/office/drawing/2014/main" val="20000"/>
+                    </a:ext>
+                  </a:extLst>
+                </a:gridCol>
+                <a:gridCol w="1016000">
+                  <a:extLst>
+                    <a:ext uri="{9D8B030D-6E8A-4147-A177-3AD203B41FA5}">
+                      <a16:colId xmlns:a16="http://schemas.microsoft.com/office/drawing/2014/main" val="20001"/>
+                    </a:ext>
+                  </a:extLst>
+                </a:gridCol>
+                <a:gridCol w="1016000">
+                  <a:extLst>
+                    <a:ext uri="{9D8B030D-6E8A-4147-A177-3AD203B41FA5}">
+                      <a16:colId xmlns:a16="http://schemas.microsoft.com/office/drawing/2014/main" val="20002"/>
+                    </a:ext>
+                  </a:extLst>
+                </a:gridCol>
+                <a:gridCol w="1016000">
+                  <a:extLst>
+                    <a:ext uri="{9D8B030D-6E8A-4147-A177-3AD203B41FA5}">
+                      <a16:colId xmlns:a16="http://schemas.microsoft.com/office/drawing/2014/main" val="20003"/>
+                    </a:ext>
+                  </a:extLst>
+                </a:gridCol>
+                <a:gridCol w="1016000">
+                  <a:extLst>
+                    <a:ext uri="{9D8B030D-6E8A-4147-A177-3AD203B41FA5}">
+                      <a16:colId xmlns:a16="http://schemas.microsoft.com/office/drawing/2014/main" val="20004"/>
+                    </a:ext>
+                  </a:extLst>
+                </a:gridCol>
+                <a:gridCol w="1016000">
+                  <a:extLst>
+                    <a:ext uri="{9D8B030D-6E8A-4147-A177-3AD203B41FA5}">
+                      <a16:colId xmlns:a16="http://schemas.microsoft.com/office/drawing/2014/main" val="20005"/>
+                    </a:ext>
+                  </a:extLst>
+                </a:gridCol>
               </a:tblGrid>
               <a:tr h="370840">
                 <a:tc>
@@ -23060,7 +24162,7 @@
                     <a:p>
                       <a:pPr algn="ctr"/>
                       <a:r>
-                        <a:rPr lang="en-US" dirty="0" smtClean="0">
+                        <a:rPr lang="en-US" dirty="0">
                           <a:solidFill>
                             <a:schemeClr val="tx1"/>
                           </a:solidFill>
@@ -23068,10 +24170,9 @@
                         <a:t>...</a:t>
                       </a:r>
                       <a:r>
-                        <a:rPr lang="en-US" dirty="0" smtClean="0"/>
+                        <a:rPr lang="en-US" dirty="0"/>
                         <a:t> </a:t>
                       </a:r>
-                      <a:endParaRPr lang="en-US" dirty="0"/>
                     </a:p>
                   </a:txBody>
                   <a:tcPr/>
@@ -23086,6 +24187,11 @@
                   </a:txBody>
                   <a:tcPr/>
                 </a:tc>
+                <a:extLst>
+                  <a:ext uri="{0D108BD9-81ED-4DB2-BD59-A6C34878D82A}">
+                    <a16:rowId xmlns:a16="http://schemas.microsoft.com/office/drawing/2014/main" val="10000"/>
+                  </a:ext>
+                </a:extLst>
               </a:tr>
               <a:tr h="370840">
                 <a:tc>
@@ -23153,6 +24259,11 @@
                   </a:txBody>
                   <a:tcPr/>
                 </a:tc>
+                <a:extLst>
+                  <a:ext uri="{0D108BD9-81ED-4DB2-BD59-A6C34878D82A}">
+                    <a16:rowId xmlns:a16="http://schemas.microsoft.com/office/drawing/2014/main" val="10001"/>
+                  </a:ext>
+                </a:extLst>
               </a:tr>
               <a:tr h="370840">
                 <a:tc>
@@ -23220,6 +24331,11 @@
                   </a:txBody>
                   <a:tcPr/>
                 </a:tc>
+                <a:extLst>
+                  <a:ext uri="{0D108BD9-81ED-4DB2-BD59-A6C34878D82A}">
+                    <a16:rowId xmlns:a16="http://schemas.microsoft.com/office/drawing/2014/main" val="10002"/>
+                  </a:ext>
+                </a:extLst>
               </a:tr>
               <a:tr h="370840">
                 <a:tc>
@@ -23287,6 +24403,11 @@
                   </a:txBody>
                   <a:tcPr/>
                 </a:tc>
+                <a:extLst>
+                  <a:ext uri="{0D108BD9-81ED-4DB2-BD59-A6C34878D82A}">
+                    <a16:rowId xmlns:a16="http://schemas.microsoft.com/office/drawing/2014/main" val="10003"/>
+                  </a:ext>
+                </a:extLst>
               </a:tr>
               <a:tr h="370840">
                 <a:tc>
@@ -23296,18 +24417,13 @@
                     <a:p>
                       <a:pPr algn="ctr"/>
                       <a:r>
-                        <a:rPr lang="en-US" dirty="0" smtClean="0">
+                        <a:rPr lang="en-US" dirty="0">
                           <a:solidFill>
                             <a:schemeClr val="tx1"/>
                           </a:solidFill>
                         </a:rPr>
                         <a:t>:</a:t>
                       </a:r>
-                      <a:endParaRPr lang="en-US" dirty="0">
-                        <a:solidFill>
-                          <a:schemeClr val="tx1"/>
-                        </a:solidFill>
-                      </a:endParaRPr>
                     </a:p>
                   </a:txBody>
                   <a:tcPr/>
@@ -23367,6 +24483,11 @@
                   </a:txBody>
                   <a:tcPr/>
                 </a:tc>
+                <a:extLst>
+                  <a:ext uri="{0D108BD9-81ED-4DB2-BD59-A6C34878D82A}">
+                    <a16:rowId xmlns:a16="http://schemas.microsoft.com/office/drawing/2014/main" val="10004"/>
+                  </a:ext>
+                </a:extLst>
               </a:tr>
               <a:tr h="370840">
                 <a:tc>
@@ -23434,6 +24555,11 @@
                   </a:txBody>
                   <a:tcPr/>
                 </a:tc>
+                <a:extLst>
+                  <a:ext uri="{0D108BD9-81ED-4DB2-BD59-A6C34878D82A}">
+                    <a16:rowId xmlns:a16="http://schemas.microsoft.com/office/drawing/2014/main" val="10005"/>
+                  </a:ext>
+                </a:extLst>
               </a:tr>
             </a:tbl>
           </a:graphicData>
@@ -23730,18 +24856,13 @@
           <a:lstStyle/>
           <a:p>
             <a:r>
-              <a:rPr lang="en-US" dirty="0" smtClean="0">
+              <a:rPr lang="en-US" dirty="0">
                 <a:latin typeface="Trebuchet MS" charset="0"/>
                 <a:ea typeface="Trebuchet MS" charset="0"/>
                 <a:cs typeface="Trebuchet MS" charset="0"/>
               </a:rPr>
               <a:t>predicted</a:t>
             </a:r>
-            <a:endParaRPr lang="en-US" dirty="0">
-              <a:latin typeface="Trebuchet MS" charset="0"/>
-              <a:ea typeface="Trebuchet MS" charset="0"/>
-              <a:cs typeface="Trebuchet MS" charset="0"/>
-            </a:endParaRPr>
           </a:p>
         </p:txBody>
       </p:sp>
@@ -23768,18 +24889,84 @@
           <a:lstStyle/>
           <a:p>
             <a:r>
-              <a:rPr lang="en-US" dirty="0" smtClean="0">
+              <a:rPr lang="en-US" dirty="0">
                 <a:latin typeface="Trebuchet MS" charset="0"/>
                 <a:ea typeface="Trebuchet MS" charset="0"/>
                 <a:cs typeface="Trebuchet MS" charset="0"/>
               </a:rPr>
               <a:t>actual</a:t>
             </a:r>
-            <a:endParaRPr lang="en-US" dirty="0">
-              <a:latin typeface="Trebuchet MS" charset="0"/>
-              <a:ea typeface="Trebuchet MS" charset="0"/>
-              <a:cs typeface="Trebuchet MS" charset="0"/>
-            </a:endParaRPr>
+          </a:p>
+        </p:txBody>
+      </p:sp>
+      <p:sp>
+        <p:nvSpPr>
+          <p:cNvPr id="5" name="Slide Number Placeholder 4">
+            <a:extLst>
+              <a:ext uri="{FF2B5EF4-FFF2-40B4-BE49-F238E27FC236}">
+                <a16:creationId xmlns:a16="http://schemas.microsoft.com/office/drawing/2014/main" id="{566EE2BC-6103-D74F-8501-4A9A89A7C91B}"/>
+              </a:ext>
+            </a:extLst>
+          </p:cNvPr>
+          <p:cNvSpPr>
+            <a:spLocks noGrp="1"/>
+          </p:cNvSpPr>
+          <p:nvPr>
+            <p:ph type="sldNum" sz="quarter" idx="12"/>
+          </p:nvPr>
+        </p:nvSpPr>
+        <p:spPr/>
+        <p:txBody>
+          <a:bodyPr/>
+          <a:lstStyle/>
+          <a:p>
+            <a:fld id="{9C0B2870-7350-8D40-A01A-CE539DF873CB}" type="slidenum">
+              <a:rPr lang="en-US" smtClean="0"/>
+              <a:t>3</a:t>
+            </a:fld>
+            <a:endParaRPr lang="en-US"/>
+          </a:p>
+        </p:txBody>
+      </p:sp>
+      <p:sp>
+        <p:nvSpPr>
+          <p:cNvPr id="17" name="TextBox 16">
+            <a:extLst>
+              <a:ext uri="{FF2B5EF4-FFF2-40B4-BE49-F238E27FC236}">
+                <a16:creationId xmlns:a16="http://schemas.microsoft.com/office/drawing/2014/main" id="{432BC283-CED4-7341-ABA9-38BFDDD2659D}"/>
+              </a:ext>
+            </a:extLst>
+          </p:cNvPr>
+          <p:cNvSpPr txBox="1"/>
+          <p:nvPr/>
+        </p:nvSpPr>
+        <p:spPr>
+          <a:xfrm>
+            <a:off x="3596797" y="6582975"/>
+            <a:ext cx="1950406" cy="276999"/>
+          </a:xfrm>
+          <a:prstGeom prst="rect">
+            <a:avLst/>
+          </a:prstGeom>
+          <a:noFill/>
+        </p:spPr>
+        <p:txBody>
+          <a:bodyPr wrap="none" rtlCol="0">
+            <a:spAutoFit/>
+          </a:bodyPr>
+          <a:lstStyle/>
+          <a:p>
+            <a:r>
+              <a:rPr lang="en-US" sz="1200" dirty="0">
+                <a:solidFill>
+                  <a:schemeClr val="tx1">
+                    <a:lumMod val="75000"/>
+                    <a:lumOff val="25000"/>
+                  </a:schemeClr>
+                </a:solidFill>
+              </a:rPr>
+              <a:t>PAT05_ConfisionMatrix.pptx</a:t>
+            </a:r>
           </a:p>
         </p:txBody>
       </p:sp>
@@ -23793,13 +24980,6 @@
   <p:clrMapOvr>
     <a:masterClrMapping/>
   </p:clrMapOvr>
-  <p:timing>
-    <p:tnLst>
-      <p:par>
-        <p:cTn id="1" dur="indefinite" restart="never" nodeType="tmRoot"/>
-      </p:par>
-    </p:tnLst>
-  </p:timing>
 </p:sld>
 </file>
 
@@ -23843,18 +25023,13 @@
           <a:lstStyle/>
           <a:p>
             <a:r>
-              <a:rPr lang="en-US" dirty="0" smtClean="0">
+              <a:rPr lang="en-US" dirty="0">
                 <a:latin typeface="Trebuchet MS" charset="0"/>
                 <a:ea typeface="Trebuchet MS" charset="0"/>
                 <a:cs typeface="Trebuchet MS" charset="0"/>
               </a:rPr>
               <a:t>[ CONFUSION MATRIX ]</a:t>
             </a:r>
-            <a:endParaRPr lang="en-US" dirty="0">
-              <a:latin typeface="Trebuchet MS" charset="0"/>
-              <a:ea typeface="Trebuchet MS" charset="0"/>
-              <a:cs typeface="Trebuchet MS" charset="0"/>
-            </a:endParaRPr>
           </a:p>
         </p:txBody>
       </p:sp>
@@ -23883,12 +25058,48 @@
                 <a:tableStyleId>{5C22544A-7EE6-4342-B048-85BDC9FD1C3A}</a:tableStyleId>
               </a:tblPr>
               <a:tblGrid>
-                <a:gridCol w="1016000"/>
-                <a:gridCol w="1016000"/>
-                <a:gridCol w="1016000"/>
-                <a:gridCol w="1016000"/>
-                <a:gridCol w="1016000"/>
-                <a:gridCol w="1016000"/>
+                <a:gridCol w="1016000">
+                  <a:extLst>
+                    <a:ext uri="{9D8B030D-6E8A-4147-A177-3AD203B41FA5}">
+                      <a16:colId xmlns:a16="http://schemas.microsoft.com/office/drawing/2014/main" val="20000"/>
+                    </a:ext>
+                  </a:extLst>
+                </a:gridCol>
+                <a:gridCol w="1016000">
+                  <a:extLst>
+                    <a:ext uri="{9D8B030D-6E8A-4147-A177-3AD203B41FA5}">
+                      <a16:colId xmlns:a16="http://schemas.microsoft.com/office/drawing/2014/main" val="20001"/>
+                    </a:ext>
+                  </a:extLst>
+                </a:gridCol>
+                <a:gridCol w="1016000">
+                  <a:extLst>
+                    <a:ext uri="{9D8B030D-6E8A-4147-A177-3AD203B41FA5}">
+                      <a16:colId xmlns:a16="http://schemas.microsoft.com/office/drawing/2014/main" val="20002"/>
+                    </a:ext>
+                  </a:extLst>
+                </a:gridCol>
+                <a:gridCol w="1016000">
+                  <a:extLst>
+                    <a:ext uri="{9D8B030D-6E8A-4147-A177-3AD203B41FA5}">
+                      <a16:colId xmlns:a16="http://schemas.microsoft.com/office/drawing/2014/main" val="20003"/>
+                    </a:ext>
+                  </a:extLst>
+                </a:gridCol>
+                <a:gridCol w="1016000">
+                  <a:extLst>
+                    <a:ext uri="{9D8B030D-6E8A-4147-A177-3AD203B41FA5}">
+                      <a16:colId xmlns:a16="http://schemas.microsoft.com/office/drawing/2014/main" val="20004"/>
+                    </a:ext>
+                  </a:extLst>
+                </a:gridCol>
+                <a:gridCol w="1016000">
+                  <a:extLst>
+                    <a:ext uri="{9D8B030D-6E8A-4147-A177-3AD203B41FA5}">
+                      <a16:colId xmlns:a16="http://schemas.microsoft.com/office/drawing/2014/main" val="20005"/>
+                    </a:ext>
+                  </a:extLst>
+                </a:gridCol>
               </a:tblGrid>
               <a:tr h="370840">
                 <a:tc>
@@ -23938,7 +25149,7 @@
                     <a:p>
                       <a:pPr algn="ctr"/>
                       <a:r>
-                        <a:rPr lang="en-US" dirty="0" smtClean="0">
+                        <a:rPr lang="en-US" dirty="0">
                           <a:solidFill>
                             <a:schemeClr val="tx1"/>
                           </a:solidFill>
@@ -23946,10 +25157,9 @@
                         <a:t>...</a:t>
                       </a:r>
                       <a:r>
-                        <a:rPr lang="en-US" dirty="0" smtClean="0"/>
+                        <a:rPr lang="en-US" dirty="0"/>
                         <a:t> </a:t>
                       </a:r>
-                      <a:endParaRPr lang="en-US" dirty="0"/>
                     </a:p>
                   </a:txBody>
                   <a:tcPr/>
@@ -23964,6 +25174,11 @@
                   </a:txBody>
                   <a:tcPr/>
                 </a:tc>
+                <a:extLst>
+                  <a:ext uri="{0D108BD9-81ED-4DB2-BD59-A6C34878D82A}">
+                    <a16:rowId xmlns:a16="http://schemas.microsoft.com/office/drawing/2014/main" val="10000"/>
+                  </a:ext>
+                </a:extLst>
               </a:tr>
               <a:tr h="370840">
                 <a:tc>
@@ -23983,10 +25198,9 @@
                     <a:p>
                       <a:pPr algn="ctr"/>
                       <a:r>
-                        <a:rPr lang="en-US" dirty="0" smtClean="0"/>
+                        <a:rPr lang="en-US" dirty="0"/>
                         <a:t>1230</a:t>
                       </a:r>
-                      <a:endParaRPr lang="en-US" dirty="0"/>
                     </a:p>
                   </a:txBody>
                   <a:tcPr/>
@@ -23998,10 +25212,9 @@
                     <a:p>
                       <a:pPr algn="ctr"/>
                       <a:r>
-                        <a:rPr lang="en-US" dirty="0" smtClean="0"/>
+                        <a:rPr lang="en-US" dirty="0"/>
                         <a:t>90</a:t>
                       </a:r>
-                      <a:endParaRPr lang="en-US" dirty="0"/>
                     </a:p>
                   </a:txBody>
                   <a:tcPr/>
@@ -24013,10 +25226,9 @@
                     <a:p>
                       <a:pPr algn="ctr"/>
                       <a:r>
-                        <a:rPr lang="en-US" dirty="0" smtClean="0"/>
+                        <a:rPr lang="en-US" dirty="0"/>
                         <a:t>78</a:t>
                       </a:r>
-                      <a:endParaRPr lang="en-US" dirty="0"/>
                     </a:p>
                   </a:txBody>
                   <a:tcPr/>
@@ -24039,14 +25251,18 @@
                     <a:p>
                       <a:pPr algn="ctr"/>
                       <a:r>
-                        <a:rPr lang="en-US" dirty="0" smtClean="0"/>
+                        <a:rPr lang="en-US" dirty="0"/>
                         <a:t>9</a:t>
                       </a:r>
-                      <a:endParaRPr lang="en-US" dirty="0"/>
                     </a:p>
                   </a:txBody>
                   <a:tcPr/>
                 </a:tc>
+                <a:extLst>
+                  <a:ext uri="{0D108BD9-81ED-4DB2-BD59-A6C34878D82A}">
+                    <a16:rowId xmlns:a16="http://schemas.microsoft.com/office/drawing/2014/main" val="10001"/>
+                  </a:ext>
+                </a:extLst>
               </a:tr>
               <a:tr h="370840">
                 <a:tc>
@@ -24066,10 +25282,9 @@
                     <a:p>
                       <a:pPr algn="ctr"/>
                       <a:r>
-                        <a:rPr lang="en-US" dirty="0" smtClean="0"/>
+                        <a:rPr lang="en-US" dirty="0"/>
                         <a:t>66</a:t>
                       </a:r>
-                      <a:endParaRPr lang="en-US" dirty="0"/>
                     </a:p>
                   </a:txBody>
                   <a:tcPr/>
@@ -24081,10 +25296,9 @@
                     <a:p>
                       <a:pPr algn="ctr"/>
                       <a:r>
-                        <a:rPr lang="en-US" dirty="0" smtClean="0"/>
+                        <a:rPr lang="en-US" dirty="0"/>
                         <a:t>890</a:t>
                       </a:r>
-                      <a:endParaRPr lang="en-US" dirty="0"/>
                     </a:p>
                   </a:txBody>
                   <a:tcPr/>
@@ -24096,10 +25310,9 @@
                     <a:p>
                       <a:pPr algn="ctr"/>
                       <a:r>
-                        <a:rPr lang="en-US" dirty="0" smtClean="0"/>
+                        <a:rPr lang="en-US" dirty="0"/>
                         <a:t>120</a:t>
                       </a:r>
-                      <a:endParaRPr lang="en-US" dirty="0"/>
                     </a:p>
                   </a:txBody>
                   <a:tcPr/>
@@ -24122,14 +25335,18 @@
                     <a:p>
                       <a:pPr algn="ctr"/>
                       <a:r>
-                        <a:rPr lang="en-US" dirty="0" smtClean="0"/>
+                        <a:rPr lang="en-US" dirty="0"/>
                         <a:t>5</a:t>
                       </a:r>
-                      <a:endParaRPr lang="en-US" dirty="0"/>
                     </a:p>
                   </a:txBody>
                   <a:tcPr/>
                 </a:tc>
+                <a:extLst>
+                  <a:ext uri="{0D108BD9-81ED-4DB2-BD59-A6C34878D82A}">
+                    <a16:rowId xmlns:a16="http://schemas.microsoft.com/office/drawing/2014/main" val="10002"/>
+                  </a:ext>
+                </a:extLst>
               </a:tr>
               <a:tr h="370840">
                 <a:tc>
@@ -24149,10 +25366,9 @@
                     <a:p>
                       <a:pPr algn="ctr"/>
                       <a:r>
-                        <a:rPr lang="en-US" dirty="0" smtClean="0"/>
+                        <a:rPr lang="en-US" dirty="0"/>
                         <a:t>59</a:t>
                       </a:r>
-                      <a:endParaRPr lang="en-US" dirty="0"/>
                     </a:p>
                   </a:txBody>
                   <a:tcPr/>
@@ -24164,10 +25380,9 @@
                     <a:p>
                       <a:pPr algn="ctr"/>
                       <a:r>
-                        <a:rPr lang="en-US" dirty="0" smtClean="0"/>
+                        <a:rPr lang="en-US" dirty="0"/>
                         <a:t>95</a:t>
                       </a:r>
-                      <a:endParaRPr lang="en-US" dirty="0"/>
                     </a:p>
                   </a:txBody>
                   <a:tcPr/>
@@ -24179,10 +25394,9 @@
                     <a:p>
                       <a:pPr algn="ctr"/>
                       <a:r>
-                        <a:rPr lang="en-US" dirty="0" smtClean="0"/>
+                        <a:rPr lang="en-US" dirty="0"/>
                         <a:t>1527</a:t>
                       </a:r>
-                      <a:endParaRPr lang="en-US" dirty="0"/>
                     </a:p>
                   </a:txBody>
                   <a:tcPr/>
@@ -24205,14 +25419,18 @@
                     <a:p>
                       <a:pPr algn="ctr"/>
                       <a:r>
-                        <a:rPr lang="en-US" dirty="0" smtClean="0"/>
+                        <a:rPr lang="en-US" dirty="0"/>
                         <a:t>90</a:t>
                       </a:r>
-                      <a:endParaRPr lang="en-US" dirty="0"/>
                     </a:p>
                   </a:txBody>
                   <a:tcPr/>
                 </a:tc>
+                <a:extLst>
+                  <a:ext uri="{0D108BD9-81ED-4DB2-BD59-A6C34878D82A}">
+                    <a16:rowId xmlns:a16="http://schemas.microsoft.com/office/drawing/2014/main" val="10003"/>
+                  </a:ext>
+                </a:extLst>
               </a:tr>
               <a:tr h="370840">
                 <a:tc>
@@ -24222,18 +25440,13 @@
                     <a:p>
                       <a:pPr algn="ctr"/>
                       <a:r>
-                        <a:rPr lang="en-US" dirty="0" smtClean="0">
+                        <a:rPr lang="en-US" dirty="0">
                           <a:solidFill>
                             <a:schemeClr val="tx1"/>
                           </a:solidFill>
                         </a:rPr>
                         <a:t>:</a:t>
                       </a:r>
-                      <a:endParaRPr lang="en-US" dirty="0">
-                        <a:solidFill>
-                          <a:schemeClr val="tx1"/>
-                        </a:solidFill>
-                      </a:endParaRPr>
                     </a:p>
                   </a:txBody>
                   <a:tcPr/>
@@ -24293,6 +25506,11 @@
                   </a:txBody>
                   <a:tcPr/>
                 </a:tc>
+                <a:extLst>
+                  <a:ext uri="{0D108BD9-81ED-4DB2-BD59-A6C34878D82A}">
+                    <a16:rowId xmlns:a16="http://schemas.microsoft.com/office/drawing/2014/main" val="10004"/>
+                  </a:ext>
+                </a:extLst>
               </a:tr>
               <a:tr h="370840">
                 <a:tc>
@@ -24312,10 +25530,9 @@
                     <a:p>
                       <a:pPr algn="ctr"/>
                       <a:r>
-                        <a:rPr lang="en-US" dirty="0" smtClean="0"/>
+                        <a:rPr lang="en-US" dirty="0"/>
                         <a:t>40</a:t>
                       </a:r>
-                      <a:endParaRPr lang="en-US" dirty="0"/>
                     </a:p>
                   </a:txBody>
                   <a:tcPr/>
@@ -24327,10 +25544,9 @@
                     <a:p>
                       <a:pPr algn="ctr"/>
                       <a:r>
-                        <a:rPr lang="en-US" dirty="0" smtClean="0"/>
+                        <a:rPr lang="en-US" dirty="0"/>
                         <a:t>67</a:t>
                       </a:r>
-                      <a:endParaRPr lang="en-US" dirty="0"/>
                     </a:p>
                   </a:txBody>
                   <a:tcPr/>
@@ -24342,10 +25558,9 @@
                     <a:p>
                       <a:pPr algn="ctr"/>
                       <a:r>
-                        <a:rPr lang="en-US" dirty="0" smtClean="0"/>
+                        <a:rPr lang="en-US" dirty="0"/>
                         <a:t>129</a:t>
                       </a:r>
-                      <a:endParaRPr lang="en-US" dirty="0"/>
                     </a:p>
                   </a:txBody>
                   <a:tcPr/>
@@ -24368,14 +25583,18 @@
                     <a:p>
                       <a:pPr algn="ctr"/>
                       <a:r>
-                        <a:rPr lang="en-US" dirty="0" smtClean="0"/>
+                        <a:rPr lang="en-US" dirty="0"/>
                         <a:t>912</a:t>
                       </a:r>
-                      <a:endParaRPr lang="en-US" dirty="0"/>
                     </a:p>
                   </a:txBody>
                   <a:tcPr/>
                 </a:tc>
+                <a:extLst>
+                  <a:ext uri="{0D108BD9-81ED-4DB2-BD59-A6C34878D82A}">
+                    <a16:rowId xmlns:a16="http://schemas.microsoft.com/office/drawing/2014/main" val="10005"/>
+                  </a:ext>
+                </a:extLst>
               </a:tr>
             </a:tbl>
           </a:graphicData>
@@ -24672,18 +25891,13 @@
           <a:lstStyle/>
           <a:p>
             <a:r>
-              <a:rPr lang="en-US" dirty="0" smtClean="0">
+              <a:rPr lang="en-US" dirty="0">
                 <a:latin typeface="Trebuchet MS" charset="0"/>
                 <a:ea typeface="Trebuchet MS" charset="0"/>
                 <a:cs typeface="Trebuchet MS" charset="0"/>
               </a:rPr>
               <a:t>predicted</a:t>
             </a:r>
-            <a:endParaRPr lang="en-US" dirty="0">
-              <a:latin typeface="Trebuchet MS" charset="0"/>
-              <a:ea typeface="Trebuchet MS" charset="0"/>
-              <a:cs typeface="Trebuchet MS" charset="0"/>
-            </a:endParaRPr>
           </a:p>
         </p:txBody>
       </p:sp>
@@ -24710,18 +25924,13 @@
           <a:lstStyle/>
           <a:p>
             <a:r>
-              <a:rPr lang="en-US" dirty="0" smtClean="0">
+              <a:rPr lang="en-US" dirty="0">
                 <a:latin typeface="Trebuchet MS" charset="0"/>
                 <a:ea typeface="Trebuchet MS" charset="0"/>
                 <a:cs typeface="Trebuchet MS" charset="0"/>
               </a:rPr>
               <a:t>actual</a:t>
             </a:r>
-            <a:endParaRPr lang="en-US" dirty="0">
-              <a:latin typeface="Trebuchet MS" charset="0"/>
-              <a:ea typeface="Trebuchet MS" charset="0"/>
-              <a:cs typeface="Trebuchet MS" charset="0"/>
-            </a:endParaRPr>
           </a:p>
         </p:txBody>
       </p:sp>
@@ -24734,9 +25943,9 @@
         <p:grpSpPr>
           <a:xfrm>
             <a:off x="1863318" y="3299532"/>
-            <a:ext cx="6134275" cy="3379585"/>
+            <a:ext cx="6134275" cy="2978143"/>
             <a:chOff x="1863318" y="3299532"/>
-            <a:chExt cx="6134275" cy="3379585"/>
+            <a:chExt cx="6134275" cy="2978143"/>
           </a:xfrm>
         </p:grpSpPr>
         <p:sp>
@@ -24791,7 +26000,7 @@
           </p:nvSpPr>
           <p:spPr>
             <a:xfrm>
-              <a:off x="1863318" y="6032786"/>
+              <a:off x="1863318" y="5631344"/>
               <a:ext cx="6134275" cy="646331"/>
             </a:xfrm>
             <a:prstGeom prst="rect">
@@ -24811,7 +26020,7 @@
             <a:lstStyle/>
             <a:p>
               <a:r>
-                <a:rPr lang="en-US" dirty="0" smtClean="0">
+                <a:rPr lang="en-US" dirty="0">
                   <a:latin typeface="Trebuchet MS" charset="0"/>
                   <a:ea typeface="Trebuchet MS" charset="0"/>
                   <a:cs typeface="Trebuchet MS" charset="0"/>
@@ -24819,7 +26028,7 @@
                 <a:t>Example: there are 78 samples of class 1 </a:t>
               </a:r>
               <a:r>
-                <a:rPr lang="en-US" smtClean="0">
+                <a:rPr lang="en-US">
                   <a:latin typeface="Trebuchet MS" charset="0"/>
                   <a:ea typeface="Trebuchet MS" charset="0"/>
                   <a:cs typeface="Trebuchet MS" charset="0"/>
@@ -24838,14 +26047,15 @@
           <p:nvCxnSpPr>
             <p:cNvPr id="20" name="Straight Arrow Connector 19"/>
             <p:cNvCxnSpPr>
+              <a:cxnSpLocks/>
               <a:stCxn id="17" idx="3"/>
             </p:cNvCxnSpPr>
             <p:nvPr/>
           </p:nvCxnSpPr>
           <p:spPr>
             <a:xfrm flipH="1">
-              <a:off x="2965171" y="3685571"/>
-              <a:ext cx="2298751" cy="2374035"/>
+              <a:off x="2865863" y="3685571"/>
+              <a:ext cx="2398059" cy="1945773"/>
             </a:xfrm>
             <a:prstGeom prst="straightConnector1">
               <a:avLst/>
@@ -24873,6 +26083,77 @@
           </p:style>
         </p:cxnSp>
       </p:grpSp>
+      <p:sp>
+        <p:nvSpPr>
+          <p:cNvPr id="5" name="Slide Number Placeholder 4">
+            <a:extLst>
+              <a:ext uri="{FF2B5EF4-FFF2-40B4-BE49-F238E27FC236}">
+                <a16:creationId xmlns:a16="http://schemas.microsoft.com/office/drawing/2014/main" id="{18DD4D6A-F282-FB4A-A7DC-FB868C4E61D6}"/>
+              </a:ext>
+            </a:extLst>
+          </p:cNvPr>
+          <p:cNvSpPr>
+            <a:spLocks noGrp="1"/>
+          </p:cNvSpPr>
+          <p:nvPr>
+            <p:ph type="sldNum" sz="quarter" idx="12"/>
+          </p:nvPr>
+        </p:nvSpPr>
+        <p:spPr/>
+        <p:txBody>
+          <a:bodyPr/>
+          <a:lstStyle/>
+          <a:p>
+            <a:fld id="{9C0B2870-7350-8D40-A01A-CE539DF873CB}" type="slidenum">
+              <a:rPr lang="en-US" smtClean="0"/>
+              <a:t>4</a:t>
+            </a:fld>
+            <a:endParaRPr lang="en-US"/>
+          </a:p>
+        </p:txBody>
+      </p:sp>
+      <p:sp>
+        <p:nvSpPr>
+          <p:cNvPr id="22" name="TextBox 21">
+            <a:extLst>
+              <a:ext uri="{FF2B5EF4-FFF2-40B4-BE49-F238E27FC236}">
+                <a16:creationId xmlns:a16="http://schemas.microsoft.com/office/drawing/2014/main" id="{27787644-E26F-2243-B646-78D2D1450CCB}"/>
+              </a:ext>
+            </a:extLst>
+          </p:cNvPr>
+          <p:cNvSpPr txBox="1"/>
+          <p:nvPr/>
+        </p:nvSpPr>
+        <p:spPr>
+          <a:xfrm>
+            <a:off x="3596797" y="6582975"/>
+            <a:ext cx="1950406" cy="276999"/>
+          </a:xfrm>
+          <a:prstGeom prst="rect">
+            <a:avLst/>
+          </a:prstGeom>
+          <a:noFill/>
+        </p:spPr>
+        <p:txBody>
+          <a:bodyPr wrap="none" rtlCol="0">
+            <a:spAutoFit/>
+          </a:bodyPr>
+          <a:lstStyle/>
+          <a:p>
+            <a:r>
+              <a:rPr lang="en-US" sz="1200" dirty="0">
+                <a:solidFill>
+                  <a:schemeClr val="tx1">
+                    <a:lumMod val="75000"/>
+                    <a:lumOff val="25000"/>
+                  </a:schemeClr>
+                </a:solidFill>
+              </a:rPr>
+              <a:t>PAT05_ConfisionMatrix.pptx</a:t>
+            </a:r>
+          </a:p>
+        </p:txBody>
+      </p:sp>
     </p:spTree>
     <p:extLst>
       <p:ext uri="{BB962C8B-B14F-4D97-AF65-F5344CB8AC3E}">
@@ -25001,18 +26282,13 @@
           <a:lstStyle/>
           <a:p>
             <a:r>
-              <a:rPr lang="en-US" dirty="0" smtClean="0">
+              <a:rPr lang="en-US" dirty="0">
                 <a:latin typeface="Trebuchet MS" charset="0"/>
                 <a:ea typeface="Trebuchet MS" charset="0"/>
                 <a:cs typeface="Trebuchet MS" charset="0"/>
               </a:rPr>
               <a:t>[ CONFUSION MATRIX: TWO CLASSES ]</a:t>
             </a:r>
-            <a:endParaRPr lang="en-US" dirty="0">
-              <a:latin typeface="Trebuchet MS" charset="0"/>
-              <a:ea typeface="Trebuchet MS" charset="0"/>
-              <a:cs typeface="Trebuchet MS" charset="0"/>
-            </a:endParaRPr>
           </a:p>
         </p:txBody>
       </p:sp>
@@ -25041,9 +26317,27 @@
                 <a:tableStyleId>{5C22544A-7EE6-4342-B048-85BDC9FD1C3A}</a:tableStyleId>
               </a:tblPr>
               <a:tblGrid>
-                <a:gridCol w="1016000"/>
-                <a:gridCol w="1016000"/>
-                <a:gridCol w="1016000"/>
+                <a:gridCol w="1016000">
+                  <a:extLst>
+                    <a:ext uri="{9D8B030D-6E8A-4147-A177-3AD203B41FA5}">
+                      <a16:colId xmlns:a16="http://schemas.microsoft.com/office/drawing/2014/main" val="20000"/>
+                    </a:ext>
+                  </a:extLst>
+                </a:gridCol>
+                <a:gridCol w="1016000">
+                  <a:extLst>
+                    <a:ext uri="{9D8B030D-6E8A-4147-A177-3AD203B41FA5}">
+                      <a16:colId xmlns:a16="http://schemas.microsoft.com/office/drawing/2014/main" val="20001"/>
+                    </a:ext>
+                  </a:extLst>
+                </a:gridCol>
+                <a:gridCol w="1016000">
+                  <a:extLst>
+                    <a:ext uri="{9D8B030D-6E8A-4147-A177-3AD203B41FA5}">
+                      <a16:colId xmlns:a16="http://schemas.microsoft.com/office/drawing/2014/main" val="20002"/>
+                    </a:ext>
+                  </a:extLst>
+                </a:gridCol>
               </a:tblGrid>
               <a:tr h="370840">
                 <a:tc>
@@ -25076,6 +26370,11 @@
                   </a:txBody>
                   <a:tcPr/>
                 </a:tc>
+                <a:extLst>
+                  <a:ext uri="{0D108BD9-81ED-4DB2-BD59-A6C34878D82A}">
+                    <a16:rowId xmlns:a16="http://schemas.microsoft.com/office/drawing/2014/main" val="10000"/>
+                  </a:ext>
+                </a:extLst>
               </a:tr>
               <a:tr h="370840">
                 <a:tc>
@@ -25110,6 +26409,11 @@
                   </a:txBody>
                   <a:tcPr/>
                 </a:tc>
+                <a:extLst>
+                  <a:ext uri="{0D108BD9-81ED-4DB2-BD59-A6C34878D82A}">
+                    <a16:rowId xmlns:a16="http://schemas.microsoft.com/office/drawing/2014/main" val="10001"/>
+                  </a:ext>
+                </a:extLst>
               </a:tr>
               <a:tr h="370840">
                 <a:tc>
@@ -25144,6 +26448,11 @@
                   </a:txBody>
                   <a:tcPr/>
                 </a:tc>
+                <a:extLst>
+                  <a:ext uri="{0D108BD9-81ED-4DB2-BD59-A6C34878D82A}">
+                    <a16:rowId xmlns:a16="http://schemas.microsoft.com/office/drawing/2014/main" val="10002"/>
+                  </a:ext>
+                </a:extLst>
               </a:tr>
             </a:tbl>
           </a:graphicData>
@@ -25296,18 +26605,13 @@
           <a:lstStyle/>
           <a:p>
             <a:r>
-              <a:rPr lang="en-US" dirty="0" smtClean="0">
+              <a:rPr lang="en-US" dirty="0">
                 <a:latin typeface="Trebuchet MS" charset="0"/>
                 <a:ea typeface="Trebuchet MS" charset="0"/>
                 <a:cs typeface="Trebuchet MS" charset="0"/>
               </a:rPr>
               <a:t>predicted</a:t>
             </a:r>
-            <a:endParaRPr lang="en-US" dirty="0">
-              <a:latin typeface="Trebuchet MS" charset="0"/>
-              <a:ea typeface="Trebuchet MS" charset="0"/>
-              <a:cs typeface="Trebuchet MS" charset="0"/>
-            </a:endParaRPr>
           </a:p>
         </p:txBody>
       </p:sp>
@@ -25334,18 +26638,13 @@
           <a:lstStyle/>
           <a:p>
             <a:r>
-              <a:rPr lang="en-US" dirty="0" smtClean="0">
+              <a:rPr lang="en-US" dirty="0">
                 <a:latin typeface="Trebuchet MS" charset="0"/>
                 <a:ea typeface="Trebuchet MS" charset="0"/>
                 <a:cs typeface="Trebuchet MS" charset="0"/>
               </a:rPr>
               <a:t>actual</a:t>
             </a:r>
-            <a:endParaRPr lang="en-US" dirty="0">
-              <a:latin typeface="Trebuchet MS" charset="0"/>
-              <a:ea typeface="Trebuchet MS" charset="0"/>
-              <a:cs typeface="Trebuchet MS" charset="0"/>
-            </a:endParaRPr>
           </a:p>
         </p:txBody>
       </p:sp>
@@ -25397,6 +26696,77 @@
           </a:prstGeom>
         </p:spPr>
       </p:pic>
+      <p:sp>
+        <p:nvSpPr>
+          <p:cNvPr id="7" name="Slide Number Placeholder 6">
+            <a:extLst>
+              <a:ext uri="{FF2B5EF4-FFF2-40B4-BE49-F238E27FC236}">
+                <a16:creationId xmlns:a16="http://schemas.microsoft.com/office/drawing/2014/main" id="{48AF632C-917F-734B-97BC-CFC2C38BFDBD}"/>
+              </a:ext>
+            </a:extLst>
+          </p:cNvPr>
+          <p:cNvSpPr>
+            <a:spLocks noGrp="1"/>
+          </p:cNvSpPr>
+          <p:nvPr>
+            <p:ph type="sldNum" sz="quarter" idx="12"/>
+          </p:nvPr>
+        </p:nvSpPr>
+        <p:spPr/>
+        <p:txBody>
+          <a:bodyPr/>
+          <a:lstStyle/>
+          <a:p>
+            <a:fld id="{9C0B2870-7350-8D40-A01A-CE539DF873CB}" type="slidenum">
+              <a:rPr lang="en-US" smtClean="0"/>
+              <a:t>5</a:t>
+            </a:fld>
+            <a:endParaRPr lang="en-US"/>
+          </a:p>
+        </p:txBody>
+      </p:sp>
+      <p:sp>
+        <p:nvSpPr>
+          <p:cNvPr id="18" name="TextBox 17">
+            <a:extLst>
+              <a:ext uri="{FF2B5EF4-FFF2-40B4-BE49-F238E27FC236}">
+                <a16:creationId xmlns:a16="http://schemas.microsoft.com/office/drawing/2014/main" id="{53B53955-9B62-C344-A82C-B69B930A533F}"/>
+              </a:ext>
+            </a:extLst>
+          </p:cNvPr>
+          <p:cNvSpPr txBox="1"/>
+          <p:nvPr/>
+        </p:nvSpPr>
+        <p:spPr>
+          <a:xfrm>
+            <a:off x="3596797" y="6582975"/>
+            <a:ext cx="1950406" cy="276999"/>
+          </a:xfrm>
+          <a:prstGeom prst="rect">
+            <a:avLst/>
+          </a:prstGeom>
+          <a:noFill/>
+        </p:spPr>
+        <p:txBody>
+          <a:bodyPr wrap="none" rtlCol="0">
+            <a:spAutoFit/>
+          </a:bodyPr>
+          <a:lstStyle/>
+          <a:p>
+            <a:r>
+              <a:rPr lang="en-US" sz="1200" dirty="0">
+                <a:solidFill>
+                  <a:schemeClr val="tx1">
+                    <a:lumMod val="75000"/>
+                    <a:lumOff val="25000"/>
+                  </a:schemeClr>
+                </a:solidFill>
+              </a:rPr>
+              <a:t>PAT05_ConfisionMatrix.pptx</a:t>
+            </a:r>
+          </a:p>
+        </p:txBody>
+      </p:sp>
     </p:spTree>
     <p:extLst>
       <p:ext uri="{BB962C8B-B14F-4D97-AF65-F5344CB8AC3E}">
@@ -25407,13 +26777,6 @@
   <p:clrMapOvr>
     <a:masterClrMapping/>
   </p:clrMapOvr>
-  <p:timing>
-    <p:tnLst>
-      <p:par>
-        <p:cTn id="1" dur="indefinite" restart="never" nodeType="tmRoot"/>
-      </p:par>
-    </p:tnLst>
-  </p:timing>
 </p:sld>
 </file>
 
@@ -25457,18 +26820,13 @@
           <a:lstStyle/>
           <a:p>
             <a:r>
-              <a:rPr lang="en-US" dirty="0" smtClean="0">
+              <a:rPr lang="en-US" dirty="0">
                 <a:latin typeface="Trebuchet MS" charset="0"/>
                 <a:ea typeface="Trebuchet MS" charset="0"/>
                 <a:cs typeface="Trebuchet MS" charset="0"/>
               </a:rPr>
               <a:t>[ CONFUSION MATRIX: TWO CLASSES ]</a:t>
             </a:r>
-            <a:endParaRPr lang="en-US" dirty="0">
-              <a:latin typeface="Trebuchet MS" charset="0"/>
-              <a:ea typeface="Trebuchet MS" charset="0"/>
-              <a:cs typeface="Trebuchet MS" charset="0"/>
-            </a:endParaRPr>
           </a:p>
         </p:txBody>
       </p:sp>
@@ -25497,9 +26855,27 @@
                 <a:tableStyleId>{5C22544A-7EE6-4342-B048-85BDC9FD1C3A}</a:tableStyleId>
               </a:tblPr>
               <a:tblGrid>
-                <a:gridCol w="1016000"/>
-                <a:gridCol w="1016000"/>
-                <a:gridCol w="1016000"/>
+                <a:gridCol w="1016000">
+                  <a:extLst>
+                    <a:ext uri="{9D8B030D-6E8A-4147-A177-3AD203B41FA5}">
+                      <a16:colId xmlns:a16="http://schemas.microsoft.com/office/drawing/2014/main" val="20000"/>
+                    </a:ext>
+                  </a:extLst>
+                </a:gridCol>
+                <a:gridCol w="1016000">
+                  <a:extLst>
+                    <a:ext uri="{9D8B030D-6E8A-4147-A177-3AD203B41FA5}">
+                      <a16:colId xmlns:a16="http://schemas.microsoft.com/office/drawing/2014/main" val="20001"/>
+                    </a:ext>
+                  </a:extLst>
+                </a:gridCol>
+                <a:gridCol w="1016000">
+                  <a:extLst>
+                    <a:ext uri="{9D8B030D-6E8A-4147-A177-3AD203B41FA5}">
+                      <a16:colId xmlns:a16="http://schemas.microsoft.com/office/drawing/2014/main" val="20002"/>
+                    </a:ext>
+                  </a:extLst>
+                </a:gridCol>
               </a:tblGrid>
               <a:tr h="370840">
                 <a:tc>
@@ -25532,6 +26908,11 @@
                   </a:txBody>
                   <a:tcPr/>
                 </a:tc>
+                <a:extLst>
+                  <a:ext uri="{0D108BD9-81ED-4DB2-BD59-A6C34878D82A}">
+                    <a16:rowId xmlns:a16="http://schemas.microsoft.com/office/drawing/2014/main" val="10000"/>
+                  </a:ext>
+                </a:extLst>
               </a:tr>
               <a:tr h="370840">
                 <a:tc>
@@ -25551,10 +26932,9 @@
                     <a:p>
                       <a:pPr algn="ctr"/>
                       <a:r>
-                        <a:rPr lang="en-US" dirty="0" smtClean="0"/>
+                        <a:rPr lang="en-US" dirty="0"/>
                         <a:t>TP</a:t>
                       </a:r>
-                      <a:endParaRPr lang="en-US" dirty="0"/>
                     </a:p>
                   </a:txBody>
                   <a:tcPr/>
@@ -25566,14 +26946,18 @@
                     <a:p>
                       <a:pPr algn="ctr"/>
                       <a:r>
-                        <a:rPr lang="en-US" dirty="0" smtClean="0"/>
+                        <a:rPr lang="en-US" dirty="0"/>
                         <a:t>FN</a:t>
                       </a:r>
-                      <a:endParaRPr lang="en-US" dirty="0"/>
                     </a:p>
                   </a:txBody>
                   <a:tcPr/>
                 </a:tc>
+                <a:extLst>
+                  <a:ext uri="{0D108BD9-81ED-4DB2-BD59-A6C34878D82A}">
+                    <a16:rowId xmlns:a16="http://schemas.microsoft.com/office/drawing/2014/main" val="10001"/>
+                  </a:ext>
+                </a:extLst>
               </a:tr>
               <a:tr h="370840">
                 <a:tc>
@@ -25593,10 +26977,9 @@
                     <a:p>
                       <a:pPr algn="ctr"/>
                       <a:r>
-                        <a:rPr lang="en-US" dirty="0" smtClean="0"/>
+                        <a:rPr lang="en-US" dirty="0"/>
                         <a:t>FP</a:t>
                       </a:r>
-                      <a:endParaRPr lang="en-US" dirty="0"/>
                     </a:p>
                   </a:txBody>
                   <a:tcPr/>
@@ -25608,14 +26991,18 @@
                     <a:p>
                       <a:pPr algn="ctr"/>
                       <a:r>
-                        <a:rPr lang="en-US" dirty="0" smtClean="0"/>
+                        <a:rPr lang="en-US" dirty="0"/>
                         <a:t>TN</a:t>
                       </a:r>
-                      <a:endParaRPr lang="en-US" dirty="0"/>
                     </a:p>
                   </a:txBody>
                   <a:tcPr/>
                 </a:tc>
+                <a:extLst>
+                  <a:ext uri="{0D108BD9-81ED-4DB2-BD59-A6C34878D82A}">
+                    <a16:rowId xmlns:a16="http://schemas.microsoft.com/office/drawing/2014/main" val="10002"/>
+                  </a:ext>
+                </a:extLst>
               </a:tr>
             </a:tbl>
           </a:graphicData>
@@ -25768,18 +27155,13 @@
           <a:lstStyle/>
           <a:p>
             <a:r>
-              <a:rPr lang="en-US" dirty="0" smtClean="0">
+              <a:rPr lang="en-US" dirty="0">
                 <a:latin typeface="Trebuchet MS" charset="0"/>
                 <a:ea typeface="Trebuchet MS" charset="0"/>
                 <a:cs typeface="Trebuchet MS" charset="0"/>
               </a:rPr>
               <a:t>predicted</a:t>
             </a:r>
-            <a:endParaRPr lang="en-US" dirty="0">
-              <a:latin typeface="Trebuchet MS" charset="0"/>
-              <a:ea typeface="Trebuchet MS" charset="0"/>
-              <a:cs typeface="Trebuchet MS" charset="0"/>
-            </a:endParaRPr>
           </a:p>
         </p:txBody>
       </p:sp>
@@ -25806,18 +27188,13 @@
           <a:lstStyle/>
           <a:p>
             <a:r>
-              <a:rPr lang="en-US" dirty="0" smtClean="0">
+              <a:rPr lang="en-US" dirty="0">
                 <a:latin typeface="Trebuchet MS" charset="0"/>
                 <a:ea typeface="Trebuchet MS" charset="0"/>
                 <a:cs typeface="Trebuchet MS" charset="0"/>
               </a:rPr>
               <a:t>actual</a:t>
             </a:r>
-            <a:endParaRPr lang="en-US" dirty="0">
-              <a:latin typeface="Trebuchet MS" charset="0"/>
-              <a:ea typeface="Trebuchet MS" charset="0"/>
-              <a:cs typeface="Trebuchet MS" charset="0"/>
-            </a:endParaRPr>
           </a:p>
         </p:txBody>
       </p:sp>
@@ -25924,7 +27301,7 @@
           <a:lstStyle/>
           <a:p>
             <a:r>
-              <a:rPr lang="en-US" dirty="0" smtClean="0">
+              <a:rPr lang="en-US" dirty="0">
                 <a:latin typeface="Times" charset="0"/>
                 <a:ea typeface="Times" charset="0"/>
                 <a:cs typeface="Times" charset="0"/>
@@ -25932,7 +27309,7 @@
               <a:t>Negative (</a:t>
             </a:r>
             <a:r>
-              <a:rPr lang="en-US" i="1" dirty="0" smtClean="0">
+              <a:rPr lang="en-US" i="1" dirty="0">
                 <a:latin typeface="Times" charset="0"/>
                 <a:ea typeface="Times" charset="0"/>
                 <a:cs typeface="Times" charset="0"/>
@@ -25940,18 +27317,84 @@
               <a:t>FN</a:t>
             </a:r>
             <a:r>
-              <a:rPr lang="en-US" dirty="0" smtClean="0">
+              <a:rPr lang="en-US" dirty="0">
                 <a:latin typeface="Times" charset="0"/>
                 <a:ea typeface="Times" charset="0"/>
                 <a:cs typeface="Times" charset="0"/>
               </a:rPr>
               <a:t>):</a:t>
             </a:r>
-            <a:endParaRPr lang="en-US" dirty="0">
-              <a:latin typeface="Times" charset="0"/>
-              <a:ea typeface="Times" charset="0"/>
-              <a:cs typeface="Times" charset="0"/>
-            </a:endParaRPr>
+          </a:p>
+        </p:txBody>
+      </p:sp>
+      <p:sp>
+        <p:nvSpPr>
+          <p:cNvPr id="8" name="Slide Number Placeholder 7">
+            <a:extLst>
+              <a:ext uri="{FF2B5EF4-FFF2-40B4-BE49-F238E27FC236}">
+                <a16:creationId xmlns:a16="http://schemas.microsoft.com/office/drawing/2014/main" id="{2FD5FB4F-BC80-DF4E-8619-5E4AE8AFBBB7}"/>
+              </a:ext>
+            </a:extLst>
+          </p:cNvPr>
+          <p:cNvSpPr>
+            <a:spLocks noGrp="1"/>
+          </p:cNvSpPr>
+          <p:nvPr>
+            <p:ph type="sldNum" sz="quarter" idx="12"/>
+          </p:nvPr>
+        </p:nvSpPr>
+        <p:spPr/>
+        <p:txBody>
+          <a:bodyPr/>
+          <a:lstStyle/>
+          <a:p>
+            <a:fld id="{9C0B2870-7350-8D40-A01A-CE539DF873CB}" type="slidenum">
+              <a:rPr lang="en-US" smtClean="0"/>
+              <a:t>6</a:t>
+            </a:fld>
+            <a:endParaRPr lang="en-US"/>
+          </a:p>
+        </p:txBody>
+      </p:sp>
+      <p:sp>
+        <p:nvSpPr>
+          <p:cNvPr id="19" name="TextBox 18">
+            <a:extLst>
+              <a:ext uri="{FF2B5EF4-FFF2-40B4-BE49-F238E27FC236}">
+                <a16:creationId xmlns:a16="http://schemas.microsoft.com/office/drawing/2014/main" id="{8DCCDA09-7A6C-D84E-888B-5200FC69505C}"/>
+              </a:ext>
+            </a:extLst>
+          </p:cNvPr>
+          <p:cNvSpPr txBox="1"/>
+          <p:nvPr/>
+        </p:nvSpPr>
+        <p:spPr>
+          <a:xfrm>
+            <a:off x="3596797" y="6582975"/>
+            <a:ext cx="1950406" cy="276999"/>
+          </a:xfrm>
+          <a:prstGeom prst="rect">
+            <a:avLst/>
+          </a:prstGeom>
+          <a:noFill/>
+        </p:spPr>
+        <p:txBody>
+          <a:bodyPr wrap="none" rtlCol="0">
+            <a:spAutoFit/>
+          </a:bodyPr>
+          <a:lstStyle/>
+          <a:p>
+            <a:r>
+              <a:rPr lang="en-US" sz="1200" dirty="0">
+                <a:solidFill>
+                  <a:schemeClr val="tx1">
+                    <a:lumMod val="75000"/>
+                    <a:lumOff val="25000"/>
+                  </a:schemeClr>
+                </a:solidFill>
+              </a:rPr>
+              <a:t>PAT05_ConfisionMatrix.pptx</a:t>
+            </a:r>
           </a:p>
         </p:txBody>
       </p:sp>
@@ -25965,13 +27408,6 @@
   <p:clrMapOvr>
     <a:masterClrMapping/>
   </p:clrMapOvr>
-  <p:timing>
-    <p:tnLst>
-      <p:par>
-        <p:cTn id="1" dur="indefinite" restart="never" nodeType="tmRoot"/>
-      </p:par>
-    </p:tnLst>
-  </p:timing>
 </p:sld>
 </file>
 
@@ -26015,18 +27451,13 @@
           <a:lstStyle/>
           <a:p>
             <a:r>
-              <a:rPr lang="en-US" dirty="0" smtClean="0">
+              <a:rPr lang="en-US" dirty="0">
                 <a:latin typeface="Trebuchet MS" charset="0"/>
                 <a:ea typeface="Trebuchet MS" charset="0"/>
                 <a:cs typeface="Trebuchet MS" charset="0"/>
               </a:rPr>
               <a:t>[ CONFUSION MATRIX: TWO CLASSES ]</a:t>
             </a:r>
-            <a:endParaRPr lang="en-US" dirty="0">
-              <a:latin typeface="Trebuchet MS" charset="0"/>
-              <a:ea typeface="Trebuchet MS" charset="0"/>
-              <a:cs typeface="Trebuchet MS" charset="0"/>
-            </a:endParaRPr>
           </a:p>
         </p:txBody>
       </p:sp>
@@ -26055,9 +27486,27 @@
                 <a:tableStyleId>{5C22544A-7EE6-4342-B048-85BDC9FD1C3A}</a:tableStyleId>
               </a:tblPr>
               <a:tblGrid>
-                <a:gridCol w="1016000"/>
-                <a:gridCol w="1016000"/>
-                <a:gridCol w="1016000"/>
+                <a:gridCol w="1016000">
+                  <a:extLst>
+                    <a:ext uri="{9D8B030D-6E8A-4147-A177-3AD203B41FA5}">
+                      <a16:colId xmlns:a16="http://schemas.microsoft.com/office/drawing/2014/main" val="20000"/>
+                    </a:ext>
+                  </a:extLst>
+                </a:gridCol>
+                <a:gridCol w="1016000">
+                  <a:extLst>
+                    <a:ext uri="{9D8B030D-6E8A-4147-A177-3AD203B41FA5}">
+                      <a16:colId xmlns:a16="http://schemas.microsoft.com/office/drawing/2014/main" val="20001"/>
+                    </a:ext>
+                  </a:extLst>
+                </a:gridCol>
+                <a:gridCol w="1016000">
+                  <a:extLst>
+                    <a:ext uri="{9D8B030D-6E8A-4147-A177-3AD203B41FA5}">
+                      <a16:colId xmlns:a16="http://schemas.microsoft.com/office/drawing/2014/main" val="20002"/>
+                    </a:ext>
+                  </a:extLst>
+                </a:gridCol>
               </a:tblGrid>
               <a:tr h="370840">
                 <a:tc>
@@ -26090,6 +27539,11 @@
                   </a:txBody>
                   <a:tcPr/>
                 </a:tc>
+                <a:extLst>
+                  <a:ext uri="{0D108BD9-81ED-4DB2-BD59-A6C34878D82A}">
+                    <a16:rowId xmlns:a16="http://schemas.microsoft.com/office/drawing/2014/main" val="10000"/>
+                  </a:ext>
+                </a:extLst>
               </a:tr>
               <a:tr h="370840">
                 <a:tc>
@@ -26109,10 +27563,9 @@
                     <a:p>
                       <a:pPr algn="ctr"/>
                       <a:r>
-                        <a:rPr lang="en-US" dirty="0" smtClean="0"/>
+                        <a:rPr lang="en-US" dirty="0"/>
                         <a:t>TP</a:t>
                       </a:r>
-                      <a:endParaRPr lang="en-US" dirty="0"/>
                     </a:p>
                   </a:txBody>
                   <a:tcPr/>
@@ -26124,14 +27577,18 @@
                     <a:p>
                       <a:pPr algn="ctr"/>
                       <a:r>
-                        <a:rPr lang="en-US" dirty="0" smtClean="0"/>
+                        <a:rPr lang="en-US" dirty="0"/>
                         <a:t>FN</a:t>
                       </a:r>
-                      <a:endParaRPr lang="en-US" dirty="0"/>
                     </a:p>
                   </a:txBody>
                   <a:tcPr/>
                 </a:tc>
+                <a:extLst>
+                  <a:ext uri="{0D108BD9-81ED-4DB2-BD59-A6C34878D82A}">
+                    <a16:rowId xmlns:a16="http://schemas.microsoft.com/office/drawing/2014/main" val="10001"/>
+                  </a:ext>
+                </a:extLst>
               </a:tr>
               <a:tr h="370840">
                 <a:tc>
@@ -26151,10 +27608,9 @@
                     <a:p>
                       <a:pPr algn="ctr"/>
                       <a:r>
-                        <a:rPr lang="en-US" dirty="0" smtClean="0"/>
+                        <a:rPr lang="en-US" dirty="0"/>
                         <a:t>FP</a:t>
                       </a:r>
-                      <a:endParaRPr lang="en-US" dirty="0"/>
                     </a:p>
                   </a:txBody>
                   <a:tcPr/>
@@ -26166,14 +27622,18 @@
                     <a:p>
                       <a:pPr algn="ctr"/>
                       <a:r>
-                        <a:rPr lang="en-US" dirty="0" smtClean="0"/>
+                        <a:rPr lang="en-US" dirty="0"/>
                         <a:t>TN</a:t>
                       </a:r>
-                      <a:endParaRPr lang="en-US" dirty="0"/>
                     </a:p>
                   </a:txBody>
                   <a:tcPr/>
                 </a:tc>
+                <a:extLst>
+                  <a:ext uri="{0D108BD9-81ED-4DB2-BD59-A6C34878D82A}">
+                    <a16:rowId xmlns:a16="http://schemas.microsoft.com/office/drawing/2014/main" val="10002"/>
+                  </a:ext>
+                </a:extLst>
               </a:tr>
             </a:tbl>
           </a:graphicData>
@@ -26326,18 +27786,13 @@
           <a:lstStyle/>
           <a:p>
             <a:r>
-              <a:rPr lang="en-US" dirty="0" smtClean="0">
+              <a:rPr lang="en-US" dirty="0">
                 <a:latin typeface="Trebuchet MS" charset="0"/>
                 <a:ea typeface="Trebuchet MS" charset="0"/>
                 <a:cs typeface="Trebuchet MS" charset="0"/>
               </a:rPr>
               <a:t>predicted</a:t>
             </a:r>
-            <a:endParaRPr lang="en-US" dirty="0">
-              <a:latin typeface="Trebuchet MS" charset="0"/>
-              <a:ea typeface="Trebuchet MS" charset="0"/>
-              <a:cs typeface="Trebuchet MS" charset="0"/>
-            </a:endParaRPr>
           </a:p>
         </p:txBody>
       </p:sp>
@@ -26364,18 +27819,13 @@
           <a:lstStyle/>
           <a:p>
             <a:r>
-              <a:rPr lang="en-US" dirty="0" smtClean="0">
+              <a:rPr lang="en-US" dirty="0">
                 <a:latin typeface="Trebuchet MS" charset="0"/>
                 <a:ea typeface="Trebuchet MS" charset="0"/>
                 <a:cs typeface="Trebuchet MS" charset="0"/>
               </a:rPr>
               <a:t>actual</a:t>
             </a:r>
-            <a:endParaRPr lang="en-US" dirty="0">
-              <a:latin typeface="Trebuchet MS" charset="0"/>
-              <a:ea typeface="Trebuchet MS" charset="0"/>
-              <a:cs typeface="Trebuchet MS" charset="0"/>
-            </a:endParaRPr>
           </a:p>
         </p:txBody>
       </p:sp>
@@ -26513,18 +27963,13 @@
           <a:lstStyle/>
           <a:p>
             <a:r>
-              <a:rPr lang="en-US" dirty="0" smtClean="0">
+              <a:rPr lang="en-US" dirty="0">
                 <a:latin typeface="Trebuchet MS" charset="0"/>
                 <a:ea typeface="Trebuchet MS" charset="0"/>
                 <a:cs typeface="Trebuchet MS" charset="0"/>
               </a:rPr>
               <a:t>P = TP+FN (positive instances)</a:t>
             </a:r>
-            <a:endParaRPr lang="en-US" dirty="0">
-              <a:latin typeface="Trebuchet MS" charset="0"/>
-              <a:ea typeface="Trebuchet MS" charset="0"/>
-              <a:cs typeface="Trebuchet MS" charset="0"/>
-            </a:endParaRPr>
           </a:p>
         </p:txBody>
       </p:sp>
@@ -26584,18 +28029,13 @@
           <a:lstStyle/>
           <a:p>
             <a:r>
-              <a:rPr lang="en-US" dirty="0" smtClean="0">
+              <a:rPr lang="en-US" dirty="0">
                 <a:latin typeface="Trebuchet MS" charset="0"/>
                 <a:ea typeface="Trebuchet MS" charset="0"/>
                 <a:cs typeface="Trebuchet MS" charset="0"/>
               </a:rPr>
               <a:t>N = FP+TN (negative instances)</a:t>
             </a:r>
-            <a:endParaRPr lang="en-US" dirty="0">
-              <a:latin typeface="Trebuchet MS" charset="0"/>
-              <a:ea typeface="Trebuchet MS" charset="0"/>
-              <a:cs typeface="Trebuchet MS" charset="0"/>
-            </a:endParaRPr>
           </a:p>
         </p:txBody>
       </p:sp>
@@ -26657,18 +28097,13 @@
           <a:lstStyle/>
           <a:p>
             <a:r>
-              <a:rPr lang="en-US" dirty="0" smtClean="0">
+              <a:rPr lang="en-US" dirty="0">
                 <a:latin typeface="Trebuchet MS" charset="0"/>
                 <a:ea typeface="Trebuchet MS" charset="0"/>
                 <a:cs typeface="Trebuchet MS" charset="0"/>
               </a:rPr>
               <a:t>D = TP+FP (detections)</a:t>
             </a:r>
-            <a:endParaRPr lang="en-US" dirty="0">
-              <a:latin typeface="Trebuchet MS" charset="0"/>
-              <a:ea typeface="Trebuchet MS" charset="0"/>
-              <a:cs typeface="Trebuchet MS" charset="0"/>
-            </a:endParaRPr>
           </a:p>
         </p:txBody>
       </p:sp>
@@ -26697,7 +28132,7 @@
           <a:lstStyle/>
           <a:p>
             <a:r>
-              <a:rPr lang="en-US" dirty="0" smtClean="0">
+              <a:rPr lang="en-US" dirty="0">
                 <a:latin typeface="Times" charset="0"/>
                 <a:ea typeface="Times" charset="0"/>
                 <a:cs typeface="Times" charset="0"/>
@@ -26705,7 +28140,7 @@
               <a:t>Negative (</a:t>
             </a:r>
             <a:r>
-              <a:rPr lang="en-US" i="1" dirty="0" smtClean="0">
+              <a:rPr lang="en-US" i="1" dirty="0">
                 <a:latin typeface="Times" charset="0"/>
                 <a:ea typeface="Times" charset="0"/>
                 <a:cs typeface="Times" charset="0"/>
@@ -26713,18 +28148,84 @@
               <a:t>FN</a:t>
             </a:r>
             <a:r>
-              <a:rPr lang="en-US" dirty="0" smtClean="0">
+              <a:rPr lang="en-US" dirty="0">
                 <a:latin typeface="Times" charset="0"/>
                 <a:ea typeface="Times" charset="0"/>
                 <a:cs typeface="Times" charset="0"/>
               </a:rPr>
               <a:t>):</a:t>
             </a:r>
-            <a:endParaRPr lang="en-US" dirty="0">
-              <a:latin typeface="Times" charset="0"/>
-              <a:ea typeface="Times" charset="0"/>
-              <a:cs typeface="Times" charset="0"/>
-            </a:endParaRPr>
+          </a:p>
+        </p:txBody>
+      </p:sp>
+      <p:sp>
+        <p:nvSpPr>
+          <p:cNvPr id="8" name="Slide Number Placeholder 7">
+            <a:extLst>
+              <a:ext uri="{FF2B5EF4-FFF2-40B4-BE49-F238E27FC236}">
+                <a16:creationId xmlns:a16="http://schemas.microsoft.com/office/drawing/2014/main" id="{1CE4C079-0669-3F47-9B4B-FFDEDCE6A502}"/>
+              </a:ext>
+            </a:extLst>
+          </p:cNvPr>
+          <p:cNvSpPr>
+            <a:spLocks noGrp="1"/>
+          </p:cNvSpPr>
+          <p:nvPr>
+            <p:ph type="sldNum" sz="quarter" idx="12"/>
+          </p:nvPr>
+        </p:nvSpPr>
+        <p:spPr/>
+        <p:txBody>
+          <a:bodyPr/>
+          <a:lstStyle/>
+          <a:p>
+            <a:fld id="{9C0B2870-7350-8D40-A01A-CE539DF873CB}" type="slidenum">
+              <a:rPr lang="en-US" smtClean="0"/>
+              <a:t>7</a:t>
+            </a:fld>
+            <a:endParaRPr lang="en-US"/>
+          </a:p>
+        </p:txBody>
+      </p:sp>
+      <p:sp>
+        <p:nvSpPr>
+          <p:cNvPr id="21" name="TextBox 20">
+            <a:extLst>
+              <a:ext uri="{FF2B5EF4-FFF2-40B4-BE49-F238E27FC236}">
+                <a16:creationId xmlns:a16="http://schemas.microsoft.com/office/drawing/2014/main" id="{D16FB708-F0B1-BD4A-911A-910298A6023A}"/>
+              </a:ext>
+            </a:extLst>
+          </p:cNvPr>
+          <p:cNvSpPr txBox="1"/>
+          <p:nvPr/>
+        </p:nvSpPr>
+        <p:spPr>
+          <a:xfrm>
+            <a:off x="3596797" y="6582975"/>
+            <a:ext cx="1950406" cy="276999"/>
+          </a:xfrm>
+          <a:prstGeom prst="rect">
+            <a:avLst/>
+          </a:prstGeom>
+          <a:noFill/>
+        </p:spPr>
+        <p:txBody>
+          <a:bodyPr wrap="none" rtlCol="0">
+            <a:spAutoFit/>
+          </a:bodyPr>
+          <a:lstStyle/>
+          <a:p>
+            <a:r>
+              <a:rPr lang="en-US" sz="1200" dirty="0">
+                <a:solidFill>
+                  <a:schemeClr val="tx1">
+                    <a:lumMod val="75000"/>
+                    <a:lumOff val="25000"/>
+                  </a:schemeClr>
+                </a:solidFill>
+              </a:rPr>
+              <a:t>PAT05_ConfisionMatrix.pptx</a:t>
+            </a:r>
           </a:p>
         </p:txBody>
       </p:sp>
@@ -26738,13 +28239,6 @@
   <p:clrMapOvr>
     <a:masterClrMapping/>
   </p:clrMapOvr>
-  <p:timing>
-    <p:tnLst>
-      <p:par>
-        <p:cTn id="1" dur="indefinite" restart="never" nodeType="tmRoot"/>
-      </p:par>
-    </p:tnLst>
-  </p:timing>
 </p:sld>
 </file>
 
@@ -26818,18 +28312,84 @@
           <a:lstStyle/>
           <a:p>
             <a:r>
-              <a:rPr lang="en-US" dirty="0" smtClean="0">
+              <a:rPr lang="en-US" dirty="0">
                 <a:latin typeface="Trebuchet MS" charset="0"/>
                 <a:ea typeface="Trebuchet MS" charset="0"/>
                 <a:cs typeface="Trebuchet MS" charset="0"/>
               </a:rPr>
               <a:t>[ DEFINITIONS ]</a:t>
             </a:r>
-            <a:endParaRPr lang="en-US" dirty="0">
-              <a:latin typeface="Trebuchet MS" charset="0"/>
-              <a:ea typeface="Trebuchet MS" charset="0"/>
-              <a:cs typeface="Trebuchet MS" charset="0"/>
-            </a:endParaRPr>
+          </a:p>
+        </p:txBody>
+      </p:sp>
+      <p:sp>
+        <p:nvSpPr>
+          <p:cNvPr id="2" name="Slide Number Placeholder 1">
+            <a:extLst>
+              <a:ext uri="{FF2B5EF4-FFF2-40B4-BE49-F238E27FC236}">
+                <a16:creationId xmlns:a16="http://schemas.microsoft.com/office/drawing/2014/main" id="{EB87CAE3-ACE7-8948-8235-DDC7BDC695CE}"/>
+              </a:ext>
+            </a:extLst>
+          </p:cNvPr>
+          <p:cNvSpPr>
+            <a:spLocks noGrp="1"/>
+          </p:cNvSpPr>
+          <p:nvPr>
+            <p:ph type="sldNum" sz="quarter" idx="12"/>
+          </p:nvPr>
+        </p:nvSpPr>
+        <p:spPr/>
+        <p:txBody>
+          <a:bodyPr/>
+          <a:lstStyle/>
+          <a:p>
+            <a:fld id="{9C0B2870-7350-8D40-A01A-CE539DF873CB}" type="slidenum">
+              <a:rPr lang="en-US" smtClean="0"/>
+              <a:t>8</a:t>
+            </a:fld>
+            <a:endParaRPr lang="en-US"/>
+          </a:p>
+        </p:txBody>
+      </p:sp>
+      <p:sp>
+        <p:nvSpPr>
+          <p:cNvPr id="6" name="TextBox 5">
+            <a:extLst>
+              <a:ext uri="{FF2B5EF4-FFF2-40B4-BE49-F238E27FC236}">
+                <a16:creationId xmlns:a16="http://schemas.microsoft.com/office/drawing/2014/main" id="{26315B85-2C73-B740-B366-117E88AF1DD2}"/>
+              </a:ext>
+            </a:extLst>
+          </p:cNvPr>
+          <p:cNvSpPr txBox="1"/>
+          <p:nvPr/>
+        </p:nvSpPr>
+        <p:spPr>
+          <a:xfrm>
+            <a:off x="3596797" y="6582975"/>
+            <a:ext cx="1950406" cy="276999"/>
+          </a:xfrm>
+          <a:prstGeom prst="rect">
+            <a:avLst/>
+          </a:prstGeom>
+          <a:noFill/>
+        </p:spPr>
+        <p:txBody>
+          <a:bodyPr wrap="none" rtlCol="0">
+            <a:spAutoFit/>
+          </a:bodyPr>
+          <a:lstStyle/>
+          <a:p>
+            <a:r>
+              <a:rPr lang="en-US" sz="1200" dirty="0">
+                <a:solidFill>
+                  <a:schemeClr val="tx1">
+                    <a:lumMod val="75000"/>
+                    <a:lumOff val="25000"/>
+                  </a:schemeClr>
+                </a:solidFill>
+              </a:rPr>
+              <a:t>PAT05_ConfisionMatrix.pptx</a:t>
+            </a:r>
           </a:p>
         </p:txBody>
       </p:sp>
@@ -26843,13 +28403,6 @@
   <p:clrMapOvr>
     <a:masterClrMapping/>
   </p:clrMapOvr>
-  <p:timing>
-    <p:tnLst>
-      <p:par>
-        <p:cTn id="1" dur="indefinite" restart="never" nodeType="tmRoot"/>
-      </p:par>
-    </p:tnLst>
-  </p:timing>
 </p:sld>
 </file>
 
@@ -26893,18 +28446,13 @@
           <a:lstStyle/>
           <a:p>
             <a:r>
-              <a:rPr lang="en-US" dirty="0" smtClean="0">
+              <a:rPr lang="en-US" dirty="0">
                 <a:latin typeface="Trebuchet MS" charset="0"/>
                 <a:ea typeface="Trebuchet MS" charset="0"/>
                 <a:cs typeface="Trebuchet MS" charset="0"/>
               </a:rPr>
               <a:t>[ EXAMPLE ]</a:t>
             </a:r>
-            <a:endParaRPr lang="en-US" dirty="0">
-              <a:latin typeface="Trebuchet MS" charset="0"/>
-              <a:ea typeface="Trebuchet MS" charset="0"/>
-              <a:cs typeface="Trebuchet MS" charset="0"/>
-            </a:endParaRPr>
           </a:p>
         </p:txBody>
       </p:sp>
@@ -26964,14 +28512,13 @@
           <a:lstStyle/>
           <a:p>
             <a:r>
-              <a:rPr lang="en-US" dirty="0" smtClean="0"/>
+              <a:rPr lang="en-US" dirty="0"/>
               <a:t>x</a:t>
             </a:r>
             <a:r>
-              <a:rPr lang="en-US" baseline="-25000" dirty="0" smtClean="0"/>
+              <a:rPr lang="en-US" baseline="-25000" dirty="0"/>
               <a:t>1</a:t>
             </a:r>
-            <a:endParaRPr lang="en-US" baseline="-25000" dirty="0"/>
           </a:p>
         </p:txBody>
       </p:sp>
@@ -26998,7 +28545,7 @@
           <a:lstStyle/>
           <a:p>
             <a:r>
-              <a:rPr lang="en-US" dirty="0" smtClean="0"/>
+              <a:rPr lang="en-US" dirty="0"/>
               <a:t>x</a:t>
             </a:r>
             <a:r>
@@ -27031,18 +28578,13 @@
           <a:lstStyle/>
           <a:p>
             <a:r>
-              <a:rPr lang="en-US" dirty="0" smtClean="0">
+              <a:rPr lang="en-US" dirty="0">
                 <a:solidFill>
                   <a:srgbClr val="0070C0"/>
                 </a:solidFill>
               </a:rPr>
               <a:t>o : class 0 </a:t>
             </a:r>
-            <a:endParaRPr lang="en-US" dirty="0">
-              <a:solidFill>
-                <a:srgbClr val="0070C0"/>
-              </a:solidFill>
-            </a:endParaRPr>
           </a:p>
         </p:txBody>
       </p:sp>
@@ -27124,7 +28666,7 @@
             <a:lstStyle/>
             <a:p>
               <a:r>
-                <a:rPr lang="mr-IN" dirty="0" smtClean="0">
+                <a:rPr lang="mr-IN" dirty="0">
                   <a:solidFill>
                     <a:srgbClr val="FF0000"/>
                   </a:solidFill>
@@ -27162,7 +28704,7 @@
             <a:lstStyle/>
             <a:p>
               <a:r>
-                <a:rPr lang="mr-IN" dirty="0" smtClean="0">
+                <a:rPr lang="mr-IN" dirty="0">
                   <a:solidFill>
                     <a:srgbClr val="FF0000"/>
                   </a:solidFill>
@@ -27200,7 +28742,7 @@
             <a:lstStyle/>
             <a:p>
               <a:r>
-                <a:rPr lang="mr-IN" dirty="0" smtClean="0">
+                <a:rPr lang="mr-IN" dirty="0">
                   <a:solidFill>
                     <a:srgbClr val="FF0000"/>
                   </a:solidFill>
@@ -27238,7 +28780,7 @@
             <a:lstStyle/>
             <a:p>
               <a:r>
-                <a:rPr lang="mr-IN" dirty="0" smtClean="0">
+                <a:rPr lang="mr-IN" dirty="0">
                   <a:solidFill>
                     <a:srgbClr val="FF0000"/>
                   </a:solidFill>
@@ -27276,7 +28818,7 @@
             <a:lstStyle/>
             <a:p>
               <a:r>
-                <a:rPr lang="mr-IN" dirty="0" smtClean="0">
+                <a:rPr lang="mr-IN" dirty="0">
                   <a:solidFill>
                     <a:srgbClr val="FF0000"/>
                   </a:solidFill>
@@ -27314,7 +28856,7 @@
             <a:lstStyle/>
             <a:p>
               <a:r>
-                <a:rPr lang="mr-IN" dirty="0" smtClean="0">
+                <a:rPr lang="mr-IN" dirty="0">
                   <a:solidFill>
                     <a:srgbClr val="FF0000"/>
                   </a:solidFill>
@@ -27352,7 +28894,7 @@
             <a:lstStyle/>
             <a:p>
               <a:r>
-                <a:rPr lang="mr-IN" dirty="0" smtClean="0">
+                <a:rPr lang="mr-IN" dirty="0">
                   <a:solidFill>
                     <a:srgbClr val="FF0000"/>
                   </a:solidFill>
@@ -27405,7 +28947,7 @@
             <a:lstStyle/>
             <a:p>
               <a:r>
-                <a:rPr lang="mr-IN" dirty="0" smtClean="0">
+                <a:rPr lang="mr-IN" dirty="0">
                   <a:solidFill>
                     <a:srgbClr val="FF0000"/>
                   </a:solidFill>
@@ -27443,7 +28985,7 @@
             <a:lstStyle/>
             <a:p>
               <a:r>
-                <a:rPr lang="mr-IN" dirty="0" smtClean="0">
+                <a:rPr lang="mr-IN" dirty="0">
                   <a:solidFill>
                     <a:srgbClr val="FF0000"/>
                   </a:solidFill>
@@ -27481,7 +29023,7 @@
             <a:lstStyle/>
             <a:p>
               <a:r>
-                <a:rPr lang="mr-IN" dirty="0" smtClean="0">
+                <a:rPr lang="mr-IN" dirty="0">
                   <a:solidFill>
                     <a:srgbClr val="FF0000"/>
                   </a:solidFill>
@@ -27519,7 +29061,7 @@
             <a:lstStyle/>
             <a:p>
               <a:r>
-                <a:rPr lang="mr-IN" dirty="0" smtClean="0">
+                <a:rPr lang="mr-IN" dirty="0">
                   <a:solidFill>
                     <a:srgbClr val="FF0000"/>
                   </a:solidFill>
@@ -27557,7 +29099,7 @@
             <a:lstStyle/>
             <a:p>
               <a:r>
-                <a:rPr lang="mr-IN" dirty="0" smtClean="0">
+                <a:rPr lang="mr-IN" dirty="0">
                   <a:solidFill>
                     <a:srgbClr val="FF0000"/>
                   </a:solidFill>
@@ -27595,7 +29137,7 @@
             <a:lstStyle/>
             <a:p>
               <a:r>
-                <a:rPr lang="mr-IN" dirty="0" smtClean="0">
+                <a:rPr lang="mr-IN" dirty="0">
                   <a:solidFill>
                     <a:srgbClr val="FF0000"/>
                   </a:solidFill>
@@ -27633,7 +29175,7 @@
             <a:lstStyle/>
             <a:p>
               <a:r>
-                <a:rPr lang="mr-IN" dirty="0" smtClean="0">
+                <a:rPr lang="mr-IN" dirty="0">
                   <a:solidFill>
                     <a:srgbClr val="FF0000"/>
                   </a:solidFill>
@@ -27686,7 +29228,7 @@
             <a:lstStyle/>
             <a:p>
               <a:r>
-                <a:rPr lang="mr-IN" dirty="0" smtClean="0">
+                <a:rPr lang="mr-IN" dirty="0">
                   <a:solidFill>
                     <a:srgbClr val="FF0000"/>
                   </a:solidFill>
@@ -27724,7 +29266,7 @@
             <a:lstStyle/>
             <a:p>
               <a:r>
-                <a:rPr lang="mr-IN" dirty="0" smtClean="0">
+                <a:rPr lang="mr-IN" dirty="0">
                   <a:solidFill>
                     <a:srgbClr val="FF0000"/>
                   </a:solidFill>
@@ -27762,7 +29304,7 @@
             <a:lstStyle/>
             <a:p>
               <a:r>
-                <a:rPr lang="mr-IN" dirty="0" smtClean="0">
+                <a:rPr lang="mr-IN" dirty="0">
                   <a:solidFill>
                     <a:srgbClr val="FF0000"/>
                   </a:solidFill>
@@ -27800,7 +29342,7 @@
             <a:lstStyle/>
             <a:p>
               <a:r>
-                <a:rPr lang="mr-IN" dirty="0" smtClean="0">
+                <a:rPr lang="mr-IN" dirty="0">
                   <a:solidFill>
                     <a:srgbClr val="FF0000"/>
                   </a:solidFill>
@@ -27838,7 +29380,7 @@
             <a:lstStyle/>
             <a:p>
               <a:r>
-                <a:rPr lang="mr-IN" dirty="0" smtClean="0">
+                <a:rPr lang="mr-IN" dirty="0">
                   <a:solidFill>
                     <a:srgbClr val="FF0000"/>
                   </a:solidFill>
@@ -27876,7 +29418,7 @@
             <a:lstStyle/>
             <a:p>
               <a:r>
-                <a:rPr lang="mr-IN" dirty="0" smtClean="0">
+                <a:rPr lang="mr-IN" dirty="0">
                   <a:solidFill>
                     <a:srgbClr val="FF0000"/>
                   </a:solidFill>
@@ -27914,7 +29456,7 @@
             <a:lstStyle/>
             <a:p>
               <a:r>
-                <a:rPr lang="mr-IN" dirty="0" smtClean="0">
+                <a:rPr lang="mr-IN" dirty="0">
                   <a:solidFill>
                     <a:srgbClr val="FF0000"/>
                   </a:solidFill>
@@ -27967,7 +29509,7 @@
             <a:lstStyle/>
             <a:p>
               <a:r>
-                <a:rPr lang="mr-IN" dirty="0" smtClean="0">
+                <a:rPr lang="mr-IN" dirty="0">
                   <a:solidFill>
                     <a:srgbClr val="FF0000"/>
                   </a:solidFill>
@@ -28005,7 +29547,7 @@
             <a:lstStyle/>
             <a:p>
               <a:r>
-                <a:rPr lang="mr-IN" dirty="0" smtClean="0">
+                <a:rPr lang="mr-IN" dirty="0">
                   <a:solidFill>
                     <a:srgbClr val="FF0000"/>
                   </a:solidFill>
@@ -28043,7 +29585,7 @@
             <a:lstStyle/>
             <a:p>
               <a:r>
-                <a:rPr lang="mr-IN" dirty="0" smtClean="0">
+                <a:rPr lang="mr-IN" dirty="0">
                   <a:solidFill>
                     <a:srgbClr val="FF0000"/>
                   </a:solidFill>
@@ -28081,7 +29623,7 @@
             <a:lstStyle/>
             <a:p>
               <a:r>
-                <a:rPr lang="mr-IN" dirty="0" smtClean="0">
+                <a:rPr lang="mr-IN" dirty="0">
                   <a:solidFill>
                     <a:srgbClr val="FF0000"/>
                   </a:solidFill>
@@ -28119,7 +29661,7 @@
             <a:lstStyle/>
             <a:p>
               <a:r>
-                <a:rPr lang="mr-IN" dirty="0" smtClean="0">
+                <a:rPr lang="mr-IN" dirty="0">
                   <a:solidFill>
                     <a:srgbClr val="FF0000"/>
                   </a:solidFill>
@@ -28157,7 +29699,7 @@
             <a:lstStyle/>
             <a:p>
               <a:r>
-                <a:rPr lang="mr-IN" dirty="0" smtClean="0">
+                <a:rPr lang="mr-IN" dirty="0">
                   <a:solidFill>
                     <a:srgbClr val="FF0000"/>
                   </a:solidFill>
@@ -28195,7 +29737,7 @@
             <a:lstStyle/>
             <a:p>
               <a:r>
-                <a:rPr lang="mr-IN" dirty="0" smtClean="0">
+                <a:rPr lang="mr-IN" dirty="0">
                   <a:solidFill>
                     <a:srgbClr val="FF0000"/>
                   </a:solidFill>
@@ -28248,7 +29790,7 @@
             <a:lstStyle/>
             <a:p>
               <a:r>
-                <a:rPr lang="mr-IN" dirty="0" smtClean="0">
+                <a:rPr lang="mr-IN" dirty="0">
                   <a:solidFill>
                     <a:srgbClr val="FF0000"/>
                   </a:solidFill>
@@ -28286,7 +29828,7 @@
             <a:lstStyle/>
             <a:p>
               <a:r>
-                <a:rPr lang="mr-IN" dirty="0" smtClean="0">
+                <a:rPr lang="mr-IN" dirty="0">
                   <a:solidFill>
                     <a:srgbClr val="FF0000"/>
                   </a:solidFill>
@@ -28324,7 +29866,7 @@
             <a:lstStyle/>
             <a:p>
               <a:r>
-                <a:rPr lang="mr-IN" dirty="0" smtClean="0">
+                <a:rPr lang="mr-IN" dirty="0">
                   <a:solidFill>
                     <a:srgbClr val="FF0000"/>
                   </a:solidFill>
@@ -28362,7 +29904,7 @@
             <a:lstStyle/>
             <a:p>
               <a:r>
-                <a:rPr lang="mr-IN" dirty="0" smtClean="0">
+                <a:rPr lang="mr-IN" dirty="0">
                   <a:solidFill>
                     <a:srgbClr val="FF0000"/>
                   </a:solidFill>
@@ -28400,7 +29942,7 @@
             <a:lstStyle/>
             <a:p>
               <a:r>
-                <a:rPr lang="mr-IN" dirty="0" smtClean="0">
+                <a:rPr lang="mr-IN" dirty="0">
                   <a:solidFill>
                     <a:srgbClr val="FF0000"/>
                   </a:solidFill>
@@ -28438,7 +29980,7 @@
             <a:lstStyle/>
             <a:p>
               <a:r>
-                <a:rPr lang="mr-IN" dirty="0" smtClean="0">
+                <a:rPr lang="mr-IN" dirty="0">
                   <a:solidFill>
                     <a:srgbClr val="FF0000"/>
                   </a:solidFill>
@@ -28476,7 +30018,7 @@
             <a:lstStyle/>
             <a:p>
               <a:r>
-                <a:rPr lang="mr-IN" dirty="0" smtClean="0">
+                <a:rPr lang="mr-IN" dirty="0">
                   <a:solidFill>
                     <a:srgbClr val="FF0000"/>
                   </a:solidFill>
@@ -28529,7 +30071,7 @@
             <a:lstStyle/>
             <a:p>
               <a:r>
-                <a:rPr lang="mr-IN" dirty="0" smtClean="0">
+                <a:rPr lang="mr-IN" dirty="0">
                   <a:solidFill>
                     <a:srgbClr val="FF0000"/>
                   </a:solidFill>
@@ -28567,7 +30109,7 @@
             <a:lstStyle/>
             <a:p>
               <a:r>
-                <a:rPr lang="mr-IN" dirty="0" smtClean="0">
+                <a:rPr lang="mr-IN" dirty="0">
                   <a:solidFill>
                     <a:srgbClr val="FF0000"/>
                   </a:solidFill>
@@ -28605,7 +30147,7 @@
             <a:lstStyle/>
             <a:p>
               <a:r>
-                <a:rPr lang="mr-IN" dirty="0" smtClean="0">
+                <a:rPr lang="mr-IN" dirty="0">
                   <a:solidFill>
                     <a:srgbClr val="FF0000"/>
                   </a:solidFill>
@@ -28643,7 +30185,7 @@
             <a:lstStyle/>
             <a:p>
               <a:r>
-                <a:rPr lang="mr-IN" dirty="0" smtClean="0">
+                <a:rPr lang="mr-IN" dirty="0">
                   <a:solidFill>
                     <a:srgbClr val="FF0000"/>
                   </a:solidFill>
@@ -28681,7 +30223,7 @@
             <a:lstStyle/>
             <a:p>
               <a:r>
-                <a:rPr lang="mr-IN" dirty="0" smtClean="0">
+                <a:rPr lang="mr-IN" dirty="0">
                   <a:solidFill>
                     <a:srgbClr val="FF0000"/>
                   </a:solidFill>
@@ -28719,7 +30261,7 @@
             <a:lstStyle/>
             <a:p>
               <a:r>
-                <a:rPr lang="mr-IN" dirty="0" smtClean="0">
+                <a:rPr lang="mr-IN" dirty="0">
                   <a:solidFill>
                     <a:srgbClr val="FF0000"/>
                   </a:solidFill>
@@ -28757,7 +30299,7 @@
             <a:lstStyle/>
             <a:p>
               <a:r>
-                <a:rPr lang="mr-IN" dirty="0" smtClean="0">
+                <a:rPr lang="mr-IN" dirty="0">
                   <a:solidFill>
                     <a:srgbClr val="FF0000"/>
                   </a:solidFill>
@@ -28796,18 +30338,13 @@
           <a:lstStyle/>
           <a:p>
             <a:r>
-              <a:rPr lang="en-US" dirty="0" smtClean="0">
+              <a:rPr lang="en-US" dirty="0">
                 <a:solidFill>
                   <a:srgbClr val="0070C0"/>
                 </a:solidFill>
               </a:rPr>
               <a:t>o</a:t>
             </a:r>
-            <a:endParaRPr lang="en-US" dirty="0">
-              <a:solidFill>
-                <a:srgbClr val="0070C0"/>
-              </a:solidFill>
-            </a:endParaRPr>
           </a:p>
         </p:txBody>
       </p:sp>
@@ -28834,18 +30371,13 @@
           <a:lstStyle/>
           <a:p>
             <a:r>
-              <a:rPr lang="en-US" dirty="0" smtClean="0">
+              <a:rPr lang="en-US" dirty="0">
                 <a:solidFill>
                   <a:srgbClr val="0070C0"/>
                 </a:solidFill>
               </a:rPr>
               <a:t>o</a:t>
             </a:r>
-            <a:endParaRPr lang="en-US" dirty="0">
-              <a:solidFill>
-                <a:srgbClr val="0070C0"/>
-              </a:solidFill>
-            </a:endParaRPr>
           </a:p>
         </p:txBody>
       </p:sp>
@@ -28872,18 +30404,13 @@
           <a:lstStyle/>
           <a:p>
             <a:r>
-              <a:rPr lang="en-US" dirty="0" smtClean="0">
+              <a:rPr lang="en-US" dirty="0">
                 <a:solidFill>
                   <a:srgbClr val="0070C0"/>
                 </a:solidFill>
               </a:rPr>
               <a:t>o</a:t>
             </a:r>
-            <a:endParaRPr lang="en-US" dirty="0">
-              <a:solidFill>
-                <a:srgbClr val="0070C0"/>
-              </a:solidFill>
-            </a:endParaRPr>
           </a:p>
         </p:txBody>
       </p:sp>
@@ -28910,18 +30437,13 @@
           <a:lstStyle/>
           <a:p>
             <a:r>
-              <a:rPr lang="en-US" dirty="0" smtClean="0">
+              <a:rPr lang="en-US" dirty="0">
                 <a:solidFill>
                   <a:srgbClr val="0070C0"/>
                 </a:solidFill>
               </a:rPr>
               <a:t>o</a:t>
             </a:r>
-            <a:endParaRPr lang="en-US" dirty="0">
-              <a:solidFill>
-                <a:srgbClr val="0070C0"/>
-              </a:solidFill>
-            </a:endParaRPr>
           </a:p>
         </p:txBody>
       </p:sp>
@@ -28948,18 +30470,13 @@
           <a:lstStyle/>
           <a:p>
             <a:r>
-              <a:rPr lang="en-US" dirty="0" smtClean="0">
+              <a:rPr lang="en-US" dirty="0">
                 <a:solidFill>
                   <a:srgbClr val="0070C0"/>
                 </a:solidFill>
               </a:rPr>
               <a:t>o</a:t>
             </a:r>
-            <a:endParaRPr lang="en-US" dirty="0">
-              <a:solidFill>
-                <a:srgbClr val="0070C0"/>
-              </a:solidFill>
-            </a:endParaRPr>
           </a:p>
         </p:txBody>
       </p:sp>
@@ -28986,18 +30503,13 @@
           <a:lstStyle/>
           <a:p>
             <a:r>
-              <a:rPr lang="en-US" dirty="0" smtClean="0">
+              <a:rPr lang="en-US" dirty="0">
                 <a:solidFill>
                   <a:srgbClr val="0070C0"/>
                 </a:solidFill>
               </a:rPr>
               <a:t>o</a:t>
             </a:r>
-            <a:endParaRPr lang="en-US" dirty="0">
-              <a:solidFill>
-                <a:srgbClr val="0070C0"/>
-              </a:solidFill>
-            </a:endParaRPr>
           </a:p>
         </p:txBody>
       </p:sp>
@@ -29024,18 +30536,13 @@
           <a:lstStyle/>
           <a:p>
             <a:r>
-              <a:rPr lang="en-US" dirty="0" smtClean="0">
+              <a:rPr lang="en-US" dirty="0">
                 <a:solidFill>
                   <a:srgbClr val="0070C0"/>
                 </a:solidFill>
               </a:rPr>
               <a:t>o</a:t>
             </a:r>
-            <a:endParaRPr lang="en-US" dirty="0">
-              <a:solidFill>
-                <a:srgbClr val="0070C0"/>
-              </a:solidFill>
-            </a:endParaRPr>
           </a:p>
         </p:txBody>
       </p:sp>
@@ -29062,18 +30569,13 @@
           <a:lstStyle/>
           <a:p>
             <a:r>
-              <a:rPr lang="en-US" dirty="0" smtClean="0">
+              <a:rPr lang="en-US" dirty="0">
                 <a:solidFill>
                   <a:srgbClr val="0070C0"/>
                 </a:solidFill>
               </a:rPr>
               <a:t>o</a:t>
             </a:r>
-            <a:endParaRPr lang="en-US" dirty="0">
-              <a:solidFill>
-                <a:srgbClr val="0070C0"/>
-              </a:solidFill>
-            </a:endParaRPr>
           </a:p>
         </p:txBody>
       </p:sp>
@@ -29100,18 +30602,13 @@
           <a:lstStyle/>
           <a:p>
             <a:r>
-              <a:rPr lang="en-US" dirty="0" smtClean="0">
+              <a:rPr lang="en-US" dirty="0">
                 <a:solidFill>
                   <a:srgbClr val="0070C0"/>
                 </a:solidFill>
               </a:rPr>
               <a:t>o</a:t>
             </a:r>
-            <a:endParaRPr lang="en-US" dirty="0">
-              <a:solidFill>
-                <a:srgbClr val="0070C0"/>
-              </a:solidFill>
-            </a:endParaRPr>
           </a:p>
         </p:txBody>
       </p:sp>
@@ -29138,18 +30635,13 @@
           <a:lstStyle/>
           <a:p>
             <a:r>
-              <a:rPr lang="en-US" dirty="0" smtClean="0">
+              <a:rPr lang="en-US" dirty="0">
                 <a:solidFill>
                   <a:srgbClr val="0070C0"/>
                 </a:solidFill>
               </a:rPr>
               <a:t>o</a:t>
             </a:r>
-            <a:endParaRPr lang="en-US" dirty="0">
-              <a:solidFill>
-                <a:srgbClr val="0070C0"/>
-              </a:solidFill>
-            </a:endParaRPr>
           </a:p>
         </p:txBody>
       </p:sp>
@@ -29176,18 +30668,13 @@
           <a:lstStyle/>
           <a:p>
             <a:r>
-              <a:rPr lang="en-US" dirty="0" smtClean="0">
+              <a:rPr lang="en-US" dirty="0">
                 <a:solidFill>
                   <a:srgbClr val="0070C0"/>
                 </a:solidFill>
               </a:rPr>
               <a:t>o</a:t>
             </a:r>
-            <a:endParaRPr lang="en-US" dirty="0">
-              <a:solidFill>
-                <a:srgbClr val="0070C0"/>
-              </a:solidFill>
-            </a:endParaRPr>
           </a:p>
         </p:txBody>
       </p:sp>
@@ -29214,18 +30701,13 @@
           <a:lstStyle/>
           <a:p>
             <a:r>
-              <a:rPr lang="en-US" dirty="0" smtClean="0">
+              <a:rPr lang="en-US" dirty="0">
                 <a:solidFill>
                   <a:srgbClr val="0070C0"/>
                 </a:solidFill>
               </a:rPr>
               <a:t>o</a:t>
             </a:r>
-            <a:endParaRPr lang="en-US" dirty="0">
-              <a:solidFill>
-                <a:srgbClr val="0070C0"/>
-              </a:solidFill>
-            </a:endParaRPr>
           </a:p>
         </p:txBody>
       </p:sp>
@@ -29252,18 +30734,13 @@
           <a:lstStyle/>
           <a:p>
             <a:r>
-              <a:rPr lang="en-US" dirty="0" smtClean="0">
+              <a:rPr lang="en-US" dirty="0">
                 <a:solidFill>
                   <a:srgbClr val="0070C0"/>
                 </a:solidFill>
               </a:rPr>
               <a:t>o</a:t>
             </a:r>
-            <a:endParaRPr lang="en-US" dirty="0">
-              <a:solidFill>
-                <a:srgbClr val="0070C0"/>
-              </a:solidFill>
-            </a:endParaRPr>
           </a:p>
         </p:txBody>
       </p:sp>
@@ -29290,18 +30767,13 @@
           <a:lstStyle/>
           <a:p>
             <a:r>
-              <a:rPr lang="en-US" dirty="0" smtClean="0">
+              <a:rPr lang="en-US" dirty="0">
                 <a:solidFill>
                   <a:srgbClr val="0070C0"/>
                 </a:solidFill>
               </a:rPr>
               <a:t>o</a:t>
             </a:r>
-            <a:endParaRPr lang="en-US" dirty="0">
-              <a:solidFill>
-                <a:srgbClr val="0070C0"/>
-              </a:solidFill>
-            </a:endParaRPr>
           </a:p>
         </p:txBody>
       </p:sp>
@@ -29328,18 +30800,13 @@
           <a:lstStyle/>
           <a:p>
             <a:r>
-              <a:rPr lang="en-US" dirty="0" smtClean="0">
+              <a:rPr lang="en-US" dirty="0">
                 <a:solidFill>
                   <a:srgbClr val="0070C0"/>
                 </a:solidFill>
               </a:rPr>
               <a:t>o</a:t>
             </a:r>
-            <a:endParaRPr lang="en-US" dirty="0">
-              <a:solidFill>
-                <a:srgbClr val="0070C0"/>
-              </a:solidFill>
-            </a:endParaRPr>
           </a:p>
         </p:txBody>
       </p:sp>
@@ -29366,18 +30833,13 @@
           <a:lstStyle/>
           <a:p>
             <a:r>
-              <a:rPr lang="en-US" dirty="0" smtClean="0">
+              <a:rPr lang="en-US" dirty="0">
                 <a:solidFill>
                   <a:srgbClr val="0070C0"/>
                 </a:solidFill>
               </a:rPr>
               <a:t>o</a:t>
             </a:r>
-            <a:endParaRPr lang="en-US" dirty="0">
-              <a:solidFill>
-                <a:srgbClr val="0070C0"/>
-              </a:solidFill>
-            </a:endParaRPr>
           </a:p>
         </p:txBody>
       </p:sp>
@@ -29404,18 +30866,13 @@
           <a:lstStyle/>
           <a:p>
             <a:r>
-              <a:rPr lang="en-US" dirty="0" smtClean="0">
+              <a:rPr lang="en-US" dirty="0">
                 <a:solidFill>
                   <a:srgbClr val="0070C0"/>
                 </a:solidFill>
               </a:rPr>
               <a:t>o </a:t>
             </a:r>
-            <a:endParaRPr lang="en-US" dirty="0">
-              <a:solidFill>
-                <a:srgbClr val="0070C0"/>
-              </a:solidFill>
-            </a:endParaRPr>
           </a:p>
         </p:txBody>
       </p:sp>
@@ -29442,18 +30899,13 @@
           <a:lstStyle/>
           <a:p>
             <a:r>
-              <a:rPr lang="en-US" dirty="0" smtClean="0">
+              <a:rPr lang="en-US" dirty="0">
                 <a:solidFill>
                   <a:srgbClr val="0070C0"/>
                 </a:solidFill>
               </a:rPr>
               <a:t>o </a:t>
             </a:r>
-            <a:endParaRPr lang="en-US" dirty="0">
-              <a:solidFill>
-                <a:srgbClr val="0070C0"/>
-              </a:solidFill>
-            </a:endParaRPr>
           </a:p>
         </p:txBody>
       </p:sp>
@@ -29513,7 +30965,7 @@
           <a:lstStyle/>
           <a:p>
             <a:r>
-              <a:rPr lang="en-US" sz="3600" baseline="-25000" dirty="0" smtClean="0">
+              <a:rPr lang="en-US" sz="3600" baseline="-25000" dirty="0">
                 <a:solidFill>
                   <a:srgbClr val="FF0000"/>
                 </a:solidFill>
@@ -29521,18 +30973,84 @@
               <a:t>*</a:t>
             </a:r>
             <a:r>
-              <a:rPr lang="en-US" dirty="0" smtClean="0">
+              <a:rPr lang="en-US" dirty="0">
                 <a:solidFill>
                   <a:srgbClr val="FF0000"/>
                 </a:solidFill>
               </a:rPr>
               <a:t> : class 1 </a:t>
             </a:r>
-            <a:endParaRPr lang="en-US" dirty="0">
-              <a:solidFill>
-                <a:srgbClr val="FF0000"/>
-              </a:solidFill>
-            </a:endParaRPr>
+          </a:p>
+        </p:txBody>
+      </p:sp>
+      <p:sp>
+        <p:nvSpPr>
+          <p:cNvPr id="2" name="Slide Number Placeholder 1">
+            <a:extLst>
+              <a:ext uri="{FF2B5EF4-FFF2-40B4-BE49-F238E27FC236}">
+                <a16:creationId xmlns:a16="http://schemas.microsoft.com/office/drawing/2014/main" id="{3FCEBCE5-8F8B-9841-95AB-9AEABB970C7B}"/>
+              </a:ext>
+            </a:extLst>
+          </p:cNvPr>
+          <p:cNvSpPr>
+            <a:spLocks noGrp="1"/>
+          </p:cNvSpPr>
+          <p:nvPr>
+            <p:ph type="sldNum" sz="quarter" idx="12"/>
+          </p:nvPr>
+        </p:nvSpPr>
+        <p:spPr/>
+        <p:txBody>
+          <a:bodyPr/>
+          <a:lstStyle/>
+          <a:p>
+            <a:fld id="{9C0B2870-7350-8D40-A01A-CE539DF873CB}" type="slidenum">
+              <a:rPr lang="en-US" smtClean="0"/>
+              <a:t>9</a:t>
+            </a:fld>
+            <a:endParaRPr lang="en-US"/>
+          </a:p>
+        </p:txBody>
+      </p:sp>
+      <p:sp>
+        <p:nvSpPr>
+          <p:cNvPr id="77" name="TextBox 76">
+            <a:extLst>
+              <a:ext uri="{FF2B5EF4-FFF2-40B4-BE49-F238E27FC236}">
+                <a16:creationId xmlns:a16="http://schemas.microsoft.com/office/drawing/2014/main" id="{C19C77E3-950A-C54B-BB08-2F78EBB28431}"/>
+              </a:ext>
+            </a:extLst>
+          </p:cNvPr>
+          <p:cNvSpPr txBox="1"/>
+          <p:nvPr/>
+        </p:nvSpPr>
+        <p:spPr>
+          <a:xfrm>
+            <a:off x="3596797" y="6582975"/>
+            <a:ext cx="1950406" cy="276999"/>
+          </a:xfrm>
+          <a:prstGeom prst="rect">
+            <a:avLst/>
+          </a:prstGeom>
+          <a:noFill/>
+        </p:spPr>
+        <p:txBody>
+          <a:bodyPr wrap="none" rtlCol="0">
+            <a:spAutoFit/>
+          </a:bodyPr>
+          <a:lstStyle/>
+          <a:p>
+            <a:r>
+              <a:rPr lang="en-US" sz="1200" dirty="0">
+                <a:solidFill>
+                  <a:schemeClr val="tx1">
+                    <a:lumMod val="75000"/>
+                    <a:lumOff val="25000"/>
+                  </a:schemeClr>
+                </a:solidFill>
+              </a:rPr>
+              <a:t>PAT05_ConfisionMatrix.pptx</a:t>
+            </a:r>
           </a:p>
         </p:txBody>
       </p:sp>
@@ -29546,13 +31064,6 @@
   <p:clrMapOvr>
     <a:masterClrMapping/>
   </p:clrMapOvr>
-  <p:timing>
-    <p:tnLst>
-      <p:par>
-        <p:cTn id="1" dur="indefinite" restart="never" nodeType="tmRoot"/>
-      </p:par>
-    </p:tnLst>
-  </p:timing>
 </p:sld>
 </file>
 

--- a/clases/Cap05_Evaluacion/presentations/PAT05_ConfusionMatrix.pptx
+++ b/clases/Cap05_Evaluacion/presentations/PAT05_ConfusionMatrix.pptx
@@ -234,7 +234,7 @@
           <a:p>
             <a:fld id="{089CB84B-3086-824D-91F5-F571CFDD3E7D}" type="datetimeFigureOut">
               <a:rPr lang="en-US" smtClean="0"/>
-              <a:t>6/11/20</a:t>
+              <a:t>6/12/20</a:t>
             </a:fld>
             <a:endParaRPr lang="en-US"/>
           </a:p>
@@ -858,7 +858,7 @@
           <a:p>
             <a:fld id="{BBACFB44-8788-A749-9C3A-9AA984AD1C1A}" type="datetime1">
               <a:rPr lang="en-AU" smtClean="0"/>
-              <a:t>11/6/20</a:t>
+              <a:t>12/6/20</a:t>
             </a:fld>
             <a:endParaRPr lang="en-US"/>
           </a:p>
@@ -1028,7 +1028,7 @@
           <a:p>
             <a:fld id="{802F780F-C6CB-7041-B6E2-51E72636706A}" type="datetime1">
               <a:rPr lang="en-AU" smtClean="0"/>
-              <a:t>11/6/20</a:t>
+              <a:t>12/6/20</a:t>
             </a:fld>
             <a:endParaRPr lang="en-US"/>
           </a:p>
@@ -1208,7 +1208,7 @@
           <a:p>
             <a:fld id="{861E8964-5FA7-B743-BE42-A3E6EFC642D5}" type="datetime1">
               <a:rPr lang="en-AU" smtClean="0"/>
-              <a:t>11/6/20</a:t>
+              <a:t>12/6/20</a:t>
             </a:fld>
             <a:endParaRPr lang="en-US"/>
           </a:p>
@@ -1378,7 +1378,7 @@
           <a:p>
             <a:fld id="{A5CF7600-5B53-5D4B-9A1C-00C180EA4ACC}" type="datetime1">
               <a:rPr lang="en-AU" smtClean="0"/>
-              <a:t>11/6/20</a:t>
+              <a:t>12/6/20</a:t>
             </a:fld>
             <a:endParaRPr lang="en-US"/>
           </a:p>
@@ -1624,7 +1624,7 @@
           <a:p>
             <a:fld id="{FF42827D-66C1-8845-B375-046F25EBA1A4}" type="datetime1">
               <a:rPr lang="en-AU" smtClean="0"/>
-              <a:t>11/6/20</a:t>
+              <a:t>12/6/20</a:t>
             </a:fld>
             <a:endParaRPr lang="en-US"/>
           </a:p>
@@ -1912,7 +1912,7 @@
           <a:p>
             <a:fld id="{3F27383E-F0B0-864C-812F-BC6E84BFA2A6}" type="datetime1">
               <a:rPr lang="en-AU" smtClean="0"/>
-              <a:t>11/6/20</a:t>
+              <a:t>12/6/20</a:t>
             </a:fld>
             <a:endParaRPr lang="en-US"/>
           </a:p>
@@ -2334,7 +2334,7 @@
           <a:p>
             <a:fld id="{93407324-84E3-C540-9709-EC8DF05107DA}" type="datetime1">
               <a:rPr lang="en-AU" smtClean="0"/>
-              <a:t>11/6/20</a:t>
+              <a:t>12/6/20</a:t>
             </a:fld>
             <a:endParaRPr lang="en-US"/>
           </a:p>
@@ -2452,7 +2452,7 @@
           <a:p>
             <a:fld id="{85D2A8C1-D0A5-1B46-B38F-340CFD2E2291}" type="datetime1">
               <a:rPr lang="en-AU" smtClean="0"/>
-              <a:t>11/6/20</a:t>
+              <a:t>12/6/20</a:t>
             </a:fld>
             <a:endParaRPr lang="en-US"/>
           </a:p>
@@ -2547,7 +2547,7 @@
           <a:p>
             <a:fld id="{F9796F46-70AC-6544-A2FE-763317A50DAB}" type="datetime1">
               <a:rPr lang="en-AU" smtClean="0"/>
-              <a:t>11/6/20</a:t>
+              <a:t>12/6/20</a:t>
             </a:fld>
             <a:endParaRPr lang="en-US"/>
           </a:p>
@@ -2824,7 +2824,7 @@
           <a:p>
             <a:fld id="{7ED028BD-4543-B247-8A97-C3039CA92649}" type="datetime1">
               <a:rPr lang="en-AU" smtClean="0"/>
-              <a:t>11/6/20</a:t>
+              <a:t>12/6/20</a:t>
             </a:fld>
             <a:endParaRPr lang="en-US"/>
           </a:p>
@@ -3077,7 +3077,7 @@
           <a:p>
             <a:fld id="{DD60C97B-51D3-2849-AFA0-E2276A30B22F}" type="datetime1">
               <a:rPr lang="en-AU" smtClean="0"/>
-              <a:t>11/6/20</a:t>
+              <a:t>12/6/20</a:t>
             </a:fld>
             <a:endParaRPr lang="en-US"/>
           </a:p>
@@ -3288,7 +3288,7 @@
           <a:p>
             <a:fld id="{A7890746-FE7D-114C-97D5-F9F4EAF1830F}" type="datetime1">
               <a:rPr lang="en-AU" smtClean="0"/>
-              <a:t>11/6/20</a:t>
+              <a:t>12/6/20</a:t>
             </a:fld>
             <a:endParaRPr lang="en-US"/>
           </a:p>
@@ -4064,17 +4064,6 @@
           </a:p>
           <a:p>
             <a:pPr algn="ctr"/>
-            <a:r>
-              <a:rPr lang="es-CL" sz="1200" dirty="0">
-                <a:solidFill>
-                  <a:schemeClr val="bg1">
-                    <a:lumMod val="75000"/>
-                  </a:schemeClr>
-                </a:solidFill>
-                <a:latin typeface="Trebuchet MS" pitchFamily="34" charset="0"/>
-              </a:rPr>
-              <a:t>Semestre 2018-1</a:t>
-            </a:r>
             <a:endParaRPr lang="en-US" sz="1200" dirty="0">
               <a:solidFill>
                 <a:schemeClr val="bg1">
@@ -9807,8 +9796,8 @@
         </p:nvSpPr>
         <p:spPr>
           <a:xfrm>
-            <a:off x="693684" y="3529263"/>
-            <a:ext cx="1037463" cy="369332"/>
+            <a:off x="292243" y="3529263"/>
+            <a:ext cx="1729641" cy="369332"/>
           </a:xfrm>
           <a:prstGeom prst="rect">
             <a:avLst/>
@@ -9822,8 +9811,8 @@
           <a:lstStyle/>
           <a:p>
             <a:r>
-              <a:rPr lang="en-US"/>
-              <a:t>FPR = 0%</a:t>
+              <a:rPr lang="en-US" dirty="0"/>
+              <a:t>No false positive</a:t>
             </a:r>
           </a:p>
         </p:txBody>
@@ -10079,8 +10068,8 @@
         </p:nvSpPr>
         <p:spPr>
           <a:xfrm>
-            <a:off x="7102502" y="3537285"/>
-            <a:ext cx="1277914" cy="369332"/>
+            <a:off x="6529385" y="3331469"/>
+            <a:ext cx="2027478" cy="646331"/>
           </a:xfrm>
           <a:prstGeom prst="rect">
             <a:avLst/>
@@ -10093,9 +10082,17 @@
           </a:bodyPr>
           <a:lstStyle/>
           <a:p>
+            <a:pPr algn="ctr"/>
             <a:r>
               <a:rPr lang="en-US" dirty="0"/>
-              <a:t>TPR = 100%</a:t>
+              <a:t>All positive samples</a:t>
+            </a:r>
+          </a:p>
+          <a:p>
+            <a:pPr algn="ctr"/>
+            <a:r>
+              <a:rPr lang="en-US" dirty="0"/>
+              <a:t>are detected</a:t>
             </a:r>
           </a:p>
         </p:txBody>
@@ -10195,7 +10192,7 @@
         </p:nvSpPr>
         <p:spPr>
           <a:xfrm>
-            <a:off x="7093009" y="3241096"/>
+            <a:off x="6986877" y="2948022"/>
             <a:ext cx="965970" cy="369332"/>
           </a:xfrm>
           <a:prstGeom prst="rect">
@@ -10209,8 +10206,9 @@
           </a:bodyPr>
           <a:lstStyle/>
           <a:p>
-            <a:r>
-              <a:rPr lang="en-US"/>
+            <a:pPr algn="ctr"/>
+            <a:r>
+              <a:rPr lang="en-US" dirty="0"/>
               <a:t>Extreme</a:t>
             </a:r>
           </a:p>
@@ -28229,6 +28227,36 @@
           </a:p>
         </p:txBody>
       </p:sp>
+      <p:pic>
+        <p:nvPicPr>
+          <p:cNvPr id="11" name="Picture 10">
+            <a:extLst>
+              <a:ext uri="{FF2B5EF4-FFF2-40B4-BE49-F238E27FC236}">
+                <a16:creationId xmlns:a16="http://schemas.microsoft.com/office/drawing/2014/main" id="{326CA85B-0553-344D-A91C-6BBAA725BB30}"/>
+              </a:ext>
+            </a:extLst>
+          </p:cNvPr>
+          <p:cNvPicPr>
+            <a:picLocks noChangeAspect="1"/>
+          </p:cNvPicPr>
+          <p:nvPr/>
+        </p:nvPicPr>
+        <p:blipFill>
+          <a:blip r:embed="rId6"/>
+          <a:stretch>
+            <a:fillRect/>
+          </a:stretch>
+        </p:blipFill>
+        <p:spPr>
+          <a:xfrm>
+            <a:off x="120469" y="4541688"/>
+            <a:ext cx="6912000" cy="700329"/>
+          </a:xfrm>
+          <a:prstGeom prst="rect">
+            <a:avLst/>
+          </a:prstGeom>
+        </p:spPr>
+      </p:pic>
     </p:spTree>
     <p:extLst>
       <p:ext uri="{BB962C8B-B14F-4D97-AF65-F5344CB8AC3E}">

--- a/clases/Cap05_Evaluacion/presentations/PAT05_ConfusionMatrix.pptx
+++ b/clases/Cap05_Evaluacion/presentations/PAT05_ConfusionMatrix.pptx
@@ -234,7 +234,7 @@
           <a:p>
             <a:fld id="{089CB84B-3086-824D-91F5-F571CFDD3E7D}" type="datetimeFigureOut">
               <a:rPr lang="en-US" smtClean="0"/>
-              <a:t>6/12/20</a:t>
+              <a:t>6/8/21</a:t>
             </a:fld>
             <a:endParaRPr lang="en-US"/>
           </a:p>
@@ -858,7 +858,7 @@
           <a:p>
             <a:fld id="{BBACFB44-8788-A749-9C3A-9AA984AD1C1A}" type="datetime1">
               <a:rPr lang="en-AU" smtClean="0"/>
-              <a:t>12/6/20</a:t>
+              <a:t>8/6/21</a:t>
             </a:fld>
             <a:endParaRPr lang="en-US"/>
           </a:p>
@@ -1028,7 +1028,7 @@
           <a:p>
             <a:fld id="{802F780F-C6CB-7041-B6E2-51E72636706A}" type="datetime1">
               <a:rPr lang="en-AU" smtClean="0"/>
-              <a:t>12/6/20</a:t>
+              <a:t>8/6/21</a:t>
             </a:fld>
             <a:endParaRPr lang="en-US"/>
           </a:p>
@@ -1208,7 +1208,7 @@
           <a:p>
             <a:fld id="{861E8964-5FA7-B743-BE42-A3E6EFC642D5}" type="datetime1">
               <a:rPr lang="en-AU" smtClean="0"/>
-              <a:t>12/6/20</a:t>
+              <a:t>8/6/21</a:t>
             </a:fld>
             <a:endParaRPr lang="en-US"/>
           </a:p>
@@ -1378,7 +1378,7 @@
           <a:p>
             <a:fld id="{A5CF7600-5B53-5D4B-9A1C-00C180EA4ACC}" type="datetime1">
               <a:rPr lang="en-AU" smtClean="0"/>
-              <a:t>12/6/20</a:t>
+              <a:t>8/6/21</a:t>
             </a:fld>
             <a:endParaRPr lang="en-US"/>
           </a:p>
@@ -1624,7 +1624,7 @@
           <a:p>
             <a:fld id="{FF42827D-66C1-8845-B375-046F25EBA1A4}" type="datetime1">
               <a:rPr lang="en-AU" smtClean="0"/>
-              <a:t>12/6/20</a:t>
+              <a:t>8/6/21</a:t>
             </a:fld>
             <a:endParaRPr lang="en-US"/>
           </a:p>
@@ -1912,7 +1912,7 @@
           <a:p>
             <a:fld id="{3F27383E-F0B0-864C-812F-BC6E84BFA2A6}" type="datetime1">
               <a:rPr lang="en-AU" smtClean="0"/>
-              <a:t>12/6/20</a:t>
+              <a:t>8/6/21</a:t>
             </a:fld>
             <a:endParaRPr lang="en-US"/>
           </a:p>
@@ -2334,7 +2334,7 @@
           <a:p>
             <a:fld id="{93407324-84E3-C540-9709-EC8DF05107DA}" type="datetime1">
               <a:rPr lang="en-AU" smtClean="0"/>
-              <a:t>12/6/20</a:t>
+              <a:t>8/6/21</a:t>
             </a:fld>
             <a:endParaRPr lang="en-US"/>
           </a:p>
@@ -2452,7 +2452,7 @@
           <a:p>
             <a:fld id="{85D2A8C1-D0A5-1B46-B38F-340CFD2E2291}" type="datetime1">
               <a:rPr lang="en-AU" smtClean="0"/>
-              <a:t>12/6/20</a:t>
+              <a:t>8/6/21</a:t>
             </a:fld>
             <a:endParaRPr lang="en-US"/>
           </a:p>
@@ -2547,7 +2547,7 @@
           <a:p>
             <a:fld id="{F9796F46-70AC-6544-A2FE-763317A50DAB}" type="datetime1">
               <a:rPr lang="en-AU" smtClean="0"/>
-              <a:t>12/6/20</a:t>
+              <a:t>8/6/21</a:t>
             </a:fld>
             <a:endParaRPr lang="en-US"/>
           </a:p>
@@ -2824,7 +2824,7 @@
           <a:p>
             <a:fld id="{7ED028BD-4543-B247-8A97-C3039CA92649}" type="datetime1">
               <a:rPr lang="en-AU" smtClean="0"/>
-              <a:t>12/6/20</a:t>
+              <a:t>8/6/21</a:t>
             </a:fld>
             <a:endParaRPr lang="en-US"/>
           </a:p>
@@ -3077,7 +3077,7 @@
           <a:p>
             <a:fld id="{DD60C97B-51D3-2849-AFA0-E2276A30B22F}" type="datetime1">
               <a:rPr lang="en-AU" smtClean="0"/>
-              <a:t>12/6/20</a:t>
+              <a:t>8/6/21</a:t>
             </a:fld>
             <a:endParaRPr lang="en-US"/>
           </a:p>
@@ -3288,7 +3288,7 @@
           <a:p>
             <a:fld id="{A7890746-FE7D-114C-97D5-F9F4EAF1830F}" type="datetime1">
               <a:rPr lang="en-AU" smtClean="0"/>
-              <a:t>12/6/20</a:t>
+              <a:t>8/6/21</a:t>
             </a:fld>
             <a:endParaRPr lang="en-US"/>
           </a:p>
@@ -8043,6 +8043,176 @@
           </a:p>
         </p:txBody>
       </p:sp>
+      <p:sp>
+        <p:nvSpPr>
+          <p:cNvPr id="14" name="TextBox 13">
+            <a:extLst>
+              <a:ext uri="{FF2B5EF4-FFF2-40B4-BE49-F238E27FC236}">
+                <a16:creationId xmlns:a16="http://schemas.microsoft.com/office/drawing/2014/main" id="{6131F7A4-785B-8641-A05F-7AAC3DE1D68A}"/>
+              </a:ext>
+            </a:extLst>
+          </p:cNvPr>
+          <p:cNvSpPr txBox="1"/>
+          <p:nvPr/>
+        </p:nvSpPr>
+        <p:spPr>
+          <a:xfrm>
+            <a:off x="6944139" y="2796883"/>
+            <a:ext cx="1571264" cy="369332"/>
+          </a:xfrm>
+          <a:prstGeom prst="rect">
+            <a:avLst/>
+          </a:prstGeom>
+          <a:noFill/>
+        </p:spPr>
+        <p:txBody>
+          <a:bodyPr wrap="none" rtlCol="0">
+            <a:spAutoFit/>
+          </a:bodyPr>
+          <a:lstStyle/>
+          <a:p>
+            <a:r>
+              <a:rPr lang="en-US">
+                <a:latin typeface="Trebuchet MS" charset="0"/>
+                <a:ea typeface="Trebuchet MS" charset="0"/>
+                <a:cs typeface="Trebuchet MS" charset="0"/>
+              </a:rPr>
+              <a:t>Detection </a:t>
+            </a:r>
+            <a:r>
+              <a:rPr lang="en-US" dirty="0">
+                <a:latin typeface="Trebuchet MS" charset="0"/>
+                <a:ea typeface="Trebuchet MS" charset="0"/>
+                <a:cs typeface="Trebuchet MS" charset="0"/>
+              </a:rPr>
+              <a:t>(D)</a:t>
+            </a:r>
+          </a:p>
+        </p:txBody>
+      </p:sp>
+      <p:cxnSp>
+        <p:nvCxnSpPr>
+          <p:cNvPr id="15" name="Straight Connector 14">
+            <a:extLst>
+              <a:ext uri="{FF2B5EF4-FFF2-40B4-BE49-F238E27FC236}">
+                <a16:creationId xmlns:a16="http://schemas.microsoft.com/office/drawing/2014/main" id="{FC2317E2-7C9B-B648-BE61-96D87F389CFB}"/>
+              </a:ext>
+            </a:extLst>
+          </p:cNvPr>
+          <p:cNvCxnSpPr/>
+          <p:nvPr/>
+        </p:nvCxnSpPr>
+        <p:spPr>
+          <a:xfrm flipH="1">
+            <a:off x="5020302" y="3166215"/>
+            <a:ext cx="1935698" cy="122417"/>
+          </a:xfrm>
+          <a:prstGeom prst="line">
+            <a:avLst/>
+          </a:prstGeom>
+          <a:ln w="12700">
+            <a:solidFill>
+              <a:schemeClr val="tx1"/>
+            </a:solidFill>
+            <a:prstDash val="solid"/>
+          </a:ln>
+        </p:spPr>
+        <p:style>
+          <a:lnRef idx="2">
+            <a:schemeClr val="accent1"/>
+          </a:lnRef>
+          <a:fillRef idx="0">
+            <a:schemeClr val="accent1"/>
+          </a:fillRef>
+          <a:effectRef idx="1">
+            <a:schemeClr val="accent1"/>
+          </a:effectRef>
+          <a:fontRef idx="minor">
+            <a:schemeClr val="tx1"/>
+          </a:fontRef>
+        </p:style>
+      </p:cxnSp>
+      <p:sp>
+        <p:nvSpPr>
+          <p:cNvPr id="16" name="TextBox 15">
+            <a:extLst>
+              <a:ext uri="{FF2B5EF4-FFF2-40B4-BE49-F238E27FC236}">
+                <a16:creationId xmlns:a16="http://schemas.microsoft.com/office/drawing/2014/main" id="{D3C45CFA-9B61-3443-A594-9D1F0E21F685}"/>
+              </a:ext>
+            </a:extLst>
+          </p:cNvPr>
+          <p:cNvSpPr txBox="1"/>
+          <p:nvPr/>
+        </p:nvSpPr>
+        <p:spPr>
+          <a:xfrm>
+            <a:off x="374897" y="3879724"/>
+            <a:ext cx="1543564" cy="369332"/>
+          </a:xfrm>
+          <a:prstGeom prst="rect">
+            <a:avLst/>
+          </a:prstGeom>
+          <a:noFill/>
+        </p:spPr>
+        <p:txBody>
+          <a:bodyPr wrap="none" rtlCol="0">
+            <a:spAutoFit/>
+          </a:bodyPr>
+          <a:lstStyle/>
+          <a:p>
+            <a:r>
+              <a:rPr lang="en-US" dirty="0">
+                <a:latin typeface="Trebuchet MS" charset="0"/>
+                <a:ea typeface="Trebuchet MS" charset="0"/>
+                <a:cs typeface="Trebuchet MS" charset="0"/>
+              </a:rPr>
+              <a:t>Ground Truth</a:t>
+            </a:r>
+          </a:p>
+        </p:txBody>
+      </p:sp>
+      <p:cxnSp>
+        <p:nvCxnSpPr>
+          <p:cNvPr id="17" name="Straight Connector 16">
+            <a:extLst>
+              <a:ext uri="{FF2B5EF4-FFF2-40B4-BE49-F238E27FC236}">
+                <a16:creationId xmlns:a16="http://schemas.microsoft.com/office/drawing/2014/main" id="{96326107-3E36-BA42-A9DE-6CFF3C948475}"/>
+              </a:ext>
+            </a:extLst>
+          </p:cNvPr>
+          <p:cNvCxnSpPr/>
+          <p:nvPr/>
+        </p:nvCxnSpPr>
+        <p:spPr>
+          <a:xfrm flipH="1">
+            <a:off x="1370723" y="4249056"/>
+            <a:ext cx="1935698" cy="122417"/>
+          </a:xfrm>
+          <a:prstGeom prst="line">
+            <a:avLst/>
+          </a:prstGeom>
+          <a:ln w="12700">
+            <a:solidFill>
+              <a:schemeClr val="tx1"/>
+            </a:solidFill>
+            <a:prstDash val="solid"/>
+          </a:ln>
+        </p:spPr>
+        <p:style>
+          <a:lnRef idx="2">
+            <a:schemeClr val="accent1"/>
+          </a:lnRef>
+          <a:fillRef idx="0">
+            <a:schemeClr val="accent1"/>
+          </a:fillRef>
+          <a:effectRef idx="1">
+            <a:schemeClr val="accent1"/>
+          </a:effectRef>
+          <a:fontRef idx="minor">
+            <a:schemeClr val="tx1"/>
+          </a:fontRef>
+        </p:style>
+      </p:cxnSp>
     </p:spTree>
     <p:extLst>
       <p:ext uri="{BB962C8B-B14F-4D97-AF65-F5344CB8AC3E}">
@@ -8940,6 +9110,176 @@
           </a:p>
         </p:txBody>
       </p:sp>
+      <p:sp>
+        <p:nvSpPr>
+          <p:cNvPr id="17" name="TextBox 16">
+            <a:extLst>
+              <a:ext uri="{FF2B5EF4-FFF2-40B4-BE49-F238E27FC236}">
+                <a16:creationId xmlns:a16="http://schemas.microsoft.com/office/drawing/2014/main" id="{0BB92C53-EE4B-1543-AE12-F65300307ED6}"/>
+              </a:ext>
+            </a:extLst>
+          </p:cNvPr>
+          <p:cNvSpPr txBox="1"/>
+          <p:nvPr/>
+        </p:nvSpPr>
+        <p:spPr>
+          <a:xfrm>
+            <a:off x="6944139" y="2796883"/>
+            <a:ext cx="1571264" cy="369332"/>
+          </a:xfrm>
+          <a:prstGeom prst="rect">
+            <a:avLst/>
+          </a:prstGeom>
+          <a:noFill/>
+        </p:spPr>
+        <p:txBody>
+          <a:bodyPr wrap="none" rtlCol="0">
+            <a:spAutoFit/>
+          </a:bodyPr>
+          <a:lstStyle/>
+          <a:p>
+            <a:r>
+              <a:rPr lang="en-US">
+                <a:latin typeface="Trebuchet MS" charset="0"/>
+                <a:ea typeface="Trebuchet MS" charset="0"/>
+                <a:cs typeface="Trebuchet MS" charset="0"/>
+              </a:rPr>
+              <a:t>Detection </a:t>
+            </a:r>
+            <a:r>
+              <a:rPr lang="en-US" dirty="0">
+                <a:latin typeface="Trebuchet MS" charset="0"/>
+                <a:ea typeface="Trebuchet MS" charset="0"/>
+                <a:cs typeface="Trebuchet MS" charset="0"/>
+              </a:rPr>
+              <a:t>(D)</a:t>
+            </a:r>
+          </a:p>
+        </p:txBody>
+      </p:sp>
+      <p:cxnSp>
+        <p:nvCxnSpPr>
+          <p:cNvPr id="18" name="Straight Connector 17">
+            <a:extLst>
+              <a:ext uri="{FF2B5EF4-FFF2-40B4-BE49-F238E27FC236}">
+                <a16:creationId xmlns:a16="http://schemas.microsoft.com/office/drawing/2014/main" id="{8797CBA2-9102-AA44-8267-989B6DD9E0CA}"/>
+              </a:ext>
+            </a:extLst>
+          </p:cNvPr>
+          <p:cNvCxnSpPr/>
+          <p:nvPr/>
+        </p:nvCxnSpPr>
+        <p:spPr>
+          <a:xfrm flipH="1">
+            <a:off x="5020302" y="3166215"/>
+            <a:ext cx="1935698" cy="122417"/>
+          </a:xfrm>
+          <a:prstGeom prst="line">
+            <a:avLst/>
+          </a:prstGeom>
+          <a:ln w="12700">
+            <a:solidFill>
+              <a:schemeClr val="tx1"/>
+            </a:solidFill>
+            <a:prstDash val="solid"/>
+          </a:ln>
+        </p:spPr>
+        <p:style>
+          <a:lnRef idx="2">
+            <a:schemeClr val="accent1"/>
+          </a:lnRef>
+          <a:fillRef idx="0">
+            <a:schemeClr val="accent1"/>
+          </a:fillRef>
+          <a:effectRef idx="1">
+            <a:schemeClr val="accent1"/>
+          </a:effectRef>
+          <a:fontRef idx="minor">
+            <a:schemeClr val="tx1"/>
+          </a:fontRef>
+        </p:style>
+      </p:cxnSp>
+      <p:sp>
+        <p:nvSpPr>
+          <p:cNvPr id="19" name="TextBox 18">
+            <a:extLst>
+              <a:ext uri="{FF2B5EF4-FFF2-40B4-BE49-F238E27FC236}">
+                <a16:creationId xmlns:a16="http://schemas.microsoft.com/office/drawing/2014/main" id="{A3650D91-183D-4D45-8FC1-DA3ED99C9EB8}"/>
+              </a:ext>
+            </a:extLst>
+          </p:cNvPr>
+          <p:cNvSpPr txBox="1"/>
+          <p:nvPr/>
+        </p:nvSpPr>
+        <p:spPr>
+          <a:xfrm>
+            <a:off x="374897" y="3879724"/>
+            <a:ext cx="1543564" cy="369332"/>
+          </a:xfrm>
+          <a:prstGeom prst="rect">
+            <a:avLst/>
+          </a:prstGeom>
+          <a:noFill/>
+        </p:spPr>
+        <p:txBody>
+          <a:bodyPr wrap="none" rtlCol="0">
+            <a:spAutoFit/>
+          </a:bodyPr>
+          <a:lstStyle/>
+          <a:p>
+            <a:r>
+              <a:rPr lang="en-US" dirty="0">
+                <a:latin typeface="Trebuchet MS" charset="0"/>
+                <a:ea typeface="Trebuchet MS" charset="0"/>
+                <a:cs typeface="Trebuchet MS" charset="0"/>
+              </a:rPr>
+              <a:t>Ground Truth</a:t>
+            </a:r>
+          </a:p>
+        </p:txBody>
+      </p:sp>
+      <p:cxnSp>
+        <p:nvCxnSpPr>
+          <p:cNvPr id="20" name="Straight Connector 19">
+            <a:extLst>
+              <a:ext uri="{FF2B5EF4-FFF2-40B4-BE49-F238E27FC236}">
+                <a16:creationId xmlns:a16="http://schemas.microsoft.com/office/drawing/2014/main" id="{986D8BF6-3D0A-D14B-AB48-538A08DECA65}"/>
+              </a:ext>
+            </a:extLst>
+          </p:cNvPr>
+          <p:cNvCxnSpPr/>
+          <p:nvPr/>
+        </p:nvCxnSpPr>
+        <p:spPr>
+          <a:xfrm flipH="1">
+            <a:off x="1370723" y="4249056"/>
+            <a:ext cx="1935698" cy="122417"/>
+          </a:xfrm>
+          <a:prstGeom prst="line">
+            <a:avLst/>
+          </a:prstGeom>
+          <a:ln w="12700">
+            <a:solidFill>
+              <a:schemeClr val="tx1"/>
+            </a:solidFill>
+            <a:prstDash val="solid"/>
+          </a:ln>
+        </p:spPr>
+        <p:style>
+          <a:lnRef idx="2">
+            <a:schemeClr val="accent1"/>
+          </a:lnRef>
+          <a:fillRef idx="0">
+            <a:schemeClr val="accent1"/>
+          </a:fillRef>
+          <a:effectRef idx="1">
+            <a:schemeClr val="accent1"/>
+          </a:effectRef>
+          <a:fontRef idx="minor">
+            <a:schemeClr val="tx1"/>
+          </a:fontRef>
+        </p:style>
+      </p:cxnSp>
     </p:spTree>
     <p:extLst>
       <p:ext uri="{BB962C8B-B14F-4D97-AF65-F5344CB8AC3E}">
@@ -28435,7 +28775,7 @@
 </file>
 
 <file path=ppt/slides/slide9.xml><?xml version="1.0" encoding="utf-8"?>
-<p:sld xmlns:a="http://schemas.openxmlformats.org/drawingml/2006/main" xmlns:r="http://schemas.openxmlformats.org/officeDocument/2006/relationships" xmlns:p="http://schemas.openxmlformats.org/presentationml/2006/main">
+<p:sld xmlns:a="http://schemas.openxmlformats.org/drawingml/2006/main" xmlns:r="http://schemas.openxmlformats.org/officeDocument/2006/relationships" xmlns:p="http://schemas.openxmlformats.org/presentationml/2006/main" show="0">
   <p:cSld>
     <p:spTree>
       <p:nvGrpSpPr>

--- a/clases/Cap05_Evaluacion/presentations/PAT05_ConfusionMatrix.pptx
+++ b/clases/Cap05_Evaluacion/presentations/PAT05_ConfusionMatrix.pptx
@@ -234,7 +234,7 @@
           <a:p>
             <a:fld id="{089CB84B-3086-824D-91F5-F571CFDD3E7D}" type="datetimeFigureOut">
               <a:rPr lang="en-US" smtClean="0"/>
-              <a:t>6/8/21</a:t>
+              <a:t>6/9/21</a:t>
             </a:fld>
             <a:endParaRPr lang="en-US"/>
           </a:p>
@@ -858,7 +858,7 @@
           <a:p>
             <a:fld id="{BBACFB44-8788-A749-9C3A-9AA984AD1C1A}" type="datetime1">
               <a:rPr lang="en-AU" smtClean="0"/>
-              <a:t>8/6/21</a:t>
+              <a:t>9/6/21</a:t>
             </a:fld>
             <a:endParaRPr lang="en-US"/>
           </a:p>
@@ -1028,7 +1028,7 @@
           <a:p>
             <a:fld id="{802F780F-C6CB-7041-B6E2-51E72636706A}" type="datetime1">
               <a:rPr lang="en-AU" smtClean="0"/>
-              <a:t>8/6/21</a:t>
+              <a:t>9/6/21</a:t>
             </a:fld>
             <a:endParaRPr lang="en-US"/>
           </a:p>
@@ -1208,7 +1208,7 @@
           <a:p>
             <a:fld id="{861E8964-5FA7-B743-BE42-A3E6EFC642D5}" type="datetime1">
               <a:rPr lang="en-AU" smtClean="0"/>
-              <a:t>8/6/21</a:t>
+              <a:t>9/6/21</a:t>
             </a:fld>
             <a:endParaRPr lang="en-US"/>
           </a:p>
@@ -1378,7 +1378,7 @@
           <a:p>
             <a:fld id="{A5CF7600-5B53-5D4B-9A1C-00C180EA4ACC}" type="datetime1">
               <a:rPr lang="en-AU" smtClean="0"/>
-              <a:t>8/6/21</a:t>
+              <a:t>9/6/21</a:t>
             </a:fld>
             <a:endParaRPr lang="en-US"/>
           </a:p>
@@ -1624,7 +1624,7 @@
           <a:p>
             <a:fld id="{FF42827D-66C1-8845-B375-046F25EBA1A4}" type="datetime1">
               <a:rPr lang="en-AU" smtClean="0"/>
-              <a:t>8/6/21</a:t>
+              <a:t>9/6/21</a:t>
             </a:fld>
             <a:endParaRPr lang="en-US"/>
           </a:p>
@@ -1912,7 +1912,7 @@
           <a:p>
             <a:fld id="{3F27383E-F0B0-864C-812F-BC6E84BFA2A6}" type="datetime1">
               <a:rPr lang="en-AU" smtClean="0"/>
-              <a:t>8/6/21</a:t>
+              <a:t>9/6/21</a:t>
             </a:fld>
             <a:endParaRPr lang="en-US"/>
           </a:p>
@@ -2334,7 +2334,7 @@
           <a:p>
             <a:fld id="{93407324-84E3-C540-9709-EC8DF05107DA}" type="datetime1">
               <a:rPr lang="en-AU" smtClean="0"/>
-              <a:t>8/6/21</a:t>
+              <a:t>9/6/21</a:t>
             </a:fld>
             <a:endParaRPr lang="en-US"/>
           </a:p>
@@ -2452,7 +2452,7 @@
           <a:p>
             <a:fld id="{85D2A8C1-D0A5-1B46-B38F-340CFD2E2291}" type="datetime1">
               <a:rPr lang="en-AU" smtClean="0"/>
-              <a:t>8/6/21</a:t>
+              <a:t>9/6/21</a:t>
             </a:fld>
             <a:endParaRPr lang="en-US"/>
           </a:p>
@@ -2547,7 +2547,7 @@
           <a:p>
             <a:fld id="{F9796F46-70AC-6544-A2FE-763317A50DAB}" type="datetime1">
               <a:rPr lang="en-AU" smtClean="0"/>
-              <a:t>8/6/21</a:t>
+              <a:t>9/6/21</a:t>
             </a:fld>
             <a:endParaRPr lang="en-US"/>
           </a:p>
@@ -2824,7 +2824,7 @@
           <a:p>
             <a:fld id="{7ED028BD-4543-B247-8A97-C3039CA92649}" type="datetime1">
               <a:rPr lang="en-AU" smtClean="0"/>
-              <a:t>8/6/21</a:t>
+              <a:t>9/6/21</a:t>
             </a:fld>
             <a:endParaRPr lang="en-US"/>
           </a:p>
@@ -3077,7 +3077,7 @@
           <a:p>
             <a:fld id="{DD60C97B-51D3-2849-AFA0-E2276A30B22F}" type="datetime1">
               <a:rPr lang="en-AU" smtClean="0"/>
-              <a:t>8/6/21</a:t>
+              <a:t>9/6/21</a:t>
             </a:fld>
             <a:endParaRPr lang="en-US"/>
           </a:p>
@@ -3288,7 +3288,7 @@
           <a:p>
             <a:fld id="{A7890746-FE7D-114C-97D5-F9F4EAF1830F}" type="datetime1">
               <a:rPr lang="en-AU" smtClean="0"/>
-              <a:t>8/6/21</a:t>
+              <a:t>9/6/21</a:t>
             </a:fld>
             <a:endParaRPr lang="en-US"/>
           </a:p>
@@ -14116,7 +14116,7 @@
         </p:nvSpPr>
         <p:spPr>
           <a:xfrm rot="16200000">
-            <a:off x="1597359" y="4374650"/>
+            <a:off x="1940784" y="4626640"/>
             <a:ext cx="1032847" cy="369332"/>
           </a:xfrm>
           <a:prstGeom prst="rect">
@@ -27736,6 +27736,130 @@
           </a:p>
         </p:txBody>
       </p:sp>
+      <p:sp>
+        <p:nvSpPr>
+          <p:cNvPr id="9" name="TextBox 8">
+            <a:extLst>
+              <a:ext uri="{FF2B5EF4-FFF2-40B4-BE49-F238E27FC236}">
+                <a16:creationId xmlns:a16="http://schemas.microsoft.com/office/drawing/2014/main" id="{37B334D8-32C8-EF46-B15E-701F608067B7}"/>
+              </a:ext>
+            </a:extLst>
+          </p:cNvPr>
+          <p:cNvSpPr txBox="1"/>
+          <p:nvPr/>
+        </p:nvSpPr>
+        <p:spPr>
+          <a:xfrm>
+            <a:off x="5547203" y="1388971"/>
+            <a:ext cx="3056991" cy="1384995"/>
+          </a:xfrm>
+          <a:prstGeom prst="rect">
+            <a:avLst/>
+          </a:prstGeom>
+          <a:noFill/>
+        </p:spPr>
+        <p:txBody>
+          <a:bodyPr wrap="none" rtlCol="0">
+            <a:spAutoFit/>
+          </a:bodyPr>
+          <a:lstStyle/>
+          <a:p>
+            <a:r>
+              <a:rPr lang="en-US" sz="2800" dirty="0">
+                <a:solidFill>
+                  <a:srgbClr val="FF0000"/>
+                </a:solidFill>
+              </a:rPr>
+              <a:t>TARGET DETECTION</a:t>
+            </a:r>
+          </a:p>
+          <a:p>
+            <a:endParaRPr lang="en-US" sz="2800" dirty="0">
+              <a:solidFill>
+                <a:srgbClr val="FF0000"/>
+              </a:solidFill>
+            </a:endParaRPr>
+          </a:p>
+          <a:p>
+            <a:r>
+              <a:rPr lang="en-US" sz="2800" dirty="0">
+                <a:solidFill>
+                  <a:srgbClr val="FF0000"/>
+                </a:solidFill>
+              </a:rPr>
+              <a:t>      </a:t>
+            </a:r>
+            <a:r>
+              <a:rPr lang="en-US" dirty="0">
+                <a:solidFill>
+                  <a:srgbClr val="2249CD"/>
+                </a:solidFill>
+              </a:rPr>
+              <a:t>Target        No-Target</a:t>
+            </a:r>
+          </a:p>
+        </p:txBody>
+      </p:sp>
+      <p:pic>
+        <p:nvPicPr>
+          <p:cNvPr id="20" name="Picture 19">
+            <a:extLst>
+              <a:ext uri="{FF2B5EF4-FFF2-40B4-BE49-F238E27FC236}">
+                <a16:creationId xmlns:a16="http://schemas.microsoft.com/office/drawing/2014/main" id="{83BABCC2-3428-5347-87A3-7487AF02EF9C}"/>
+              </a:ext>
+            </a:extLst>
+          </p:cNvPr>
+          <p:cNvPicPr>
+            <a:picLocks noChangeAspect="1"/>
+          </p:cNvPicPr>
+          <p:nvPr/>
+        </p:nvPicPr>
+        <p:blipFill>
+          <a:blip r:embed="rId2"/>
+          <a:stretch>
+            <a:fillRect/>
+          </a:stretch>
+        </p:blipFill>
+        <p:spPr>
+          <a:xfrm>
+            <a:off x="6300529" y="2116298"/>
+            <a:ext cx="279400" cy="177800"/>
+          </a:xfrm>
+          <a:prstGeom prst="rect">
+            <a:avLst/>
+          </a:prstGeom>
+        </p:spPr>
+      </p:pic>
+      <p:pic>
+        <p:nvPicPr>
+          <p:cNvPr id="21" name="Picture 20">
+            <a:extLst>
+              <a:ext uri="{FF2B5EF4-FFF2-40B4-BE49-F238E27FC236}">
+                <a16:creationId xmlns:a16="http://schemas.microsoft.com/office/drawing/2014/main" id="{AF7E6955-091B-BF41-A9F2-512034EE0D87}"/>
+              </a:ext>
+            </a:extLst>
+          </p:cNvPr>
+          <p:cNvPicPr>
+            <a:picLocks noChangeAspect="1"/>
+          </p:cNvPicPr>
+          <p:nvPr/>
+        </p:nvPicPr>
+        <p:blipFill>
+          <a:blip r:embed="rId3"/>
+          <a:stretch>
+            <a:fillRect/>
+          </a:stretch>
+        </p:blipFill>
+        <p:spPr>
+          <a:xfrm>
+            <a:off x="7432891" y="2122874"/>
+            <a:ext cx="292100" cy="190500"/>
+          </a:xfrm>
+          <a:prstGeom prst="rect">
+            <a:avLst/>
+          </a:prstGeom>
+        </p:spPr>
+      </p:pic>
     </p:spTree>
     <p:extLst>
       <p:ext uri="{BB962C8B-B14F-4D97-AF65-F5344CB8AC3E}">

--- a/clases/Cap05_Evaluacion/presentations/PAT05_ConfusionMatrix.pptx
+++ b/clases/Cap05_Evaluacion/presentations/PAT05_ConfusionMatrix.pptx
@@ -234,7 +234,7 @@
           <a:p>
             <a:fld id="{089CB84B-3086-824D-91F5-F571CFDD3E7D}" type="datetimeFigureOut">
               <a:rPr lang="en-US" smtClean="0"/>
-              <a:t>6/9/21</a:t>
+              <a:t>6/6/23</a:t>
             </a:fld>
             <a:endParaRPr lang="en-US"/>
           </a:p>
@@ -679,6 +679,90 @@
 </p:notes>
 </file>
 
+<file path=ppt/notesSlides/notesSlide3.xml><?xml version="1.0" encoding="utf-8"?>
+<p:notes xmlns:a="http://schemas.openxmlformats.org/drawingml/2006/main" xmlns:r="http://schemas.openxmlformats.org/officeDocument/2006/relationships" xmlns:p="http://schemas.openxmlformats.org/presentationml/2006/main">
+  <p:cSld>
+    <p:spTree>
+      <p:nvGrpSpPr>
+        <p:cNvPr id="1" name=""/>
+        <p:cNvGrpSpPr/>
+        <p:nvPr/>
+      </p:nvGrpSpPr>
+      <p:grpSpPr>
+        <a:xfrm>
+          <a:off x="0" y="0"/>
+          <a:ext cx="0" cy="0"/>
+          <a:chOff x="0" y="0"/>
+          <a:chExt cx="0" cy="0"/>
+        </a:xfrm>
+      </p:grpSpPr>
+      <p:sp>
+        <p:nvSpPr>
+          <p:cNvPr id="2" name="Slide Image Placeholder 1"/>
+          <p:cNvSpPr>
+            <a:spLocks noGrp="1" noRot="1" noChangeAspect="1"/>
+          </p:cNvSpPr>
+          <p:nvPr>
+            <p:ph type="sldImg"/>
+          </p:nvPr>
+        </p:nvSpPr>
+        <p:spPr/>
+      </p:sp>
+      <p:sp>
+        <p:nvSpPr>
+          <p:cNvPr id="3" name="Notes Placeholder 2"/>
+          <p:cNvSpPr>
+            <a:spLocks noGrp="1"/>
+          </p:cNvSpPr>
+          <p:nvPr>
+            <p:ph type="body" idx="1"/>
+          </p:nvPr>
+        </p:nvSpPr>
+        <p:spPr/>
+        <p:txBody>
+          <a:bodyPr/>
+          <a:lstStyle/>
+          <a:p>
+            <a:endParaRPr lang="en-CL" dirty="0"/>
+          </a:p>
+        </p:txBody>
+      </p:sp>
+      <p:sp>
+        <p:nvSpPr>
+          <p:cNvPr id="4" name="Slide Number Placeholder 3"/>
+          <p:cNvSpPr>
+            <a:spLocks noGrp="1"/>
+          </p:cNvSpPr>
+          <p:nvPr>
+            <p:ph type="sldNum" sz="quarter" idx="5"/>
+          </p:nvPr>
+        </p:nvSpPr>
+        <p:spPr/>
+        <p:txBody>
+          <a:bodyPr/>
+          <a:lstStyle/>
+          <a:p>
+            <a:fld id="{427E9996-E95A-6C4A-95EE-D7EBED57F47A}" type="slidenum">
+              <a:rPr lang="en-US" smtClean="0"/>
+              <a:t>19</a:t>
+            </a:fld>
+            <a:endParaRPr lang="en-US"/>
+          </a:p>
+        </p:txBody>
+      </p:sp>
+    </p:spTree>
+    <p:extLst>
+      <p:ext uri="{BB962C8B-B14F-4D97-AF65-F5344CB8AC3E}">
+        <p14:creationId xmlns:p14="http://schemas.microsoft.com/office/powerpoint/2010/main" val="2147723225"/>
+      </p:ext>
+    </p:extLst>
+  </p:cSld>
+  <p:clrMapOvr>
+    <a:masterClrMapping/>
+  </p:clrMapOvr>
+</p:notes>
+</file>
+
 <file path=ppt/slideLayouts/slideLayout1.xml><?xml version="1.0" encoding="utf-8"?>
 <p:sldLayout xmlns:a="http://schemas.openxmlformats.org/drawingml/2006/main" xmlns:r="http://schemas.openxmlformats.org/officeDocument/2006/relationships" xmlns:p="http://schemas.openxmlformats.org/presentationml/2006/main" type="title" preserve="1">
   <p:cSld name="Title Slide">
@@ -858,7 +942,7 @@
           <a:p>
             <a:fld id="{BBACFB44-8788-A749-9C3A-9AA984AD1C1A}" type="datetime1">
               <a:rPr lang="en-AU" smtClean="0"/>
-              <a:t>9/6/21</a:t>
+              <a:t>6/6/2023</a:t>
             </a:fld>
             <a:endParaRPr lang="en-US"/>
           </a:p>
@@ -1028,7 +1112,7 @@
           <a:p>
             <a:fld id="{802F780F-C6CB-7041-B6E2-51E72636706A}" type="datetime1">
               <a:rPr lang="en-AU" smtClean="0"/>
-              <a:t>9/6/21</a:t>
+              <a:t>6/6/2023</a:t>
             </a:fld>
             <a:endParaRPr lang="en-US"/>
           </a:p>
@@ -1208,7 +1292,7 @@
           <a:p>
             <a:fld id="{861E8964-5FA7-B743-BE42-A3E6EFC642D5}" type="datetime1">
               <a:rPr lang="en-AU" smtClean="0"/>
-              <a:t>9/6/21</a:t>
+              <a:t>6/6/2023</a:t>
             </a:fld>
             <a:endParaRPr lang="en-US"/>
           </a:p>
@@ -1378,7 +1462,7 @@
           <a:p>
             <a:fld id="{A5CF7600-5B53-5D4B-9A1C-00C180EA4ACC}" type="datetime1">
               <a:rPr lang="en-AU" smtClean="0"/>
-              <a:t>9/6/21</a:t>
+              <a:t>6/6/2023</a:t>
             </a:fld>
             <a:endParaRPr lang="en-US"/>
           </a:p>
@@ -1624,7 +1708,7 @@
           <a:p>
             <a:fld id="{FF42827D-66C1-8845-B375-046F25EBA1A4}" type="datetime1">
               <a:rPr lang="en-AU" smtClean="0"/>
-              <a:t>9/6/21</a:t>
+              <a:t>6/6/2023</a:t>
             </a:fld>
             <a:endParaRPr lang="en-US"/>
           </a:p>
@@ -1912,7 +1996,7 @@
           <a:p>
             <a:fld id="{3F27383E-F0B0-864C-812F-BC6E84BFA2A6}" type="datetime1">
               <a:rPr lang="en-AU" smtClean="0"/>
-              <a:t>9/6/21</a:t>
+              <a:t>6/6/2023</a:t>
             </a:fld>
             <a:endParaRPr lang="en-US"/>
           </a:p>
@@ -2334,7 +2418,7 @@
           <a:p>
             <a:fld id="{93407324-84E3-C540-9709-EC8DF05107DA}" type="datetime1">
               <a:rPr lang="en-AU" smtClean="0"/>
-              <a:t>9/6/21</a:t>
+              <a:t>6/6/2023</a:t>
             </a:fld>
             <a:endParaRPr lang="en-US"/>
           </a:p>
@@ -2452,7 +2536,7 @@
           <a:p>
             <a:fld id="{85D2A8C1-D0A5-1B46-B38F-340CFD2E2291}" type="datetime1">
               <a:rPr lang="en-AU" smtClean="0"/>
-              <a:t>9/6/21</a:t>
+              <a:t>6/6/2023</a:t>
             </a:fld>
             <a:endParaRPr lang="en-US"/>
           </a:p>
@@ -2547,7 +2631,7 @@
           <a:p>
             <a:fld id="{F9796F46-70AC-6544-A2FE-763317A50DAB}" type="datetime1">
               <a:rPr lang="en-AU" smtClean="0"/>
-              <a:t>9/6/21</a:t>
+              <a:t>6/6/2023</a:t>
             </a:fld>
             <a:endParaRPr lang="en-US"/>
           </a:p>
@@ -2824,7 +2908,7 @@
           <a:p>
             <a:fld id="{7ED028BD-4543-B247-8A97-C3039CA92649}" type="datetime1">
               <a:rPr lang="en-AU" smtClean="0"/>
-              <a:t>9/6/21</a:t>
+              <a:t>6/6/2023</a:t>
             </a:fld>
             <a:endParaRPr lang="en-US"/>
           </a:p>
@@ -3077,7 +3161,7 @@
           <a:p>
             <a:fld id="{DD60C97B-51D3-2849-AFA0-E2276A30B22F}" type="datetime1">
               <a:rPr lang="en-AU" smtClean="0"/>
-              <a:t>9/6/21</a:t>
+              <a:t>6/6/2023</a:t>
             </a:fld>
             <a:endParaRPr lang="en-US"/>
           </a:p>
@@ -3288,7 +3372,7 @@
           <a:p>
             <a:fld id="{A7890746-FE7D-114C-97D5-F9F4EAF1830F}" type="datetime1">
               <a:rPr lang="en-AU" smtClean="0"/>
-              <a:t>9/6/21</a:t>
+              <a:t>6/6/2023</a:t>
             </a:fld>
             <a:endParaRPr lang="en-US"/>
           </a:p>
@@ -13232,6 +13316,111 @@
                 </a:solidFill>
               </a:rPr>
               <a:t>PAT05_ConfisionMatrix.pptx</a:t>
+            </a:r>
+          </a:p>
+        </p:txBody>
+      </p:sp>
+      <p:sp>
+        <p:nvSpPr>
+          <p:cNvPr id="15" name="TextBox 14">
+            <a:extLst>
+              <a:ext uri="{FF2B5EF4-FFF2-40B4-BE49-F238E27FC236}">
+                <a16:creationId xmlns:a16="http://schemas.microsoft.com/office/drawing/2014/main" id="{21720ED6-7EC0-7694-8C47-3AA8F4A6A11B}"/>
+              </a:ext>
+            </a:extLst>
+          </p:cNvPr>
+          <p:cNvSpPr txBox="1"/>
+          <p:nvPr/>
+        </p:nvSpPr>
+        <p:spPr>
+          <a:xfrm>
+            <a:off x="6971639" y="3618303"/>
+            <a:ext cx="250390" cy="246221"/>
+          </a:xfrm>
+          <a:prstGeom prst="rect">
+            <a:avLst/>
+          </a:prstGeom>
+          <a:noFill/>
+        </p:spPr>
+        <p:txBody>
+          <a:bodyPr wrap="none" rtlCol="0">
+            <a:spAutoFit/>
+          </a:bodyPr>
+          <a:lstStyle/>
+          <a:p>
+            <a:r>
+              <a:rPr lang="en-CL" sz="1000" dirty="0"/>
+              <a:t>0</a:t>
+            </a:r>
+          </a:p>
+        </p:txBody>
+      </p:sp>
+      <p:sp>
+        <p:nvSpPr>
+          <p:cNvPr id="25" name="TextBox 24">
+            <a:extLst>
+              <a:ext uri="{FF2B5EF4-FFF2-40B4-BE49-F238E27FC236}">
+                <a16:creationId xmlns:a16="http://schemas.microsoft.com/office/drawing/2014/main" id="{F88216BF-52B5-02D5-93E3-4BCB5F388B03}"/>
+              </a:ext>
+            </a:extLst>
+          </p:cNvPr>
+          <p:cNvSpPr txBox="1"/>
+          <p:nvPr/>
+        </p:nvSpPr>
+        <p:spPr>
+          <a:xfrm>
+            <a:off x="7945539" y="3635987"/>
+            <a:ext cx="250390" cy="246221"/>
+          </a:xfrm>
+          <a:prstGeom prst="rect">
+            <a:avLst/>
+          </a:prstGeom>
+          <a:noFill/>
+        </p:spPr>
+        <p:txBody>
+          <a:bodyPr wrap="none" rtlCol="0">
+            <a:spAutoFit/>
+          </a:bodyPr>
+          <a:lstStyle/>
+          <a:p>
+            <a:r>
+              <a:rPr lang="en-CL" sz="1000" dirty="0"/>
+              <a:t>1</a:t>
+            </a:r>
+          </a:p>
+        </p:txBody>
+      </p:sp>
+      <p:sp>
+        <p:nvSpPr>
+          <p:cNvPr id="26" name="TextBox 25">
+            <a:extLst>
+              <a:ext uri="{FF2B5EF4-FFF2-40B4-BE49-F238E27FC236}">
+                <a16:creationId xmlns:a16="http://schemas.microsoft.com/office/drawing/2014/main" id="{AE0199CF-0B6D-4DDC-551F-659FCDA9E125}"/>
+              </a:ext>
+            </a:extLst>
+          </p:cNvPr>
+          <p:cNvSpPr txBox="1"/>
+          <p:nvPr/>
+        </p:nvSpPr>
+        <p:spPr>
+          <a:xfrm>
+            <a:off x="6937073" y="2767811"/>
+            <a:ext cx="250390" cy="246221"/>
+          </a:xfrm>
+          <a:prstGeom prst="rect">
+            <a:avLst/>
+          </a:prstGeom>
+          <a:noFill/>
+        </p:spPr>
+        <p:txBody>
+          <a:bodyPr wrap="none" rtlCol="0">
+            <a:spAutoFit/>
+          </a:bodyPr>
+          <a:lstStyle/>
+          <a:p>
+            <a:r>
+              <a:rPr lang="en-CL" sz="1000" dirty="0"/>
+              <a:t>1</a:t>
             </a:r>
           </a:p>
         </p:txBody>
@@ -18265,8 +18454,8 @@
         </p:nvSpPr>
         <p:spPr>
           <a:xfrm>
-            <a:off x="7178721" y="5059161"/>
-            <a:ext cx="2251881" cy="1438291"/>
+            <a:off x="7187463" y="5086129"/>
+            <a:ext cx="1981937" cy="1512924"/>
           </a:xfrm>
           <a:prstGeom prst="arc">
             <a:avLst>
@@ -18610,6 +18799,216 @@
                 </a:solidFill>
               </a:rPr>
               <a:t>PAT05_ConfisionMatrix.pptx</a:t>
+            </a:r>
+          </a:p>
+        </p:txBody>
+      </p:sp>
+      <p:sp>
+        <p:nvSpPr>
+          <p:cNvPr id="22" name="TextBox 21">
+            <a:extLst>
+              <a:ext uri="{FF2B5EF4-FFF2-40B4-BE49-F238E27FC236}">
+                <a16:creationId xmlns:a16="http://schemas.microsoft.com/office/drawing/2014/main" id="{85F96263-2B0E-3047-EC8E-9CECAD2840B0}"/>
+              </a:ext>
+            </a:extLst>
+          </p:cNvPr>
+          <p:cNvSpPr txBox="1"/>
+          <p:nvPr/>
+        </p:nvSpPr>
+        <p:spPr>
+          <a:xfrm>
+            <a:off x="6971639" y="3618303"/>
+            <a:ext cx="250390" cy="246221"/>
+          </a:xfrm>
+          <a:prstGeom prst="rect">
+            <a:avLst/>
+          </a:prstGeom>
+          <a:noFill/>
+        </p:spPr>
+        <p:txBody>
+          <a:bodyPr wrap="none" rtlCol="0">
+            <a:spAutoFit/>
+          </a:bodyPr>
+          <a:lstStyle/>
+          <a:p>
+            <a:r>
+              <a:rPr lang="en-CL" sz="1000" dirty="0"/>
+              <a:t>0</a:t>
+            </a:r>
+          </a:p>
+        </p:txBody>
+      </p:sp>
+      <p:sp>
+        <p:nvSpPr>
+          <p:cNvPr id="23" name="TextBox 22">
+            <a:extLst>
+              <a:ext uri="{FF2B5EF4-FFF2-40B4-BE49-F238E27FC236}">
+                <a16:creationId xmlns:a16="http://schemas.microsoft.com/office/drawing/2014/main" id="{1B170D0F-E26A-7BD4-9CB2-415AA30727CA}"/>
+              </a:ext>
+            </a:extLst>
+          </p:cNvPr>
+          <p:cNvSpPr txBox="1"/>
+          <p:nvPr/>
+        </p:nvSpPr>
+        <p:spPr>
+          <a:xfrm>
+            <a:off x="7945539" y="3635987"/>
+            <a:ext cx="250390" cy="246221"/>
+          </a:xfrm>
+          <a:prstGeom prst="rect">
+            <a:avLst/>
+          </a:prstGeom>
+          <a:noFill/>
+        </p:spPr>
+        <p:txBody>
+          <a:bodyPr wrap="none" rtlCol="0">
+            <a:spAutoFit/>
+          </a:bodyPr>
+          <a:lstStyle/>
+          <a:p>
+            <a:r>
+              <a:rPr lang="en-CL" sz="1000" dirty="0"/>
+              <a:t>1</a:t>
+            </a:r>
+          </a:p>
+        </p:txBody>
+      </p:sp>
+      <p:sp>
+        <p:nvSpPr>
+          <p:cNvPr id="32" name="TextBox 31">
+            <a:extLst>
+              <a:ext uri="{FF2B5EF4-FFF2-40B4-BE49-F238E27FC236}">
+                <a16:creationId xmlns:a16="http://schemas.microsoft.com/office/drawing/2014/main" id="{7C622119-D288-77CD-A295-9446A5960239}"/>
+              </a:ext>
+            </a:extLst>
+          </p:cNvPr>
+          <p:cNvSpPr txBox="1"/>
+          <p:nvPr/>
+        </p:nvSpPr>
+        <p:spPr>
+          <a:xfrm>
+            <a:off x="6937073" y="2767811"/>
+            <a:ext cx="250390" cy="246221"/>
+          </a:xfrm>
+          <a:prstGeom prst="rect">
+            <a:avLst/>
+          </a:prstGeom>
+          <a:noFill/>
+        </p:spPr>
+        <p:txBody>
+          <a:bodyPr wrap="none" rtlCol="0">
+            <a:spAutoFit/>
+          </a:bodyPr>
+          <a:lstStyle/>
+          <a:p>
+            <a:r>
+              <a:rPr lang="en-CL" sz="1000" dirty="0"/>
+              <a:t>1</a:t>
+            </a:r>
+          </a:p>
+        </p:txBody>
+      </p:sp>
+      <p:sp>
+        <p:nvSpPr>
+          <p:cNvPr id="33" name="TextBox 32">
+            <a:extLst>
+              <a:ext uri="{FF2B5EF4-FFF2-40B4-BE49-F238E27FC236}">
+                <a16:creationId xmlns:a16="http://schemas.microsoft.com/office/drawing/2014/main" id="{9C1BA300-600B-FB42-F753-EDC037A0B016}"/>
+              </a:ext>
+            </a:extLst>
+          </p:cNvPr>
+          <p:cNvSpPr txBox="1"/>
+          <p:nvPr/>
+        </p:nvSpPr>
+        <p:spPr>
+          <a:xfrm>
+            <a:off x="6946239" y="5815403"/>
+            <a:ext cx="250390" cy="246221"/>
+          </a:xfrm>
+          <a:prstGeom prst="rect">
+            <a:avLst/>
+          </a:prstGeom>
+          <a:noFill/>
+        </p:spPr>
+        <p:txBody>
+          <a:bodyPr wrap="none" rtlCol="0">
+            <a:spAutoFit/>
+          </a:bodyPr>
+          <a:lstStyle/>
+          <a:p>
+            <a:r>
+              <a:rPr lang="en-CL" sz="1000" dirty="0"/>
+              <a:t>0</a:t>
+            </a:r>
+          </a:p>
+        </p:txBody>
+      </p:sp>
+      <p:sp>
+        <p:nvSpPr>
+          <p:cNvPr id="34" name="TextBox 33">
+            <a:extLst>
+              <a:ext uri="{FF2B5EF4-FFF2-40B4-BE49-F238E27FC236}">
+                <a16:creationId xmlns:a16="http://schemas.microsoft.com/office/drawing/2014/main" id="{EA7026F2-B35C-3CB3-E141-7B9C30A69D8A}"/>
+              </a:ext>
+            </a:extLst>
+          </p:cNvPr>
+          <p:cNvSpPr txBox="1"/>
+          <p:nvPr/>
+        </p:nvSpPr>
+        <p:spPr>
+          <a:xfrm>
+            <a:off x="7920139" y="5833087"/>
+            <a:ext cx="250390" cy="246221"/>
+          </a:xfrm>
+          <a:prstGeom prst="rect">
+            <a:avLst/>
+          </a:prstGeom>
+          <a:noFill/>
+        </p:spPr>
+        <p:txBody>
+          <a:bodyPr wrap="none" rtlCol="0">
+            <a:spAutoFit/>
+          </a:bodyPr>
+          <a:lstStyle/>
+          <a:p>
+            <a:r>
+              <a:rPr lang="en-CL" sz="1000" dirty="0"/>
+              <a:t>1</a:t>
+            </a:r>
+          </a:p>
+        </p:txBody>
+      </p:sp>
+      <p:sp>
+        <p:nvSpPr>
+          <p:cNvPr id="35" name="TextBox 34">
+            <a:extLst>
+              <a:ext uri="{FF2B5EF4-FFF2-40B4-BE49-F238E27FC236}">
+                <a16:creationId xmlns:a16="http://schemas.microsoft.com/office/drawing/2014/main" id="{E4A4E8FD-0EC5-B698-EF33-C818438C38E2}"/>
+              </a:ext>
+            </a:extLst>
+          </p:cNvPr>
+          <p:cNvSpPr txBox="1"/>
+          <p:nvPr/>
+        </p:nvSpPr>
+        <p:spPr>
+          <a:xfrm>
+            <a:off x="6911673" y="4964911"/>
+            <a:ext cx="250390" cy="246221"/>
+          </a:xfrm>
+          <a:prstGeom prst="rect">
+            <a:avLst/>
+          </a:prstGeom>
+          <a:noFill/>
+        </p:spPr>
+        <p:txBody>
+          <a:bodyPr wrap="none" rtlCol="0">
+            <a:spAutoFit/>
+          </a:bodyPr>
+          <a:lstStyle/>
+          <a:p>
+            <a:r>
+              <a:rPr lang="en-CL" sz="1000" dirty="0"/>
+              <a:t>1</a:t>
             </a:r>
           </a:p>
         </p:txBody>
@@ -24038,51 +24437,6 @@
       </p:sp>
       <p:sp>
         <p:nvSpPr>
-          <p:cNvPr id="9" name="Rectangle 8"/>
-          <p:cNvSpPr/>
-          <p:nvPr/>
-        </p:nvSpPr>
-        <p:spPr>
-          <a:xfrm>
-            <a:off x="2431581" y="5137248"/>
-            <a:ext cx="185576" cy="390095"/>
-          </a:xfrm>
-          <a:prstGeom prst="rect">
-            <a:avLst/>
-          </a:prstGeom>
-          <a:solidFill>
-            <a:schemeClr val="bg1"/>
-          </a:solidFill>
-          <a:ln>
-            <a:noFill/>
-          </a:ln>
-          <a:effectLst/>
-        </p:spPr>
-        <p:style>
-          <a:lnRef idx="1">
-            <a:schemeClr val="accent1"/>
-          </a:lnRef>
-          <a:fillRef idx="3">
-            <a:schemeClr val="accent1"/>
-          </a:fillRef>
-          <a:effectRef idx="2">
-            <a:schemeClr val="accent1"/>
-          </a:effectRef>
-          <a:fontRef idx="minor">
-            <a:schemeClr val="lt1"/>
-          </a:fontRef>
-        </p:style>
-        <p:txBody>
-          <a:bodyPr rtlCol="0" anchor="ctr"/>
-          <a:lstStyle/>
-          <a:p>
-            <a:pPr algn="ctr"/>
-            <a:endParaRPr lang="en-US"/>
-          </a:p>
-        </p:txBody>
-      </p:sp>
-      <p:sp>
-        <p:nvSpPr>
           <p:cNvPr id="2" name="Slide Number Placeholder 1">
             <a:extLst>
               <a:ext uri="{FF2B5EF4-FFF2-40B4-BE49-F238E27FC236}">
